--- a/ONLINE STUDY NOTES PORTAL.pptx
+++ b/ONLINE STUDY NOTES PORTAL.pptx
@@ -150,6 +150,30 @@
 
 <file path=ppt/changesInfos/changesInfo1.xml><?xml version="1.0" encoding="utf-8"?>
 <pc:chgInfo xmlns:a="http://schemas.openxmlformats.org/drawingml/2006/main" xmlns:r="http://schemas.openxmlformats.org/officeDocument/2006/relationships" xmlns:ac="http://schemas.microsoft.com/office/drawing/2013/main/command" xmlns:pc="http://schemas.microsoft.com/office/powerpoint/2013/main/command">
+  <pc:docChgLst>
+    <pc:chgData name="Hemaprabha M" userId="a8a1b8df45f2ab9e" providerId="LiveId" clId="{96AD904F-FAC4-4579-8FA1-331C6A298FD3}"/>
+    <pc:docChg chg="modSld">
+      <pc:chgData name="Hemaprabha M" userId="a8a1b8df45f2ab9e" providerId="LiveId" clId="{96AD904F-FAC4-4579-8FA1-331C6A298FD3}" dt="2023-05-28T15:12:16.086" v="2" actId="20577"/>
+      <pc:docMkLst>
+        <pc:docMk/>
+      </pc:docMkLst>
+      <pc:sldChg chg="modSp mod">
+        <pc:chgData name="Hemaprabha M" userId="a8a1b8df45f2ab9e" providerId="LiveId" clId="{96AD904F-FAC4-4579-8FA1-331C6A298FD3}" dt="2023-05-28T15:12:16.086" v="2" actId="20577"/>
+        <pc:sldMkLst>
+          <pc:docMk/>
+          <pc:sldMk cId="871201397" sldId="312"/>
+        </pc:sldMkLst>
+        <pc:spChg chg="mod">
+          <ac:chgData name="Hemaprabha M" userId="a8a1b8df45f2ab9e" providerId="LiveId" clId="{96AD904F-FAC4-4579-8FA1-331C6A298FD3}" dt="2023-05-28T15:12:16.086" v="2" actId="20577"/>
+          <ac:spMkLst>
+            <pc:docMk/>
+            <pc:sldMk cId="871201397" sldId="312"/>
+            <ac:spMk id="7" creationId="{78438EBB-0907-62C1-C0D5-3CFCB63B2F12}"/>
+          </ac:spMkLst>
+        </pc:spChg>
+      </pc:sldChg>
+    </pc:docChg>
+  </pc:docChgLst>
   <pc:docChgLst>
     <pc:chgData name="Hemaprabha M" userId="a8a1b8df45f2ab9e" providerId="LiveId" clId="{CD638A2D-F9B6-4703-93E5-34AA8C0FA170}"/>
     <pc:docChg chg="undo custSel addSld delSld modSld sldOrd">
@@ -1309,7 +1333,7 @@
           <a:p>
             <a:fld id="{62A5AE42-7DC1-8140-9B13-146984FDEF22}" type="datetimeFigureOut">
               <a:rPr lang="en-US" smtClean="0"/>
-              <a:t>5/27/2023</a:t>
+              <a:t>5/28/2023</a:t>
             </a:fld>
             <a:endParaRPr lang="en-US" dirty="0"/>
           </a:p>
@@ -1486,7 +1510,7 @@
           <a:p>
             <a:fld id="{E8F75F72-8950-AF4F-9381-1D26FB547EA1}" type="datetimeFigureOut">
               <a:rPr lang="en-US" smtClean="0"/>
-              <a:t>5/27/2023</a:t>
+              <a:t>5/28/2023</a:t>
             </a:fld>
             <a:endParaRPr lang="en-US" dirty="0"/>
           </a:p>
@@ -16854,7 +16878,19 @@
                 <a:ea typeface="Symbol" panose="05050102010706020507" pitchFamily="18" charset="2"/>
                 <a:cs typeface="Symbol" panose="05050102010706020507" pitchFamily="18" charset="2"/>
               </a:rPr>
-              <a:t>Certificate generator:-After course completion user can  get the certificate </a:t>
+              <a:t>Certificate generator:-After course completion user can  get the </a:t>
+            </a:r>
+            <a:r>
+              <a:rPr lang="en-US" sz="1800">
+                <a:solidFill>
+                  <a:schemeClr val="tx1"/>
+                </a:solidFill>
+                <a:effectLst/>
+                <a:latin typeface="Times New Roman" panose="02020603050405020304" pitchFamily="18" charset="0"/>
+                <a:ea typeface="Symbol" panose="05050102010706020507" pitchFamily="18" charset="2"/>
+                <a:cs typeface="Symbol" panose="05050102010706020507" pitchFamily="18" charset="2"/>
+              </a:rPr>
+              <a:t>certificate </a:t>
             </a:r>
             <a:endParaRPr lang="en-IN" sz="1800" dirty="0">
               <a:solidFill>
@@ -16865,51 +16901,6 @@
               <a:ea typeface="Symbol" panose="05050102010706020507" pitchFamily="18" charset="2"/>
               <a:cs typeface="Symbol" panose="05050102010706020507" pitchFamily="18" charset="2"/>
             </a:endParaRPr>
-          </a:p>
-          <a:p>
-            <a:pPr marL="342900" marR="167005" lvl="0" indent="-342900" algn="just">
-              <a:lnSpc>
-                <a:spcPct val="98000"/>
-              </a:lnSpc>
-              <a:spcBef>
-                <a:spcPts val="680"/>
-              </a:spcBef>
-              <a:spcAft>
-                <a:spcPts val="0"/>
-              </a:spcAft>
-              <a:buSzPts val="1200"/>
-              <a:buFont typeface="Symbol" panose="05050102010706020507" pitchFamily="18" charset="2"/>
-              <a:buChar char=""/>
-              <a:tabLst>
-                <a:tab pos="456565" algn="l"/>
-                <a:tab pos="457200" algn="l"/>
-              </a:tabLst>
-            </a:pPr>
-            <a:r>
-              <a:rPr lang="en-US" sz="1800" dirty="0">
-                <a:solidFill>
-                  <a:schemeClr val="tx1"/>
-                </a:solidFill>
-                <a:effectLst/>
-                <a:latin typeface="Times New Roman" panose="02020603050405020304" pitchFamily="18" charset="0"/>
-                <a:ea typeface="Symbol" panose="05050102010706020507" pitchFamily="18" charset="2"/>
-                <a:cs typeface="Symbol" panose="05050102010706020507" pitchFamily="18" charset="2"/>
-              </a:rPr>
-              <a:t>Ai question:-user can  ask questions to the ai chatbot</a:t>
-            </a:r>
-            <a:endParaRPr lang="en-IN" sz="1800" dirty="0">
-              <a:solidFill>
-                <a:schemeClr val="tx1"/>
-              </a:solidFill>
-              <a:effectLst/>
-              <a:latin typeface="Times New Roman" panose="02020603050405020304" pitchFamily="18" charset="0"/>
-              <a:ea typeface="Symbol" panose="05050102010706020507" pitchFamily="18" charset="2"/>
-              <a:cs typeface="Symbol" panose="05050102010706020507" pitchFamily="18" charset="2"/>
-            </a:endParaRPr>
-          </a:p>
-          <a:p>
-            <a:pPr algn="just"/>
-            <a:endParaRPr lang="en-IN" dirty="0"/>
           </a:p>
         </p:txBody>
       </p:sp>
@@ -19357,15 +19348,6 @@
 </file>
 
 <file path=customXml/item2.xml><?xml version="1.0" encoding="utf-8"?>
-<?mso-contentType ?>
-<FormTemplates xmlns="http://schemas.microsoft.com/sharepoint/v3/contenttype/forms">
-  <Display>DocumentLibraryForm</Display>
-  <Edit>DocumentLibraryForm</Edit>
-  <New>DocumentLibraryForm</New>
-</FormTemplates>
-</file>
-
-<file path=customXml/item3.xml><?xml version="1.0" encoding="utf-8"?>
 <ct:contentTypeSchema xmlns:ct="http://schemas.microsoft.com/office/2006/metadata/contentType" xmlns:ma="http://schemas.microsoft.com/office/2006/metadata/properties/metaAttributes" ct:_="" ma:_="" ma:contentTypeName="Document" ma:contentTypeID="0x01010079F111ED35F8CC479449609E8A0923A6" ma:contentTypeVersion="24" ma:contentTypeDescription="Create a new document." ma:contentTypeScope="" ma:versionID="2d714a3296df14eba7a100bb665443ca">
   <xsd:schema xmlns:xsd="http://www.w3.org/2001/XMLSchema" xmlns:xs="http://www.w3.org/2001/XMLSchema" xmlns:p="http://schemas.microsoft.com/office/2006/metadata/properties" xmlns:ns1="http://schemas.microsoft.com/sharepoint/v3" xmlns:ns2="71af3243-3dd4-4a8d-8c0d-dd76da1f02a5" xmlns:ns3="16c05727-aa75-4e4a-9b5f-8a80a1165891" xmlns:ns4="230e9df3-be65-4c73-a93b-d1236ebd677e" targetNamespace="http://schemas.microsoft.com/office/2006/metadata/properties" ma:root="true" ma:fieldsID="49549bf45bfbbfb6cffed527380e77e1" ns1:_="" ns2:_="" ns3:_="" ns4:_="">
     <xsd:import namespace="http://schemas.microsoft.com/sharepoint/v3"/>
@@ -19653,6 +19635,15 @@
 </ct:contentTypeSchema>
 </file>
 
+<file path=customXml/item3.xml><?xml version="1.0" encoding="utf-8"?>
+<?mso-contentType ?>
+<FormTemplates xmlns="http://schemas.microsoft.com/sharepoint/v3/contenttype/forms">
+  <Display>DocumentLibraryForm</Display>
+  <Edit>DocumentLibraryForm</Edit>
+  <New>DocumentLibraryForm</New>
+</FormTemplates>
+</file>
+
 <file path=customXml/itemProps1.xml><?xml version="1.0" encoding="utf-8"?>
 <ds:datastoreItem xmlns:ds="http://schemas.openxmlformats.org/officeDocument/2006/customXml" ds:itemID="{8FBB2F3B-6257-41BB-8B64-5AC7494F274B}">
   <ds:schemaRefs>
@@ -19666,14 +19657,6 @@
 </file>
 
 <file path=customXml/itemProps2.xml><?xml version="1.0" encoding="utf-8"?>
-<ds:datastoreItem xmlns:ds="http://schemas.openxmlformats.org/officeDocument/2006/customXml" ds:itemID="{9ACE2AAA-C718-435C-B4E6-95A08ACAC441}">
-  <ds:schemaRefs>
-    <ds:schemaRef ds:uri="http://schemas.microsoft.com/sharepoint/v3/contenttype/forms"/>
-  </ds:schemaRefs>
-</ds:datastoreItem>
-</file>
-
-<file path=customXml/itemProps3.xml><?xml version="1.0" encoding="utf-8"?>
 <ds:datastoreItem xmlns:ds="http://schemas.openxmlformats.org/officeDocument/2006/customXml" ds:itemID="{614EFF02-EA18-493C-972D-813DB244CB64}">
   <ds:schemaRefs>
     <ds:schemaRef ds:uri="http://schemas.microsoft.com/office/2006/metadata/contentType"/>
@@ -19694,6 +19677,14 @@
 </ds:datastoreItem>
 </file>
 
+<file path=customXml/itemProps3.xml><?xml version="1.0" encoding="utf-8"?>
+<ds:datastoreItem xmlns:ds="http://schemas.openxmlformats.org/officeDocument/2006/customXml" ds:itemID="{9ACE2AAA-C718-435C-B4E6-95A08ACAC441}">
+  <ds:schemaRefs>
+    <ds:schemaRef ds:uri="http://schemas.microsoft.com/sharepoint/v3/contenttype/forms"/>
+  </ds:schemaRefs>
+</ds:datastoreItem>
+</file>
+
 <file path=docMetadata/LabelInfo.xml><?xml version="1.0" encoding="utf-8"?>
 <clbl:labelList xmlns:clbl="http://schemas.microsoft.com/office/2020/mipLabelMetadata"/>
 </file>
--- a/ONLINE STUDY NOTES PORTAL.pptx
+++ b/ONLINE STUDY NOTES PORTAL.pptx
@@ -150,30 +150,6 @@
 
 <file path=ppt/changesInfos/changesInfo1.xml><?xml version="1.0" encoding="utf-8"?>
 <pc:chgInfo xmlns:a="http://schemas.openxmlformats.org/drawingml/2006/main" xmlns:r="http://schemas.openxmlformats.org/officeDocument/2006/relationships" xmlns:ac="http://schemas.microsoft.com/office/drawing/2013/main/command" xmlns:pc="http://schemas.microsoft.com/office/powerpoint/2013/main/command">
-  <pc:docChgLst>
-    <pc:chgData name="Hemaprabha M" userId="a8a1b8df45f2ab9e" providerId="LiveId" clId="{96AD904F-FAC4-4579-8FA1-331C6A298FD3}"/>
-    <pc:docChg chg="modSld">
-      <pc:chgData name="Hemaprabha M" userId="a8a1b8df45f2ab9e" providerId="LiveId" clId="{96AD904F-FAC4-4579-8FA1-331C6A298FD3}" dt="2023-05-28T15:12:16.086" v="2" actId="20577"/>
-      <pc:docMkLst>
-        <pc:docMk/>
-      </pc:docMkLst>
-      <pc:sldChg chg="modSp mod">
-        <pc:chgData name="Hemaprabha M" userId="a8a1b8df45f2ab9e" providerId="LiveId" clId="{96AD904F-FAC4-4579-8FA1-331C6A298FD3}" dt="2023-05-28T15:12:16.086" v="2" actId="20577"/>
-        <pc:sldMkLst>
-          <pc:docMk/>
-          <pc:sldMk cId="871201397" sldId="312"/>
-        </pc:sldMkLst>
-        <pc:spChg chg="mod">
-          <ac:chgData name="Hemaprabha M" userId="a8a1b8df45f2ab9e" providerId="LiveId" clId="{96AD904F-FAC4-4579-8FA1-331C6A298FD3}" dt="2023-05-28T15:12:16.086" v="2" actId="20577"/>
-          <ac:spMkLst>
-            <pc:docMk/>
-            <pc:sldMk cId="871201397" sldId="312"/>
-            <ac:spMk id="7" creationId="{78438EBB-0907-62C1-C0D5-3CFCB63B2F12}"/>
-          </ac:spMkLst>
-        </pc:spChg>
-      </pc:sldChg>
-    </pc:docChg>
-  </pc:docChgLst>
   <pc:docChgLst>
     <pc:chgData name="Hemaprabha M" userId="a8a1b8df45f2ab9e" providerId="LiveId" clId="{CD638A2D-F9B6-4703-93E5-34AA8C0FA170}"/>
     <pc:docChg chg="undo custSel addSld delSld modSld sldOrd">
@@ -1236,6 +1212,30 @@
       </pc:sldChg>
     </pc:docChg>
   </pc:docChgLst>
+  <pc:docChgLst>
+    <pc:chgData name="Hemaprabha M" userId="a8a1b8df45f2ab9e" providerId="LiveId" clId="{96AD904F-FAC4-4579-8FA1-331C6A298FD3}"/>
+    <pc:docChg chg="modSld">
+      <pc:chgData name="Hemaprabha M" userId="a8a1b8df45f2ab9e" providerId="LiveId" clId="{96AD904F-FAC4-4579-8FA1-331C6A298FD3}" dt="2023-05-28T15:12:16.086" v="2" actId="20577"/>
+      <pc:docMkLst>
+        <pc:docMk/>
+      </pc:docMkLst>
+      <pc:sldChg chg="modSp mod">
+        <pc:chgData name="Hemaprabha M" userId="a8a1b8df45f2ab9e" providerId="LiveId" clId="{96AD904F-FAC4-4579-8FA1-331C6A298FD3}" dt="2023-05-28T15:12:16.086" v="2" actId="20577"/>
+        <pc:sldMkLst>
+          <pc:docMk/>
+          <pc:sldMk cId="871201397" sldId="312"/>
+        </pc:sldMkLst>
+        <pc:spChg chg="mod">
+          <ac:chgData name="Hemaprabha M" userId="a8a1b8df45f2ab9e" providerId="LiveId" clId="{96AD904F-FAC4-4579-8FA1-331C6A298FD3}" dt="2023-05-28T15:12:16.086" v="2" actId="20577"/>
+          <ac:spMkLst>
+            <pc:docMk/>
+            <pc:sldMk cId="871201397" sldId="312"/>
+            <ac:spMk id="7" creationId="{78438EBB-0907-62C1-C0D5-3CFCB63B2F12}"/>
+          </ac:spMkLst>
+        </pc:spChg>
+      </pc:sldChg>
+    </pc:docChg>
+  </pc:docChgLst>
 </pc:chgInfo>
 </file>
 
@@ -1333,7 +1333,7 @@
           <a:p>
             <a:fld id="{62A5AE42-7DC1-8140-9B13-146984FDEF22}" type="datetimeFigureOut">
               <a:rPr lang="en-US" smtClean="0"/>
-              <a:t>5/28/2023</a:t>
+              <a:t>5/30/2023</a:t>
             </a:fld>
             <a:endParaRPr lang="en-US" dirty="0"/>
           </a:p>
@@ -1510,7 +1510,7 @@
           <a:p>
             <a:fld id="{E8F75F72-8950-AF4F-9381-1D26FB547EA1}" type="datetimeFigureOut">
               <a:rPr lang="en-US" smtClean="0"/>
-              <a:t>5/28/2023</a:t>
+              <a:t>5/30/2023</a:t>
             </a:fld>
             <a:endParaRPr lang="en-US" dirty="0"/>
           </a:p>
@@ -14260,25 +14260,110 @@
         </p:spPr>
         <p:txBody>
           <a:bodyPr>
-            <a:normAutofit fontScale="92500" lnSpcReduction="10000"/>
+            <a:normAutofit/>
           </a:bodyPr>
           <a:lstStyle/>
           <a:p>
             <a:pPr algn="just"/>
+            <a:r>
+              <a:rPr lang="en-IN" sz="1900" dirty="0">
+                <a:latin typeface="Times New Roman" panose="02020603050405020304" pitchFamily="18" charset="0"/>
+                <a:cs typeface="Times New Roman" panose="02020603050405020304" pitchFamily="18" charset="0"/>
+              </a:rPr>
+              <a:t>1)AI QUESTION AND ANSWERING</a:t>
+            </a:r>
             <a:r>
               <a:rPr lang="en-IN" dirty="0">
                 <a:latin typeface="Times New Roman" panose="02020603050405020304" pitchFamily="18" charset="0"/>
                 <a:cs typeface="Times New Roman" panose="02020603050405020304" pitchFamily="18" charset="0"/>
               </a:rPr>
-              <a:t>AI QUESTION AND ANSWERING:-</a:t>
+              <a:t>:-To implement </a:t>
+            </a:r>
+            <a:r>
+              <a:rPr lang="en-IN" dirty="0" err="1">
+                <a:latin typeface="Times New Roman" panose="02020603050405020304" pitchFamily="18" charset="0"/>
+                <a:cs typeface="Times New Roman" panose="02020603050405020304" pitchFamily="18" charset="0"/>
+              </a:rPr>
+              <a:t>ChatGPT</a:t>
+            </a:r>
+            <a:r>
+              <a:rPr lang="en-IN" dirty="0">
+                <a:latin typeface="Times New Roman" panose="02020603050405020304" pitchFamily="18" charset="0"/>
+                <a:cs typeface="Times New Roman" panose="02020603050405020304" pitchFamily="18" charset="0"/>
+              </a:rPr>
+              <a:t> like feature</a:t>
             </a:r>
             <a:r>
               <a:rPr lang="en-US" dirty="0">
                 <a:latin typeface="Times New Roman" panose="02020603050405020304" pitchFamily="18" charset="0"/>
                 <a:cs typeface="Times New Roman" panose="02020603050405020304" pitchFamily="18" charset="0"/>
               </a:rPr>
-              <a:t>AI question and answering systems leverage natural language processing and machine learning techniques to understand and respond to user questions with relevant and accurate information. By analyzing textual data and applying advanced algorithms, AI question and answering systems can provide concise and contextually appropriate answers to a wide range of user queries, improving information retrieval and user satisfaction. These systems have the potential to revolutionize information-seeking processes, enabling users to obtain quick and accurate answers to their questions from vast amounts of data and knowledge sources.</a:t>
-            </a:r>
+              <a:t>.</a:t>
+            </a:r>
+          </a:p>
+          <a:p>
+            <a:pPr algn="just"/>
+            <a:r>
+              <a:rPr lang="en-IN" sz="1900" dirty="0">
+                <a:latin typeface="Times New Roman" panose="02020603050405020304" pitchFamily="18" charset="0"/>
+                <a:cs typeface="Times New Roman" panose="02020603050405020304" pitchFamily="18" charset="0"/>
+              </a:rPr>
+              <a:t>2)VIDEO CHAT</a:t>
+            </a:r>
+            <a:r>
+              <a:rPr lang="en-IN" sz="2400" dirty="0">
+                <a:latin typeface="Times New Roman" panose="02020603050405020304" pitchFamily="18" charset="0"/>
+                <a:cs typeface="Times New Roman" panose="02020603050405020304" pitchFamily="18" charset="0"/>
+              </a:rPr>
+              <a:t>:-</a:t>
+            </a:r>
+            <a:r>
+              <a:rPr lang="en-US" sz="2000" dirty="0">
+                <a:effectLst/>
+                <a:latin typeface="Times New Roman" panose="02020603050405020304" pitchFamily="18" charset="0"/>
+                <a:ea typeface="Times New Roman" panose="02020603050405020304" pitchFamily="18" charset="0"/>
+              </a:rPr>
+              <a:t> Users who are using online  study notes  portal can chat with experts for clearing their doubts with experts.</a:t>
+            </a:r>
+            <a:r>
+              <a:rPr lang="en-IN" sz="2400" dirty="0">
+                <a:latin typeface="Times New Roman" panose="02020603050405020304" pitchFamily="18" charset="0"/>
+                <a:cs typeface="Times New Roman" panose="02020603050405020304" pitchFamily="18" charset="0"/>
+              </a:rPr>
+              <a:t> </a:t>
+            </a:r>
+          </a:p>
+          <a:p>
+            <a:pPr algn="just"/>
+            <a:r>
+              <a:rPr lang="en-IN" sz="1900" dirty="0">
+                <a:latin typeface="Times New Roman" panose="02020603050405020304" pitchFamily="18" charset="0"/>
+                <a:cs typeface="Times New Roman" panose="02020603050405020304" pitchFamily="18" charset="0"/>
+              </a:rPr>
+              <a:t>3)ONLINE DEGREE COURSES</a:t>
+            </a:r>
+            <a:r>
+              <a:rPr lang="en-IN" sz="2400" dirty="0">
+                <a:latin typeface="Times New Roman" panose="02020603050405020304" pitchFamily="18" charset="0"/>
+                <a:cs typeface="Times New Roman" panose="02020603050405020304" pitchFamily="18" charset="0"/>
+              </a:rPr>
+              <a:t>:-</a:t>
+            </a:r>
+            <a:r>
+              <a:rPr lang="en-US" sz="2000" dirty="0">
+                <a:effectLst/>
+                <a:latin typeface="Times New Roman" panose="02020603050405020304" pitchFamily="18" charset="0"/>
+                <a:ea typeface="Times New Roman" panose="02020603050405020304" pitchFamily="18" charset="0"/>
+              </a:rPr>
+              <a:t>To collaborate with universities to provide online degree courses  at affordable price</a:t>
+            </a:r>
+            <a:endParaRPr lang="en-IN" sz="2400" dirty="0">
+              <a:latin typeface="Times New Roman" panose="02020603050405020304" pitchFamily="18" charset="0"/>
+              <a:cs typeface="Times New Roman" panose="02020603050405020304" pitchFamily="18" charset="0"/>
+            </a:endParaRPr>
+          </a:p>
+          <a:p>
+            <a:pPr algn="just"/>
             <a:endParaRPr lang="en-IN" dirty="0">
               <a:latin typeface="Times New Roman" panose="02020603050405020304" pitchFamily="18" charset="0"/>
               <a:cs typeface="Times New Roman" panose="02020603050405020304" pitchFamily="18" charset="0"/>
@@ -14530,19 +14615,59 @@
         </p:nvSpPr>
         <p:spPr/>
         <p:txBody>
-          <a:bodyPr/>
+          <a:bodyPr>
+            <a:normAutofit lnSpcReduction="10000"/>
+          </a:bodyPr>
           <a:lstStyle/>
           <a:p>
+            <a:pPr algn="just"/>
             <a:r>
               <a:rPr lang="en-IN" dirty="0"/>
-              <a:t>	1)CHATGPT</a:t>
-            </a:r>
-          </a:p>
-          <a:p>
+              <a:t>1)CHATGPT</a:t>
+            </a:r>
+          </a:p>
+          <a:p>
+            <a:pPr algn="just"/>
             <a:r>
               <a:rPr lang="en-IN" dirty="0"/>
-              <a:t>		2)STACK OVERFLOW</a:t>
-            </a:r>
+              <a:t>2)STACK OVERFLOW</a:t>
+            </a:r>
+          </a:p>
+          <a:p>
+            <a:pPr algn="just"/>
+            <a:r>
+              <a:rPr lang="en-IN" dirty="0"/>
+              <a:t>3) </a:t>
+            </a:r>
+            <a:r>
+              <a:rPr lang="en-IN" dirty="0">
+                <a:hlinkClick r:id="rId2"/>
+              </a:rPr>
+              <a:t>https://dev.to/madhubankhatri/file-share-website-updated-version-django-project--1akp</a:t>
+            </a:r>
+            <a:endParaRPr lang="en-IN" dirty="0"/>
+          </a:p>
+          <a:p>
+            <a:pPr algn="just"/>
+            <a:r>
+              <a:rPr lang="en-IN"/>
+              <a:t>4) </a:t>
+            </a:r>
+            <a:r>
+              <a:rPr lang="en-IN">
+                <a:hlinkClick r:id="rId3"/>
+              </a:rPr>
+              <a:t>https://studygyaan.com/django/django-crud-create-retrieve-update-delete-function-based-views?ez_vid=057433bf2d2159c8bbffbfba9f36d35506722b432a927934e289e372eeb9a0f9#ezoic-pub-video-placeholder-3998</a:t>
+            </a:r>
+            <a:endParaRPr lang="en-IN"/>
+          </a:p>
+          <a:p>
+            <a:pPr algn="just"/>
+            <a:endParaRPr lang="en-IN"/>
+          </a:p>
+          <a:p>
+            <a:pPr algn="just"/>
+            <a:endParaRPr lang="en-IN" dirty="0"/>
           </a:p>
           <a:p>
             <a:endParaRPr lang="en-IN" dirty="0"/>
@@ -19348,6 +19473,15 @@
 </file>
 
 <file path=customXml/item2.xml><?xml version="1.0" encoding="utf-8"?>
+<?mso-contentType ?>
+<FormTemplates xmlns="http://schemas.microsoft.com/sharepoint/v3/contenttype/forms">
+  <Display>DocumentLibraryForm</Display>
+  <Edit>DocumentLibraryForm</Edit>
+  <New>DocumentLibraryForm</New>
+</FormTemplates>
+</file>
+
+<file path=customXml/item3.xml><?xml version="1.0" encoding="utf-8"?>
 <ct:contentTypeSchema xmlns:ct="http://schemas.microsoft.com/office/2006/metadata/contentType" xmlns:ma="http://schemas.microsoft.com/office/2006/metadata/properties/metaAttributes" ct:_="" ma:_="" ma:contentTypeName="Document" ma:contentTypeID="0x01010079F111ED35F8CC479449609E8A0923A6" ma:contentTypeVersion="24" ma:contentTypeDescription="Create a new document." ma:contentTypeScope="" ma:versionID="2d714a3296df14eba7a100bb665443ca">
   <xsd:schema xmlns:xsd="http://www.w3.org/2001/XMLSchema" xmlns:xs="http://www.w3.org/2001/XMLSchema" xmlns:p="http://schemas.microsoft.com/office/2006/metadata/properties" xmlns:ns1="http://schemas.microsoft.com/sharepoint/v3" xmlns:ns2="71af3243-3dd4-4a8d-8c0d-dd76da1f02a5" xmlns:ns3="16c05727-aa75-4e4a-9b5f-8a80a1165891" xmlns:ns4="230e9df3-be65-4c73-a93b-d1236ebd677e" targetNamespace="http://schemas.microsoft.com/office/2006/metadata/properties" ma:root="true" ma:fieldsID="49549bf45bfbbfb6cffed527380e77e1" ns1:_="" ns2:_="" ns3:_="" ns4:_="">
     <xsd:import namespace="http://schemas.microsoft.com/sharepoint/v3"/>
@@ -19635,15 +19769,6 @@
 </ct:contentTypeSchema>
 </file>
 
-<file path=customXml/item3.xml><?xml version="1.0" encoding="utf-8"?>
-<?mso-contentType ?>
-<FormTemplates xmlns="http://schemas.microsoft.com/sharepoint/v3/contenttype/forms">
-  <Display>DocumentLibraryForm</Display>
-  <Edit>DocumentLibraryForm</Edit>
-  <New>DocumentLibraryForm</New>
-</FormTemplates>
-</file>
-
 <file path=customXml/itemProps1.xml><?xml version="1.0" encoding="utf-8"?>
 <ds:datastoreItem xmlns:ds="http://schemas.openxmlformats.org/officeDocument/2006/customXml" ds:itemID="{8FBB2F3B-6257-41BB-8B64-5AC7494F274B}">
   <ds:schemaRefs>
@@ -19657,6 +19782,14 @@
 </file>
 
 <file path=customXml/itemProps2.xml><?xml version="1.0" encoding="utf-8"?>
+<ds:datastoreItem xmlns:ds="http://schemas.openxmlformats.org/officeDocument/2006/customXml" ds:itemID="{9ACE2AAA-C718-435C-B4E6-95A08ACAC441}">
+  <ds:schemaRefs>
+    <ds:schemaRef ds:uri="http://schemas.microsoft.com/sharepoint/v3/contenttype/forms"/>
+  </ds:schemaRefs>
+</ds:datastoreItem>
+</file>
+
+<file path=customXml/itemProps3.xml><?xml version="1.0" encoding="utf-8"?>
 <ds:datastoreItem xmlns:ds="http://schemas.openxmlformats.org/officeDocument/2006/customXml" ds:itemID="{614EFF02-EA18-493C-972D-813DB244CB64}">
   <ds:schemaRefs>
     <ds:schemaRef ds:uri="http://schemas.microsoft.com/office/2006/metadata/contentType"/>
@@ -19677,14 +19810,6 @@
 </ds:datastoreItem>
 </file>
 
-<file path=customXml/itemProps3.xml><?xml version="1.0" encoding="utf-8"?>
-<ds:datastoreItem xmlns:ds="http://schemas.openxmlformats.org/officeDocument/2006/customXml" ds:itemID="{9ACE2AAA-C718-435C-B4E6-95A08ACAC441}">
-  <ds:schemaRefs>
-    <ds:schemaRef ds:uri="http://schemas.microsoft.com/sharepoint/v3/contenttype/forms"/>
-  </ds:schemaRefs>
-</ds:datastoreItem>
-</file>
-
 <file path=docMetadata/LabelInfo.xml><?xml version="1.0" encoding="utf-8"?>
 <clbl:labelList xmlns:clbl="http://schemas.microsoft.com/office/2020/mipLabelMetadata"/>
 </file>
--- a/ONLINE STUDY NOTES PORTAL.pptx
+++ b/ONLINE STUDY NOTES PORTAL.pptx
@@ -5,28 +5,27 @@
     <p:sldMasterId id="2147483648" r:id="rId4"/>
   </p:sldMasterIdLst>
   <p:notesMasterIdLst>
-    <p:notesMasterId r:id="rId21"/>
+    <p:notesMasterId r:id="rId20"/>
   </p:notesMasterIdLst>
   <p:handoutMasterIdLst>
-    <p:handoutMasterId r:id="rId22"/>
+    <p:handoutMasterId r:id="rId21"/>
   </p:handoutMasterIdLst>
   <p:sldIdLst>
     <p:sldId id="305" r:id="rId5"/>
     <p:sldId id="296" r:id="rId6"/>
     <p:sldId id="306" r:id="rId7"/>
-    <p:sldId id="259" r:id="rId8"/>
-    <p:sldId id="311" r:id="rId9"/>
-    <p:sldId id="312" r:id="rId10"/>
-    <p:sldId id="314" r:id="rId11"/>
-    <p:sldId id="284" r:id="rId12"/>
-    <p:sldId id="294" r:id="rId13"/>
-    <p:sldId id="310" r:id="rId14"/>
-    <p:sldId id="300" r:id="rId15"/>
-    <p:sldId id="302" r:id="rId16"/>
-    <p:sldId id="318" r:id="rId17"/>
-    <p:sldId id="320" r:id="rId18"/>
-    <p:sldId id="321" r:id="rId19"/>
-    <p:sldId id="316" r:id="rId20"/>
+    <p:sldId id="311" r:id="rId8"/>
+    <p:sldId id="312" r:id="rId9"/>
+    <p:sldId id="314" r:id="rId10"/>
+    <p:sldId id="284" r:id="rId11"/>
+    <p:sldId id="294" r:id="rId12"/>
+    <p:sldId id="310" r:id="rId13"/>
+    <p:sldId id="300" r:id="rId14"/>
+    <p:sldId id="302" r:id="rId15"/>
+    <p:sldId id="318" r:id="rId16"/>
+    <p:sldId id="320" r:id="rId17"/>
+    <p:sldId id="321" r:id="rId18"/>
+    <p:sldId id="316" r:id="rId19"/>
   </p:sldIdLst>
   <p:sldSz cx="12192000" cy="6858000"/>
   <p:notesSz cx="6858000" cy="9144000"/>
@@ -150,6 +149,113 @@
 
 <file path=ppt/changesInfos/changesInfo1.xml><?xml version="1.0" encoding="utf-8"?>
 <pc:chgInfo xmlns:a="http://schemas.openxmlformats.org/drawingml/2006/main" xmlns:r="http://schemas.openxmlformats.org/officeDocument/2006/relationships" xmlns:ac="http://schemas.microsoft.com/office/drawing/2013/main/command" xmlns:pc="http://schemas.microsoft.com/office/powerpoint/2013/main/command">
+  <pc:docChgLst>
+    <pc:chgData name="Hemaprabha M" userId="a8a1b8df45f2ab9e" providerId="LiveId" clId="{96AD904F-FAC4-4579-8FA1-331C6A298FD3}"/>
+    <pc:docChg chg="undo custSel addSld delSld modSld">
+      <pc:chgData name="Hemaprabha M" userId="a8a1b8df45f2ab9e" providerId="LiveId" clId="{96AD904F-FAC4-4579-8FA1-331C6A298FD3}" dt="2023-06-01T22:30:19.723" v="416" actId="27636"/>
+      <pc:docMkLst>
+        <pc:docMk/>
+      </pc:docMkLst>
+      <pc:sldChg chg="del">
+        <pc:chgData name="Hemaprabha M" userId="a8a1b8df45f2ab9e" providerId="LiveId" clId="{96AD904F-FAC4-4579-8FA1-331C6A298FD3}" dt="2023-06-01T13:50:53.100" v="31" actId="47"/>
+        <pc:sldMkLst>
+          <pc:docMk/>
+          <pc:sldMk cId="3446797337" sldId="259"/>
+        </pc:sldMkLst>
+      </pc:sldChg>
+      <pc:sldChg chg="addSp delSp modSp mod">
+        <pc:chgData name="Hemaprabha M" userId="a8a1b8df45f2ab9e" providerId="LiveId" clId="{96AD904F-FAC4-4579-8FA1-331C6A298FD3}" dt="2023-06-01T15:03:10.631" v="38" actId="14100"/>
+        <pc:sldMkLst>
+          <pc:docMk/>
+          <pc:sldMk cId="25800700" sldId="294"/>
+        </pc:sldMkLst>
+        <pc:picChg chg="add del mod">
+          <ac:chgData name="Hemaprabha M" userId="a8a1b8df45f2ab9e" providerId="LiveId" clId="{96AD904F-FAC4-4579-8FA1-331C6A298FD3}" dt="2023-06-01T15:03:10.631" v="38" actId="14100"/>
+          <ac:picMkLst>
+            <pc:docMk/>
+            <pc:sldMk cId="25800700" sldId="294"/>
+            <ac:picMk id="11" creationId="{4CE9AD9C-5ACE-8EAC-FA92-DDBEEC92FC10}"/>
+          </ac:picMkLst>
+        </pc:picChg>
+      </pc:sldChg>
+      <pc:sldChg chg="addSp modSp mod chgLayout">
+        <pc:chgData name="Hemaprabha M" userId="a8a1b8df45f2ab9e" providerId="LiveId" clId="{96AD904F-FAC4-4579-8FA1-331C6A298FD3}" dt="2023-06-01T22:26:41.279" v="201" actId="20577"/>
+        <pc:sldMkLst>
+          <pc:docMk/>
+          <pc:sldMk cId="941015171" sldId="311"/>
+        </pc:sldMkLst>
+        <pc:spChg chg="add mod ord">
+          <ac:chgData name="Hemaprabha M" userId="a8a1b8df45f2ab9e" providerId="LiveId" clId="{96AD904F-FAC4-4579-8FA1-331C6A298FD3}" dt="2023-06-01T13:50:43.826" v="28" actId="14100"/>
+          <ac:spMkLst>
+            <pc:docMk/>
+            <pc:sldMk cId="941015171" sldId="311"/>
+            <ac:spMk id="2" creationId="{5A1841B7-EAC7-D3AF-FC0E-8030500DEB9C}"/>
+          </ac:spMkLst>
+        </pc:spChg>
+        <pc:spChg chg="mod ord">
+          <ac:chgData name="Hemaprabha M" userId="a8a1b8df45f2ab9e" providerId="LiveId" clId="{96AD904F-FAC4-4579-8FA1-331C6A298FD3}" dt="2023-06-01T13:50:16.347" v="19" actId="700"/>
+          <ac:spMkLst>
+            <pc:docMk/>
+            <pc:sldMk cId="941015171" sldId="311"/>
+            <ac:spMk id="4" creationId="{21D9DF05-D04B-F9CE-FC13-DEDFBD7A9507}"/>
+          </ac:spMkLst>
+        </pc:spChg>
+        <pc:spChg chg="mod ord">
+          <ac:chgData name="Hemaprabha M" userId="a8a1b8df45f2ab9e" providerId="LiveId" clId="{96AD904F-FAC4-4579-8FA1-331C6A298FD3}" dt="2023-06-01T13:50:16.347" v="19" actId="700"/>
+          <ac:spMkLst>
+            <pc:docMk/>
+            <pc:sldMk cId="941015171" sldId="311"/>
+            <ac:spMk id="5" creationId="{7D56BD15-0727-BBF1-FBD8-0228EA23C767}"/>
+          </ac:spMkLst>
+        </pc:spChg>
+        <pc:spChg chg="mod ord">
+          <ac:chgData name="Hemaprabha M" userId="a8a1b8df45f2ab9e" providerId="LiveId" clId="{96AD904F-FAC4-4579-8FA1-331C6A298FD3}" dt="2023-06-01T22:26:41.279" v="201" actId="20577"/>
+          <ac:spMkLst>
+            <pc:docMk/>
+            <pc:sldMk cId="941015171" sldId="311"/>
+            <ac:spMk id="7" creationId="{2E8E540A-8084-2926-0D31-CBD93F89B105}"/>
+          </ac:spMkLst>
+        </pc:spChg>
+      </pc:sldChg>
+      <pc:sldChg chg="modSp mod">
+        <pc:chgData name="Hemaprabha M" userId="a8a1b8df45f2ab9e" providerId="LiveId" clId="{96AD904F-FAC4-4579-8FA1-331C6A298FD3}" dt="2023-06-01T22:27:05.402" v="203" actId="6549"/>
+        <pc:sldMkLst>
+          <pc:docMk/>
+          <pc:sldMk cId="871201397" sldId="312"/>
+        </pc:sldMkLst>
+        <pc:spChg chg="mod">
+          <ac:chgData name="Hemaprabha M" userId="a8a1b8df45f2ab9e" providerId="LiveId" clId="{96AD904F-FAC4-4579-8FA1-331C6A298FD3}" dt="2023-06-01T22:27:05.402" v="203" actId="6549"/>
+          <ac:spMkLst>
+            <pc:docMk/>
+            <pc:sldMk cId="871201397" sldId="312"/>
+            <ac:spMk id="7" creationId="{78438EBB-0907-62C1-C0D5-3CFCB63B2F12}"/>
+          </ac:spMkLst>
+        </pc:spChg>
+      </pc:sldChg>
+      <pc:sldChg chg="modSp mod">
+        <pc:chgData name="Hemaprabha M" userId="a8a1b8df45f2ab9e" providerId="LiveId" clId="{96AD904F-FAC4-4579-8FA1-331C6A298FD3}" dt="2023-06-01T22:30:19.723" v="416" actId="27636"/>
+        <pc:sldMkLst>
+          <pc:docMk/>
+          <pc:sldMk cId="1513587146" sldId="318"/>
+        </pc:sldMkLst>
+        <pc:spChg chg="mod">
+          <ac:chgData name="Hemaprabha M" userId="a8a1b8df45f2ab9e" providerId="LiveId" clId="{96AD904F-FAC4-4579-8FA1-331C6A298FD3}" dt="2023-06-01T22:30:19.723" v="416" actId="27636"/>
+          <ac:spMkLst>
+            <pc:docMk/>
+            <pc:sldMk cId="1513587146" sldId="318"/>
+            <ac:spMk id="7" creationId="{FF2917C1-FDB2-008E-EBB2-7055C23524A6}"/>
+          </ac:spMkLst>
+        </pc:spChg>
+      </pc:sldChg>
+      <pc:sldChg chg="add del">
+        <pc:chgData name="Hemaprabha M" userId="a8a1b8df45f2ab9e" providerId="LiveId" clId="{96AD904F-FAC4-4579-8FA1-331C6A298FD3}" dt="2023-06-01T15:15:32.008" v="39" actId="47"/>
+        <pc:sldMkLst>
+          <pc:docMk/>
+          <pc:sldMk cId="2367565337" sldId="322"/>
+        </pc:sldMkLst>
+      </pc:sldChg>
+    </pc:docChg>
+  </pc:docChgLst>
   <pc:docChgLst>
     <pc:chgData name="Hemaprabha M" userId="a8a1b8df45f2ab9e" providerId="LiveId" clId="{CD638A2D-F9B6-4703-93E5-34AA8C0FA170}"/>
     <pc:docChg chg="undo custSel addSld delSld modSld sldOrd">
@@ -1212,30 +1318,6 @@
       </pc:sldChg>
     </pc:docChg>
   </pc:docChgLst>
-  <pc:docChgLst>
-    <pc:chgData name="Hemaprabha M" userId="a8a1b8df45f2ab9e" providerId="LiveId" clId="{96AD904F-FAC4-4579-8FA1-331C6A298FD3}"/>
-    <pc:docChg chg="modSld">
-      <pc:chgData name="Hemaprabha M" userId="a8a1b8df45f2ab9e" providerId="LiveId" clId="{96AD904F-FAC4-4579-8FA1-331C6A298FD3}" dt="2023-05-28T15:12:16.086" v="2" actId="20577"/>
-      <pc:docMkLst>
-        <pc:docMk/>
-      </pc:docMkLst>
-      <pc:sldChg chg="modSp mod">
-        <pc:chgData name="Hemaprabha M" userId="a8a1b8df45f2ab9e" providerId="LiveId" clId="{96AD904F-FAC4-4579-8FA1-331C6A298FD3}" dt="2023-05-28T15:12:16.086" v="2" actId="20577"/>
-        <pc:sldMkLst>
-          <pc:docMk/>
-          <pc:sldMk cId="871201397" sldId="312"/>
-        </pc:sldMkLst>
-        <pc:spChg chg="mod">
-          <ac:chgData name="Hemaprabha M" userId="a8a1b8df45f2ab9e" providerId="LiveId" clId="{96AD904F-FAC4-4579-8FA1-331C6A298FD3}" dt="2023-05-28T15:12:16.086" v="2" actId="20577"/>
-          <ac:spMkLst>
-            <pc:docMk/>
-            <pc:sldMk cId="871201397" sldId="312"/>
-            <ac:spMk id="7" creationId="{78438EBB-0907-62C1-C0D5-3CFCB63B2F12}"/>
-          </ac:spMkLst>
-        </pc:spChg>
-      </pc:sldChg>
-    </pc:docChg>
-  </pc:docChgLst>
 </pc:chgInfo>
 </file>
 
@@ -1333,7 +1415,7 @@
           <a:p>
             <a:fld id="{62A5AE42-7DC1-8140-9B13-146984FDEF22}" type="datetimeFigureOut">
               <a:rPr lang="en-US" smtClean="0"/>
-              <a:t>5/30/2023</a:t>
+              <a:t>6/2/2023</a:t>
             </a:fld>
             <a:endParaRPr lang="en-US" dirty="0"/>
           </a:p>
@@ -1510,7 +1592,7 @@
           <a:p>
             <a:fld id="{E8F75F72-8950-AF4F-9381-1D26FB547EA1}" type="datetimeFigureOut">
               <a:rPr lang="en-US" smtClean="0"/>
-              <a:t>5/30/2023</a:t>
+              <a:t>6/2/2023</a:t>
             </a:fld>
             <a:endParaRPr lang="en-US" dirty="0"/>
           </a:p>
@@ -1852,90 +1934,6 @@
     <p:extLst>
       <p:ext uri="{BB962C8B-B14F-4D97-AF65-F5344CB8AC3E}">
         <p14:creationId xmlns:p14="http://schemas.microsoft.com/office/powerpoint/2010/main" val="3270232881"/>
-      </p:ext>
-    </p:extLst>
-  </p:cSld>
-  <p:clrMapOvr>
-    <a:masterClrMapping/>
-  </p:clrMapOvr>
-</p:notes>
-</file>
-
-<file path=ppt/notesSlides/notesSlide2.xml><?xml version="1.0" encoding="utf-8"?>
-<p:notes xmlns:a="http://schemas.openxmlformats.org/drawingml/2006/main" xmlns:r="http://schemas.openxmlformats.org/officeDocument/2006/relationships" xmlns:p="http://schemas.openxmlformats.org/presentationml/2006/main">
-  <p:cSld>
-    <p:spTree>
-      <p:nvGrpSpPr>
-        <p:cNvPr id="1" name=""/>
-        <p:cNvGrpSpPr/>
-        <p:nvPr/>
-      </p:nvGrpSpPr>
-      <p:grpSpPr>
-        <a:xfrm>
-          <a:off x="0" y="0"/>
-          <a:ext cx="0" cy="0"/>
-          <a:chOff x="0" y="0"/>
-          <a:chExt cx="0" cy="0"/>
-        </a:xfrm>
-      </p:grpSpPr>
-      <p:sp>
-        <p:nvSpPr>
-          <p:cNvPr id="2" name="Slide Image Placeholder 1"/>
-          <p:cNvSpPr>
-            <a:spLocks noGrp="1" noRot="1" noChangeAspect="1"/>
-          </p:cNvSpPr>
-          <p:nvPr>
-            <p:ph type="sldImg"/>
-          </p:nvPr>
-        </p:nvSpPr>
-        <p:spPr/>
-      </p:sp>
-      <p:sp>
-        <p:nvSpPr>
-          <p:cNvPr id="3" name="Notes Placeholder 2"/>
-          <p:cNvSpPr>
-            <a:spLocks noGrp="1"/>
-          </p:cNvSpPr>
-          <p:nvPr>
-            <p:ph type="body" idx="1"/>
-          </p:nvPr>
-        </p:nvSpPr>
-        <p:spPr/>
-        <p:txBody>
-          <a:bodyPr/>
-          <a:lstStyle/>
-          <a:p>
-            <a:endParaRPr lang="en-US" dirty="0"/>
-          </a:p>
-        </p:txBody>
-      </p:sp>
-      <p:sp>
-        <p:nvSpPr>
-          <p:cNvPr id="4" name="Slide Number Placeholder 3"/>
-          <p:cNvSpPr>
-            <a:spLocks noGrp="1"/>
-          </p:cNvSpPr>
-          <p:nvPr>
-            <p:ph type="sldNum" sz="quarter" idx="5"/>
-          </p:nvPr>
-        </p:nvSpPr>
-        <p:spPr/>
-        <p:txBody>
-          <a:bodyPr/>
-          <a:lstStyle/>
-          <a:p>
-            <a:fld id="{0775476F-A808-1F46-A368-07984F6DA22E}" type="slidenum">
-              <a:rPr lang="en-US" smtClean="0"/>
-              <a:t>4</a:t>
-            </a:fld>
-            <a:endParaRPr lang="en-US" dirty="0"/>
-          </a:p>
-        </p:txBody>
-      </p:sp>
-    </p:spTree>
-    <p:extLst>
-      <p:ext uri="{BB962C8B-B14F-4D97-AF65-F5344CB8AC3E}">
-        <p14:creationId xmlns:p14="http://schemas.microsoft.com/office/powerpoint/2010/main" val="12428827"/>
       </p:ext>
     </p:extLst>
   </p:cSld>
@@ -12680,10 +12678,10 @@
       </p:grpSpPr>
       <p:sp>
         <p:nvSpPr>
-          <p:cNvPr id="2" name="Title 1">
-            <a:extLst>
-              <a:ext uri="{FF2B5EF4-FFF2-40B4-BE49-F238E27FC236}">
-                <a16:creationId xmlns:a16="http://schemas.microsoft.com/office/drawing/2014/main" id="{69554157-869F-9BBE-CFCF-717129CA6907}"/>
+          <p:cNvPr id="15" name="Title 1">
+            <a:extLst>
+              <a:ext uri="{FF2B5EF4-FFF2-40B4-BE49-F238E27FC236}">
+                <a16:creationId xmlns:a16="http://schemas.microsoft.com/office/drawing/2014/main" id="{42B83A51-05F1-A429-14BC-5D228E88FD4A}"/>
               </a:ext>
             </a:extLst>
           </p:cNvPr>
@@ -12694,109 +12692,35 @@
             <p:ph type="title"/>
           </p:nvPr>
         </p:nvSpPr>
-        <p:spPr/>
+        <p:spPr>
+          <a:xfrm>
+            <a:off x="0" y="0"/>
+            <a:ext cx="5037667" cy="973667"/>
+          </a:xfrm>
+        </p:spPr>
         <p:txBody>
           <a:bodyPr>
-            <a:normAutofit/>
+            <a:normAutofit fontScale="90000"/>
           </a:bodyPr>
           <a:lstStyle/>
           <a:p>
+            <a:pPr algn="ctr"/>
             <a:r>
               <a:rPr lang="en-US" dirty="0">
-                <a:latin typeface="Baskerville Old Face" panose="02020602080505020303" pitchFamily="18" charset="77"/>
-              </a:rPr>
-              <a:t>Challenges faced during the development</a:t>
-            </a:r>
-            <a:r>
-              <a:rPr lang="en-US" dirty="0">
-                <a:solidFill>
-                  <a:schemeClr val="accent3"/>
-                </a:solidFill>
-              </a:rPr>
-              <a:t> </a:t>
-            </a:r>
-            <a:endParaRPr lang="en-US" dirty="0"/>
-          </a:p>
-        </p:txBody>
-      </p:sp>
-      <p:sp>
-        <p:nvSpPr>
-          <p:cNvPr id="6" name="Text Placeholder 5">
-            <a:extLst>
-              <a:ext uri="{FF2B5EF4-FFF2-40B4-BE49-F238E27FC236}">
-                <a16:creationId xmlns:a16="http://schemas.microsoft.com/office/drawing/2014/main" id="{4745F791-6509-4077-2322-878B001A0DA1}"/>
-              </a:ext>
-            </a:extLst>
-          </p:cNvPr>
-          <p:cNvSpPr>
-            <a:spLocks noGrp="1"/>
-          </p:cNvSpPr>
-          <p:nvPr>
-            <p:ph type="body" idx="1"/>
-          </p:nvPr>
-        </p:nvSpPr>
-        <p:spPr/>
-        <p:txBody>
-          <a:bodyPr>
-            <a:normAutofit fontScale="85000" lnSpcReduction="10000"/>
-          </a:bodyPr>
-          <a:lstStyle/>
-          <a:p>
-            <a:r>
-              <a:rPr lang="en-IN" dirty="0"/>
-              <a:t>USER AUTHENTICATION</a:t>
-            </a:r>
-          </a:p>
-        </p:txBody>
-      </p:sp>
-      <p:sp>
-        <p:nvSpPr>
-          <p:cNvPr id="3" name="Content Placeholder 2">
-            <a:extLst>
-              <a:ext uri="{FF2B5EF4-FFF2-40B4-BE49-F238E27FC236}">
-                <a16:creationId xmlns:a16="http://schemas.microsoft.com/office/drawing/2014/main" id="{DC9AC05D-560D-1665-8879-549C0B4EDE5C}"/>
-              </a:ext>
-            </a:extLst>
-          </p:cNvPr>
-          <p:cNvSpPr>
-            <a:spLocks noGrp="1"/>
-          </p:cNvSpPr>
-          <p:nvPr>
-            <p:ph sz="half" idx="2"/>
-          </p:nvPr>
-        </p:nvSpPr>
-        <p:spPr/>
-        <p:txBody>
-          <a:bodyPr>
-            <a:normAutofit/>
-          </a:bodyPr>
-          <a:lstStyle/>
-          <a:p>
-            <a:pPr marL="0" indent="0">
-              <a:lnSpc>
-                <a:spcPct val="100000"/>
-              </a:lnSpc>
-              <a:buNone/>
-            </a:pPr>
-            <a:r>
-              <a:rPr lang="en-US" sz="1800" dirty="0">
-                <a:solidFill>
-                  <a:schemeClr val="accent3"/>
-                </a:solidFill>
                 <a:latin typeface="Times New Roman" panose="02020603050405020304" pitchFamily="18" charset="0"/>
                 <a:cs typeface="Times New Roman" panose="02020603050405020304" pitchFamily="18" charset="0"/>
               </a:rPr>
-              <a:t>User authentication in an online study notes portal involves implementing secure login mechanisms (such as username/password or two-factor authentication) to verify the identity of users, allowing only authorized individuals to access and interact with their study notes, ensuring data confidentiality and protection.</a:t>
-            </a:r>
-          </a:p>
-        </p:txBody>
-      </p:sp>
-      <p:sp>
-        <p:nvSpPr>
-          <p:cNvPr id="7" name="Text Placeholder 6">
-            <a:extLst>
-              <a:ext uri="{FF2B5EF4-FFF2-40B4-BE49-F238E27FC236}">
-                <a16:creationId xmlns:a16="http://schemas.microsoft.com/office/drawing/2014/main" id="{F5A6F11E-291C-9262-E96F-193CE6590B83}"/>
+              <a:t>SCREENSHOTS</a:t>
+            </a:r>
+          </a:p>
+        </p:txBody>
+      </p:sp>
+      <p:sp>
+        <p:nvSpPr>
+          <p:cNvPr id="17" name="Slide Number Placeholder 5">
+            <a:extLst>
+              <a:ext uri="{FF2B5EF4-FFF2-40B4-BE49-F238E27FC236}">
+                <a16:creationId xmlns:a16="http://schemas.microsoft.com/office/drawing/2014/main" id="{AB7049A1-0652-9BC2-3249-FAB7407E6ACA}"/>
               </a:ext>
             </a:extLst>
           </p:cNvPr>
@@ -12804,116 +12728,26 @@
             <a:spLocks noGrp="1"/>
           </p:cNvSpPr>
           <p:nvPr>
-            <p:ph type="body" sz="quarter" idx="3"/>
-          </p:nvPr>
-        </p:nvSpPr>
-        <p:spPr>
-          <a:xfrm>
-            <a:off x="4498848" y="2008095"/>
-            <a:ext cx="3200400" cy="621022"/>
-          </a:xfrm>
-        </p:spPr>
-        <p:txBody>
-          <a:bodyPr>
-            <a:normAutofit fontScale="85000" lnSpcReduction="10000"/>
-          </a:bodyPr>
-          <a:lstStyle/>
-          <a:p>
-            <a:r>
-              <a:rPr lang="en-IN" dirty="0"/>
-              <a:t>USER-SPECIFIC PERMISSION AND ACCESS CONTROL</a:t>
-            </a:r>
-          </a:p>
-        </p:txBody>
-      </p:sp>
-      <p:sp>
-        <p:nvSpPr>
-          <p:cNvPr id="8" name="Content Placeholder 7">
-            <a:extLst>
-              <a:ext uri="{FF2B5EF4-FFF2-40B4-BE49-F238E27FC236}">
-                <a16:creationId xmlns:a16="http://schemas.microsoft.com/office/drawing/2014/main" id="{0AC45834-D00F-0B30-029E-4EB21AEEBD21}"/>
-              </a:ext>
-            </a:extLst>
-          </p:cNvPr>
-          <p:cNvSpPr>
-            <a:spLocks noGrp="1"/>
-          </p:cNvSpPr>
-          <p:nvPr>
-            <p:ph sz="quarter" idx="4"/>
-          </p:nvPr>
-        </p:nvSpPr>
-        <p:spPr/>
-        <p:txBody>
-          <a:bodyPr>
-            <a:normAutofit/>
-          </a:bodyPr>
-          <a:lstStyle/>
-          <a:p>
-            <a:r>
-              <a:rPr lang="en-US" sz="1800" dirty="0">
-                <a:latin typeface="Times New Roman" panose="02020603050405020304" pitchFamily="18" charset="0"/>
-                <a:cs typeface="Times New Roman" panose="02020603050405020304" pitchFamily="18" charset="0"/>
-              </a:rPr>
-              <a:t>Implementing user-specific permission and access control in an online study notes portal involves defining roles (such as user, and admin) and assigning appropriate privileges, ensuring that users can access and modify notes based on their assigned roles, thus maintaining data security and privacy.</a:t>
-            </a:r>
-            <a:endParaRPr lang="en-IN" sz="1800" dirty="0">
-              <a:latin typeface="Times New Roman" panose="02020603050405020304" pitchFamily="18" charset="0"/>
-              <a:cs typeface="Times New Roman" panose="02020603050405020304" pitchFamily="18" charset="0"/>
-            </a:endParaRPr>
-          </a:p>
-        </p:txBody>
-      </p:sp>
-      <p:sp>
-        <p:nvSpPr>
-          <p:cNvPr id="4" name="Footer Placeholder 3">
-            <a:extLst>
-              <a:ext uri="{FF2B5EF4-FFF2-40B4-BE49-F238E27FC236}">
-                <a16:creationId xmlns:a16="http://schemas.microsoft.com/office/drawing/2014/main" id="{8EF088D1-E89A-FD55-EB44-49411774536D}"/>
-              </a:ext>
-            </a:extLst>
-          </p:cNvPr>
-          <p:cNvSpPr>
-            <a:spLocks noGrp="1"/>
-          </p:cNvSpPr>
-          <p:nvPr>
-            <p:ph type="ftr" sz="quarter" idx="11"/>
-          </p:nvPr>
-        </p:nvSpPr>
-        <p:spPr/>
+            <p:ph type="sldNum" sz="quarter" idx="33"/>
+          </p:nvPr>
+        </p:nvSpPr>
+        <p:spPr>
+          <a:xfrm>
+            <a:off x="11760000" y="6363694"/>
+            <a:ext cx="432000" cy="432000"/>
+          </a:xfrm>
+          <a:solidFill>
+            <a:schemeClr val="tx1">
+              <a:lumMod val="95000"/>
+              <a:lumOff val="5000"/>
+            </a:schemeClr>
+          </a:solidFill>
+        </p:spPr>
         <p:txBody>
           <a:bodyPr/>
           <a:lstStyle/>
           <a:p>
-            <a:r>
-              <a:rPr lang="en-US"/>
-              <a:t>Presentation title</a:t>
-            </a:r>
-            <a:endParaRPr lang="en-US" dirty="0"/>
-          </a:p>
-        </p:txBody>
-      </p:sp>
-      <p:sp>
-        <p:nvSpPr>
-          <p:cNvPr id="5" name="Slide Number Placeholder 4">
-            <a:extLst>
-              <a:ext uri="{FF2B5EF4-FFF2-40B4-BE49-F238E27FC236}">
-                <a16:creationId xmlns:a16="http://schemas.microsoft.com/office/drawing/2014/main" id="{94026A48-6EF8-D4D0-2C6E-1F96935EA501}"/>
-              </a:ext>
-            </a:extLst>
-          </p:cNvPr>
-          <p:cNvSpPr>
-            <a:spLocks noGrp="1"/>
-          </p:cNvSpPr>
-          <p:nvPr>
-            <p:ph type="sldNum" sz="quarter" idx="12"/>
-          </p:nvPr>
-        </p:nvSpPr>
-        <p:spPr/>
-        <p:txBody>
-          <a:bodyPr/>
-          <a:lstStyle/>
-          <a:p>
-            <a:fld id="{294A09A9-5501-47C1-A89A-A340965A2BE2}" type="slidenum">
+            <a:fld id="{19B51A1E-902D-48AF-9020-955120F399B6}" type="slidenum">
               <a:rPr lang="en-US" smtClean="0"/>
               <a:pPr/>
               <a:t>10</a:t>
@@ -12922,100 +12756,477 @@
           </a:p>
         </p:txBody>
       </p:sp>
-      <p:sp>
-        <p:nvSpPr>
-          <p:cNvPr id="9" name="Text Placeholder 8">
-            <a:extLst>
-              <a:ext uri="{FF2B5EF4-FFF2-40B4-BE49-F238E27FC236}">
-                <a16:creationId xmlns:a16="http://schemas.microsoft.com/office/drawing/2014/main" id="{10AAB5C4-4A01-8A33-257A-A0000CA67F38}"/>
-              </a:ext>
-            </a:extLst>
-          </p:cNvPr>
-          <p:cNvSpPr>
-            <a:spLocks noGrp="1"/>
-          </p:cNvSpPr>
-          <p:nvPr>
-            <p:ph type="body" sz="quarter" idx="13"/>
-          </p:nvPr>
-        </p:nvSpPr>
-        <p:spPr/>
-        <p:txBody>
-          <a:bodyPr/>
-          <a:lstStyle/>
-          <a:p>
-            <a:r>
-              <a:rPr lang="en-IN" dirty="0"/>
-              <a:t>CRUD OPERATIONS</a:t>
-            </a:r>
-          </a:p>
-        </p:txBody>
-      </p:sp>
-      <p:sp>
-        <p:nvSpPr>
-          <p:cNvPr id="10" name="Content Placeholder 9">
-            <a:extLst>
-              <a:ext uri="{FF2B5EF4-FFF2-40B4-BE49-F238E27FC236}">
-                <a16:creationId xmlns:a16="http://schemas.microsoft.com/office/drawing/2014/main" id="{C50CBBC5-89E9-7185-4EF1-F1B5205620FF}"/>
-              </a:ext>
-            </a:extLst>
-          </p:cNvPr>
-          <p:cNvSpPr>
-            <a:spLocks noGrp="1"/>
-          </p:cNvSpPr>
-          <p:nvPr>
-            <p:ph sz="quarter" idx="14"/>
-          </p:nvPr>
-        </p:nvSpPr>
-        <p:spPr/>
-        <p:txBody>
-          <a:bodyPr>
-            <a:normAutofit/>
+      <p:pic>
+        <p:nvPicPr>
+          <p:cNvPr id="11" name="Picture 10">
+            <a:extLst>
+              <a:ext uri="{FF2B5EF4-FFF2-40B4-BE49-F238E27FC236}">
+                <a16:creationId xmlns:a16="http://schemas.microsoft.com/office/drawing/2014/main" id="{652B7AB2-EE24-BFA3-FB6E-376CF6311461}"/>
+              </a:ext>
+            </a:extLst>
+          </p:cNvPr>
+          <p:cNvPicPr>
+            <a:picLocks noChangeAspect="1"/>
+          </p:cNvPicPr>
+          <p:nvPr/>
+        </p:nvPicPr>
+        <p:blipFill>
+          <a:blip r:embed="rId2"/>
+          <a:srcRect/>
+          <a:stretch/>
+        </p:blipFill>
+        <p:spPr>
+          <a:xfrm>
+            <a:off x="579251" y="1140425"/>
+            <a:ext cx="4404296" cy="2477417"/>
+          </a:xfrm>
+          <a:prstGeom prst="rect">
+            <a:avLst/>
+          </a:prstGeom>
+          <a:ln>
+            <a:noFill/>
+          </a:ln>
+          <a:effectLst>
+            <a:outerShdw blurRad="292100" dist="139700" dir="2700000" algn="tl" rotWithShape="0">
+              <a:srgbClr val="333333">
+                <a:alpha val="65000"/>
+              </a:srgbClr>
+            </a:outerShdw>
+          </a:effectLst>
+        </p:spPr>
+      </p:pic>
+      <p:pic>
+        <p:nvPicPr>
+          <p:cNvPr id="13" name="Picture 12">
+            <a:extLst>
+              <a:ext uri="{FF2B5EF4-FFF2-40B4-BE49-F238E27FC236}">
+                <a16:creationId xmlns:a16="http://schemas.microsoft.com/office/drawing/2014/main" id="{7DD35AD1-4DC2-42F5-AA3C-9E911A4C72AA}"/>
+              </a:ext>
+            </a:extLst>
+          </p:cNvPr>
+          <p:cNvPicPr>
+            <a:picLocks noChangeAspect="1"/>
+          </p:cNvPicPr>
+          <p:nvPr/>
+        </p:nvPicPr>
+        <p:blipFill>
+          <a:blip r:embed="rId3"/>
+          <a:srcRect/>
+          <a:stretch/>
+        </p:blipFill>
+        <p:spPr>
+          <a:xfrm>
+            <a:off x="6810519" y="3680425"/>
+            <a:ext cx="4404296" cy="2477417"/>
+          </a:xfrm>
+          <a:prstGeom prst="rect">
+            <a:avLst/>
+          </a:prstGeom>
+          <a:ln>
+            <a:noFill/>
+          </a:ln>
+          <a:effectLst>
+            <a:outerShdw blurRad="292100" dist="139700" dir="2700000" algn="tl" rotWithShape="0">
+              <a:srgbClr val="333333">
+                <a:alpha val="65000"/>
+              </a:srgbClr>
+            </a:outerShdw>
+          </a:effectLst>
+        </p:spPr>
+      </p:pic>
+      <p:sp>
+        <p:nvSpPr>
+          <p:cNvPr id="19" name="TextBox 18">
+            <a:extLst>
+              <a:ext uri="{FF2B5EF4-FFF2-40B4-BE49-F238E27FC236}">
+                <a16:creationId xmlns:a16="http://schemas.microsoft.com/office/drawing/2014/main" id="{3DF8FF6C-ED9D-DA23-9A4C-62DD16B32F9E}"/>
+              </a:ext>
+            </a:extLst>
+          </p:cNvPr>
+          <p:cNvSpPr txBox="1"/>
+          <p:nvPr/>
+        </p:nvSpPr>
+        <p:spPr>
+          <a:xfrm>
+            <a:off x="6832600" y="1140425"/>
+            <a:ext cx="4264290" cy="2788520"/>
+          </a:xfrm>
+          <a:prstGeom prst="rect">
+            <a:avLst/>
+          </a:prstGeom>
+          <a:noFill/>
+        </p:spPr>
+        <p:txBody>
+          <a:bodyPr wrap="square" rtlCol="0">
+            <a:spAutoFit/>
           </a:bodyPr>
           <a:lstStyle/>
           <a:p>
-            <a:r>
-              <a:rPr lang="en-US" sz="1800" dirty="0">
-                <a:solidFill>
-                  <a:schemeClr val="accent3"/>
-                </a:solidFill>
-                <a:latin typeface="Times New Roman" panose="02020603050405020304" pitchFamily="18" charset="0"/>
-                <a:cs typeface="Times New Roman" panose="02020603050405020304" pitchFamily="18" charset="0"/>
+            <a:pPr algn="ctr">
+              <a:lnSpc>
+                <a:spcPct val="200000"/>
+              </a:lnSpc>
+            </a:pPr>
+            <a:r>
+              <a:rPr lang="en-IN" dirty="0">
+                <a:latin typeface="Stencil" panose="040409050D0802020404" pitchFamily="82" charset="0"/>
               </a:rPr>
-              <a:t>Crud operations:-I have faced validation errors while performing crud operation so I used forms.py for crud operation </a:t>
-            </a:r>
-            <a:r>
-              <a:rPr lang="en-US" sz="1800" dirty="0">
-                <a:latin typeface="Times New Roman" panose="02020603050405020304" pitchFamily="18" charset="0"/>
-                <a:cs typeface="Times New Roman" panose="02020603050405020304" pitchFamily="18" charset="0"/>
+              <a:t>User Dashboard</a:t>
+            </a:r>
+          </a:p>
+          <a:p>
+            <a:pPr marL="285750" indent="-285750">
+              <a:lnSpc>
+                <a:spcPct val="200000"/>
+              </a:lnSpc>
+              <a:buFont typeface="Arial" panose="020B0604020202020204" pitchFamily="34" charset="0"/>
+              <a:buChar char="•"/>
+            </a:pPr>
+            <a:r>
+              <a:rPr lang="en-IN" dirty="0">
+                <a:latin typeface="Sitka Heading Semibold" pitchFamily="2" charset="0"/>
               </a:rPr>
-              <a:t>.Forms.py automatically handles validations of the fields.</a:t>
-            </a:r>
-            <a:endParaRPr lang="en-US" sz="1800" dirty="0">
+              <a:t>Interface After User Login</a:t>
+            </a:r>
+          </a:p>
+          <a:p>
+            <a:pPr marL="285750" indent="-285750">
+              <a:lnSpc>
+                <a:spcPct val="200000"/>
+              </a:lnSpc>
+              <a:buFont typeface="Arial" panose="020B0604020202020204" pitchFamily="34" charset="0"/>
+              <a:buChar char="•"/>
+            </a:pPr>
+            <a:r>
+              <a:rPr lang="en-IN" dirty="0">
+                <a:latin typeface="Sitka Heading Semibold" pitchFamily="2" charset="0"/>
+              </a:rPr>
+              <a:t>Can navigate to different options such as uploads, add to favourites  etc..</a:t>
+            </a:r>
+          </a:p>
+          <a:p>
+            <a:pPr>
+              <a:lnSpc>
+                <a:spcPct val="200000"/>
+              </a:lnSpc>
+            </a:pPr>
+            <a:endParaRPr lang="en-IN" dirty="0">
+              <a:latin typeface="Stencil" panose="040409050D0802020404" pitchFamily="82" charset="0"/>
+            </a:endParaRPr>
+          </a:p>
+        </p:txBody>
+      </p:sp>
+      <p:sp>
+        <p:nvSpPr>
+          <p:cNvPr id="21" name="TextBox 20">
+            <a:extLst>
+              <a:ext uri="{FF2B5EF4-FFF2-40B4-BE49-F238E27FC236}">
+                <a16:creationId xmlns:a16="http://schemas.microsoft.com/office/drawing/2014/main" id="{F74C6057-AA0C-EBE5-17CB-DD2AA97E278C}"/>
+              </a:ext>
+            </a:extLst>
+          </p:cNvPr>
+          <p:cNvSpPr txBox="1"/>
+          <p:nvPr/>
+        </p:nvSpPr>
+        <p:spPr>
+          <a:xfrm>
+            <a:off x="1095110" y="4044491"/>
+            <a:ext cx="4072465" cy="2788520"/>
+          </a:xfrm>
+          <a:prstGeom prst="rect">
+            <a:avLst/>
+          </a:prstGeom>
+          <a:noFill/>
+        </p:spPr>
+        <p:txBody>
+          <a:bodyPr wrap="square" rtlCol="0">
+            <a:spAutoFit/>
+          </a:bodyPr>
+          <a:lstStyle/>
+          <a:p>
+            <a:pPr algn="ctr">
+              <a:lnSpc>
+                <a:spcPct val="200000"/>
+              </a:lnSpc>
+            </a:pPr>
+            <a:r>
+              <a:rPr lang="en-IN" dirty="0">
+                <a:latin typeface="Stencil" panose="040409050D0802020404" pitchFamily="82" charset="0"/>
+              </a:rPr>
+              <a:t>ADD TO FAVORITES</a:t>
+            </a:r>
+          </a:p>
+          <a:p>
+            <a:pPr marL="285750" indent="-285750">
+              <a:lnSpc>
+                <a:spcPct val="200000"/>
+              </a:lnSpc>
+              <a:buFont typeface="Arial" panose="020B0604020202020204" pitchFamily="34" charset="0"/>
+              <a:buChar char="•"/>
+            </a:pPr>
+            <a:r>
+              <a:rPr lang="en-IN" dirty="0">
+                <a:latin typeface="Sitka Heading Semibold" pitchFamily="2" charset="0"/>
+              </a:rPr>
+              <a:t>Posts we have searched cab be added to favourites for future use</a:t>
+            </a:r>
+          </a:p>
+          <a:p>
+            <a:pPr marL="285750" indent="-285750">
+              <a:lnSpc>
+                <a:spcPct val="200000"/>
+              </a:lnSpc>
+              <a:buFont typeface="Arial" panose="020B0604020202020204" pitchFamily="34" charset="0"/>
+              <a:buChar char="•"/>
+            </a:pPr>
+            <a:r>
+              <a:rPr lang="en-IN" dirty="0">
+                <a:latin typeface="Sitka Heading Semibold" pitchFamily="2" charset="0"/>
+              </a:rPr>
+              <a:t>We can download the posts as well</a:t>
+            </a:r>
+          </a:p>
+          <a:p>
+            <a:pPr>
+              <a:lnSpc>
+                <a:spcPct val="200000"/>
+              </a:lnSpc>
+            </a:pPr>
+            <a:endParaRPr lang="en-IN" dirty="0">
+              <a:latin typeface="Stencil" panose="040409050D0802020404" pitchFamily="82" charset="0"/>
+            </a:endParaRPr>
+          </a:p>
+        </p:txBody>
+      </p:sp>
+      <p:sp>
+        <p:nvSpPr>
+          <p:cNvPr id="22" name="Rectangle 21">
+            <a:extLst>
+              <a:ext uri="{FF2B5EF4-FFF2-40B4-BE49-F238E27FC236}">
+                <a16:creationId xmlns:a16="http://schemas.microsoft.com/office/drawing/2014/main" id="{62E51ADF-8C5C-70E7-4229-ED423DD54B54}"/>
+              </a:ext>
+            </a:extLst>
+          </p:cNvPr>
+          <p:cNvSpPr/>
+          <p:nvPr/>
+        </p:nvSpPr>
+        <p:spPr>
+          <a:xfrm>
+            <a:off x="9728200" y="1727200"/>
+            <a:ext cx="2154667" cy="211667"/>
+          </a:xfrm>
+          <a:prstGeom prst="rect">
+            <a:avLst/>
+          </a:prstGeom>
+          <a:solidFill>
+            <a:schemeClr val="bg1"/>
+          </a:solidFill>
+          <a:ln>
+            <a:noFill/>
+          </a:ln>
+        </p:spPr>
+        <p:style>
+          <a:lnRef idx="2">
+            <a:schemeClr val="accent1">
+              <a:shade val="50000"/>
+            </a:schemeClr>
+          </a:lnRef>
+          <a:fillRef idx="1">
+            <a:schemeClr val="accent1"/>
+          </a:fillRef>
+          <a:effectRef idx="0">
+            <a:schemeClr val="accent1"/>
+          </a:effectRef>
+          <a:fontRef idx="minor">
+            <a:schemeClr val="lt1"/>
+          </a:fontRef>
+        </p:style>
+        <p:txBody>
+          <a:bodyPr rtlCol="0" anchor="ctr"/>
+          <a:lstStyle/>
+          <a:p>
+            <a:pPr algn="ctr"/>
+            <a:endParaRPr lang="en-IN"/>
+          </a:p>
+        </p:txBody>
+      </p:sp>
+      <p:sp>
+        <p:nvSpPr>
+          <p:cNvPr id="23" name="Rectangle 22">
+            <a:extLst>
+              <a:ext uri="{FF2B5EF4-FFF2-40B4-BE49-F238E27FC236}">
+                <a16:creationId xmlns:a16="http://schemas.microsoft.com/office/drawing/2014/main" id="{269A4106-D7D4-C64B-7A51-D1E6380699CA}"/>
+              </a:ext>
+            </a:extLst>
+          </p:cNvPr>
+          <p:cNvSpPr/>
+          <p:nvPr/>
+        </p:nvSpPr>
+        <p:spPr>
+          <a:xfrm>
+            <a:off x="9728200" y="6363694"/>
+            <a:ext cx="2031800" cy="431999"/>
+          </a:xfrm>
+          <a:prstGeom prst="rect">
+            <a:avLst/>
+          </a:prstGeom>
+          <a:solidFill>
+            <a:schemeClr val="bg2">
+              <a:lumMod val="90000"/>
+            </a:schemeClr>
+          </a:solidFill>
+          <a:ln>
+            <a:solidFill>
+              <a:schemeClr val="bg2"/>
+            </a:solidFill>
+          </a:ln>
+        </p:spPr>
+        <p:style>
+          <a:lnRef idx="2">
+            <a:schemeClr val="accent1">
+              <a:shade val="50000"/>
+            </a:schemeClr>
+          </a:lnRef>
+          <a:fillRef idx="1">
+            <a:schemeClr val="accent1"/>
+          </a:fillRef>
+          <a:effectRef idx="0">
+            <a:schemeClr val="accent1"/>
+          </a:effectRef>
+          <a:fontRef idx="minor">
+            <a:schemeClr val="lt1"/>
+          </a:fontRef>
+        </p:style>
+        <p:txBody>
+          <a:bodyPr rtlCol="0" anchor="ctr"/>
+          <a:lstStyle/>
+          <a:p>
+            <a:pPr algn="ctr"/>
+            <a:endParaRPr lang="en-IN">
               <a:solidFill>
-                <a:schemeClr val="accent3"/>
+                <a:schemeClr val="bg2"/>
               </a:solidFill>
-              <a:latin typeface="Times New Roman" panose="02020603050405020304" pitchFamily="18" charset="0"/>
-              <a:cs typeface="Times New Roman" panose="02020603050405020304" pitchFamily="18" charset="0"/>
             </a:endParaRPr>
           </a:p>
-          <a:p>
-            <a:endParaRPr lang="en-IN" sz="1800" dirty="0">
-              <a:latin typeface="Times New Roman" panose="02020603050405020304" pitchFamily="18" charset="0"/>
-              <a:cs typeface="Times New Roman" panose="02020603050405020304" pitchFamily="18" charset="0"/>
-            </a:endParaRPr>
+        </p:txBody>
+      </p:sp>
+      <p:sp>
+        <p:nvSpPr>
+          <p:cNvPr id="2" name="Arrow: Right 1">
+            <a:extLst>
+              <a:ext uri="{FF2B5EF4-FFF2-40B4-BE49-F238E27FC236}">
+                <a16:creationId xmlns:a16="http://schemas.microsoft.com/office/drawing/2014/main" id="{DCC00B03-0BC7-4F61-B521-75DF72D5EAB2}"/>
+              </a:ext>
+            </a:extLst>
+          </p:cNvPr>
+          <p:cNvSpPr/>
+          <p:nvPr/>
+        </p:nvSpPr>
+        <p:spPr>
+          <a:xfrm rot="10800000">
+            <a:off x="11096890" y="1379030"/>
+            <a:ext cx="1095110" cy="1119674"/>
+          </a:xfrm>
+          <a:prstGeom prst="rightArrow">
+            <a:avLst/>
+          </a:prstGeom>
+          <a:solidFill>
+            <a:schemeClr val="accent5"/>
+          </a:solidFill>
+          <a:ln>
+            <a:noFill/>
+          </a:ln>
+        </p:spPr>
+        <p:style>
+          <a:lnRef idx="2">
+            <a:schemeClr val="accent1">
+              <a:shade val="50000"/>
+            </a:schemeClr>
+          </a:lnRef>
+          <a:fillRef idx="1">
+            <a:schemeClr val="accent1"/>
+          </a:fillRef>
+          <a:effectRef idx="0">
+            <a:schemeClr val="accent1"/>
+          </a:effectRef>
+          <a:fontRef idx="minor">
+            <a:schemeClr val="lt1"/>
+          </a:fontRef>
+        </p:style>
+        <p:txBody>
+          <a:bodyPr rtlCol="0" anchor="ctr"/>
+          <a:lstStyle/>
+          <a:p>
+            <a:pPr algn="ctr"/>
+            <a:endParaRPr lang="en-IN"/>
+          </a:p>
+        </p:txBody>
+      </p:sp>
+      <p:sp>
+        <p:nvSpPr>
+          <p:cNvPr id="3" name="Arrow: Right 2">
+            <a:extLst>
+              <a:ext uri="{FF2B5EF4-FFF2-40B4-BE49-F238E27FC236}">
+                <a16:creationId xmlns:a16="http://schemas.microsoft.com/office/drawing/2014/main" id="{0B74AB59-846C-3653-F3C4-1F3B7EE02A7D}"/>
+              </a:ext>
+            </a:extLst>
+          </p:cNvPr>
+          <p:cNvSpPr/>
+          <p:nvPr/>
+        </p:nvSpPr>
+        <p:spPr>
+          <a:xfrm>
+            <a:off x="0" y="4491351"/>
+            <a:ext cx="1095110" cy="1119674"/>
+          </a:xfrm>
+          <a:prstGeom prst="rightArrow">
+            <a:avLst/>
+          </a:prstGeom>
+          <a:solidFill>
+            <a:schemeClr val="accent5"/>
+          </a:solidFill>
+          <a:ln>
+            <a:noFill/>
+          </a:ln>
+        </p:spPr>
+        <p:style>
+          <a:lnRef idx="2">
+            <a:schemeClr val="accent1">
+              <a:shade val="50000"/>
+            </a:schemeClr>
+          </a:lnRef>
+          <a:fillRef idx="1">
+            <a:schemeClr val="accent1"/>
+          </a:fillRef>
+          <a:effectRef idx="0">
+            <a:schemeClr val="accent1"/>
+          </a:effectRef>
+          <a:fontRef idx="minor">
+            <a:schemeClr val="lt1"/>
+          </a:fontRef>
+        </p:style>
+        <p:txBody>
+          <a:bodyPr rtlCol="0" anchor="ctr"/>
+          <a:lstStyle/>
+          <a:p>
+            <a:pPr algn="ctr"/>
+            <a:endParaRPr lang="en-IN"/>
           </a:p>
         </p:txBody>
       </p:sp>
     </p:spTree>
     <p:extLst>
       <p:ext uri="{BB962C8B-B14F-4D97-AF65-F5344CB8AC3E}">
-        <p14:creationId xmlns:p14="http://schemas.microsoft.com/office/powerpoint/2010/main" val="520700503"/>
+        <p14:creationId xmlns:p14="http://schemas.microsoft.com/office/powerpoint/2010/main" val="3891733358"/>
       </p:ext>
     </p:extLst>
   </p:cSld>
   <p:clrMapOvr>
     <a:masterClrMapping/>
   </p:clrMapOvr>
+  <p:transition spd="slow">
+    <p:comb/>
+  </p:transition>
 </p:sld>
 </file>
 
@@ -13038,45 +13249,6 @@
       </p:grpSpPr>
       <p:sp>
         <p:nvSpPr>
-          <p:cNvPr id="15" name="Title 1">
-            <a:extLst>
-              <a:ext uri="{FF2B5EF4-FFF2-40B4-BE49-F238E27FC236}">
-                <a16:creationId xmlns:a16="http://schemas.microsoft.com/office/drawing/2014/main" id="{42B83A51-05F1-A429-14BC-5D228E88FD4A}"/>
-              </a:ext>
-            </a:extLst>
-          </p:cNvPr>
-          <p:cNvSpPr>
-            <a:spLocks noGrp="1"/>
-          </p:cNvSpPr>
-          <p:nvPr>
-            <p:ph type="title"/>
-          </p:nvPr>
-        </p:nvSpPr>
-        <p:spPr>
-          <a:xfrm>
-            <a:off x="0" y="0"/>
-            <a:ext cx="5037667" cy="973667"/>
-          </a:xfrm>
-        </p:spPr>
-        <p:txBody>
-          <a:bodyPr>
-            <a:normAutofit fontScale="90000"/>
-          </a:bodyPr>
-          <a:lstStyle/>
-          <a:p>
-            <a:pPr algn="ctr"/>
-            <a:r>
-              <a:rPr lang="en-US" dirty="0">
-                <a:latin typeface="Times New Roman" panose="02020603050405020304" pitchFamily="18" charset="0"/>
-                <a:cs typeface="Times New Roman" panose="02020603050405020304" pitchFamily="18" charset="0"/>
-              </a:rPr>
-              <a:t>SCREENSHOTS</a:t>
-            </a:r>
-          </a:p>
-        </p:txBody>
-      </p:sp>
-      <p:sp>
-        <p:nvSpPr>
           <p:cNvPr id="17" name="Slide Number Placeholder 5">
             <a:extLst>
               <a:ext uri="{FF2B5EF4-FFF2-40B4-BE49-F238E27FC236}">
@@ -13137,7 +13309,7 @@
         </p:blipFill>
         <p:spPr>
           <a:xfrm>
-            <a:off x="579251" y="1140425"/>
+            <a:off x="697683" y="488491"/>
             <a:ext cx="4404296" cy="2477417"/>
           </a:xfrm>
           <a:prstGeom prst="rect">
@@ -13176,7 +13348,7 @@
         </p:blipFill>
         <p:spPr>
           <a:xfrm>
-            <a:off x="6810519" y="3680425"/>
+            <a:off x="7085585" y="3561252"/>
             <a:ext cx="4404296" cy="2477417"/>
           </a:xfrm>
           <a:prstGeom prst="rect">
@@ -13208,8 +13380,8 @@
         </p:nvSpPr>
         <p:spPr>
           <a:xfrm>
-            <a:off x="6832600" y="1140425"/>
-            <a:ext cx="4264290" cy="2788520"/>
+            <a:off x="6794601" y="488491"/>
+            <a:ext cx="4072465" cy="3342518"/>
           </a:xfrm>
           <a:prstGeom prst="rect">
             <a:avLst/>
@@ -13231,7 +13403,7 @@
               <a:rPr lang="en-IN" dirty="0">
                 <a:latin typeface="Stencil" panose="040409050D0802020404" pitchFamily="82" charset="0"/>
               </a:rPr>
-              <a:t>User Dashboard</a:t>
+              <a:t>Admin Dashboard</a:t>
             </a:r>
           </a:p>
           <a:p>
@@ -13246,7 +13418,7 @@
               <a:rPr lang="en-IN" dirty="0">
                 <a:latin typeface="Sitka Heading Semibold" pitchFamily="2" charset="0"/>
               </a:rPr>
-              <a:t>Interface After User Login</a:t>
+              <a:t>Admin Interface After Login</a:t>
             </a:r>
           </a:p>
           <a:p>
@@ -13261,7 +13433,7 @@
               <a:rPr lang="en-IN" dirty="0">
                 <a:latin typeface="Sitka Heading Semibold" pitchFamily="2" charset="0"/>
               </a:rPr>
-              <a:t>Can navigate to different options such as uploads, add to favourites  etc..</a:t>
+              <a:t>Can navigate to different options such as logout, courses, tags, videos etc..</a:t>
             </a:r>
           </a:p>
           <a:p>
@@ -13290,8 +13462,8 @@
         </p:nvSpPr>
         <p:spPr>
           <a:xfrm>
-            <a:off x="1095110" y="4044491"/>
-            <a:ext cx="4072465" cy="2788520"/>
+            <a:off x="1210452" y="3892093"/>
+            <a:ext cx="4072465" cy="3342518"/>
           </a:xfrm>
           <a:prstGeom prst="rect">
             <a:avLst/>
@@ -13313,7 +13485,7 @@
               <a:rPr lang="en-IN" dirty="0">
                 <a:latin typeface="Stencil" panose="040409050D0802020404" pitchFamily="82" charset="0"/>
               </a:rPr>
-              <a:t>ADD TO FAVORITES</a:t>
+              <a:t>UPLOAD INTERFACE</a:t>
             </a:r>
           </a:p>
           <a:p>
@@ -13328,7 +13500,7 @@
               <a:rPr lang="en-IN" dirty="0">
                 <a:latin typeface="Sitka Heading Semibold" pitchFamily="2" charset="0"/>
               </a:rPr>
-              <a:t>Posts we have searched cab be added to favourites for future use</a:t>
+              <a:t>Displays Documents uploaded by the user </a:t>
             </a:r>
           </a:p>
           <a:p>
@@ -13343,7 +13515,7 @@
               <a:rPr lang="en-IN" dirty="0">
                 <a:latin typeface="Sitka Heading Semibold" pitchFamily="2" charset="0"/>
               </a:rPr>
-              <a:t>We can download the posts as well</a:t>
+              <a:t>Can take action such as edit and delete</a:t>
             </a:r>
           </a:p>
           <a:p>
@@ -13372,7 +13544,7 @@
         </p:nvSpPr>
         <p:spPr>
           <a:xfrm>
-            <a:off x="9728200" y="1727200"/>
+            <a:off x="9728200" y="1727199"/>
             <a:ext cx="2154667" cy="211667"/>
           </a:xfrm>
           <a:prstGeom prst="rect">
@@ -13436,9 +13608,7 @@
             </a:schemeClr>
           </a:solidFill>
           <a:ln>
-            <a:solidFill>
-              <a:schemeClr val="bg2"/>
-            </a:solidFill>
+            <a:noFill/>
           </a:ln>
         </p:spPr>
         <p:style>
@@ -13462,20 +13632,16 @@
           <a:lstStyle/>
           <a:p>
             <a:pPr algn="ctr"/>
-            <a:endParaRPr lang="en-IN">
-              <a:solidFill>
-                <a:schemeClr val="bg2"/>
-              </a:solidFill>
-            </a:endParaRPr>
-          </a:p>
-        </p:txBody>
-      </p:sp>
-      <p:sp>
-        <p:nvSpPr>
-          <p:cNvPr id="2" name="Arrow: Right 1">
-            <a:extLst>
-              <a:ext uri="{FF2B5EF4-FFF2-40B4-BE49-F238E27FC236}">
-                <a16:creationId xmlns:a16="http://schemas.microsoft.com/office/drawing/2014/main" id="{DCC00B03-0BC7-4F61-B521-75DF72D5EAB2}"/>
+            <a:endParaRPr lang="en-IN"/>
+          </a:p>
+        </p:txBody>
+      </p:sp>
+      <p:sp>
+        <p:nvSpPr>
+          <p:cNvPr id="2" name="Arrow: Chevron 1">
+            <a:extLst>
+              <a:ext uri="{FF2B5EF4-FFF2-40B4-BE49-F238E27FC236}">
+                <a16:creationId xmlns:a16="http://schemas.microsoft.com/office/drawing/2014/main" id="{0777FB59-CF03-C4D8-66C2-BCBB77FD7F20}"/>
               </a:ext>
             </a:extLst>
           </p:cNvPr>
@@ -13483,11 +13649,11 @@
           <p:nvPr/>
         </p:nvSpPr>
         <p:spPr>
-          <a:xfrm rot="10800000">
-            <a:off x="11096890" y="1379030"/>
-            <a:ext cx="1095110" cy="1119674"/>
-          </a:xfrm>
-          <a:prstGeom prst="rightArrow">
+          <a:xfrm>
+            <a:off x="121298" y="4432041"/>
+            <a:ext cx="634482" cy="1240971"/>
+          </a:xfrm>
+          <a:prstGeom prst="chevron">
             <a:avLst/>
           </a:prstGeom>
           <a:solidFill>
@@ -13518,16 +13684,20 @@
           <a:lstStyle/>
           <a:p>
             <a:pPr algn="ctr"/>
-            <a:endParaRPr lang="en-IN"/>
-          </a:p>
-        </p:txBody>
-      </p:sp>
-      <p:sp>
-        <p:nvSpPr>
-          <p:cNvPr id="3" name="Arrow: Right 2">
-            <a:extLst>
-              <a:ext uri="{FF2B5EF4-FFF2-40B4-BE49-F238E27FC236}">
-                <a16:creationId xmlns:a16="http://schemas.microsoft.com/office/drawing/2014/main" id="{0B74AB59-846C-3653-F3C4-1F3B7EE02A7D}"/>
+            <a:endParaRPr lang="en-IN">
+              <a:solidFill>
+                <a:schemeClr val="tx1"/>
+              </a:solidFill>
+            </a:endParaRPr>
+          </a:p>
+        </p:txBody>
+      </p:sp>
+      <p:sp>
+        <p:nvSpPr>
+          <p:cNvPr id="3" name="Arrow: Chevron 2">
+            <a:extLst>
+              <a:ext uri="{FF2B5EF4-FFF2-40B4-BE49-F238E27FC236}">
+                <a16:creationId xmlns:a16="http://schemas.microsoft.com/office/drawing/2014/main" id="{B26BE8D4-895F-F155-CAF0-FB8B687F2FAD}"/>
               </a:ext>
             </a:extLst>
           </p:cNvPr>
@@ -13535,11 +13705,11 @@
           <p:nvPr/>
         </p:nvSpPr>
         <p:spPr>
-          <a:xfrm>
-            <a:off x="0" y="4491351"/>
-            <a:ext cx="1095110" cy="1119674"/>
-          </a:xfrm>
-          <a:prstGeom prst="rightArrow">
+          <a:xfrm rot="10800000">
+            <a:off x="10994306" y="917481"/>
+            <a:ext cx="661537" cy="1247220"/>
+          </a:xfrm>
+          <a:prstGeom prst="chevron">
             <a:avLst/>
           </a:prstGeom>
           <a:solidFill>
@@ -13570,14 +13740,18 @@
           <a:lstStyle/>
           <a:p>
             <a:pPr algn="ctr"/>
-            <a:endParaRPr lang="en-IN"/>
+            <a:endParaRPr lang="en-IN">
+              <a:solidFill>
+                <a:schemeClr val="tx1"/>
+              </a:solidFill>
+            </a:endParaRPr>
           </a:p>
         </p:txBody>
       </p:sp>
     </p:spTree>
     <p:extLst>
       <p:ext uri="{BB962C8B-B14F-4D97-AF65-F5344CB8AC3E}">
-        <p14:creationId xmlns:p14="http://schemas.microsoft.com/office/powerpoint/2010/main" val="3891733358"/>
+        <p14:creationId xmlns:p14="http://schemas.microsoft.com/office/powerpoint/2010/main" val="3136760656"/>
       </p:ext>
     </p:extLst>
   </p:cSld>
@@ -13609,10 +13783,10 @@
       </p:grpSpPr>
       <p:sp>
         <p:nvSpPr>
-          <p:cNvPr id="17" name="Slide Number Placeholder 5">
-            <a:extLst>
-              <a:ext uri="{FF2B5EF4-FFF2-40B4-BE49-F238E27FC236}">
-                <a16:creationId xmlns:a16="http://schemas.microsoft.com/office/drawing/2014/main" id="{AB7049A1-0652-9BC2-3249-FAB7407E6ACA}"/>
+          <p:cNvPr id="2" name="Title 1">
+            <a:extLst>
+              <a:ext uri="{FF2B5EF4-FFF2-40B4-BE49-F238E27FC236}">
+                <a16:creationId xmlns:a16="http://schemas.microsoft.com/office/drawing/2014/main" id="{69554157-869F-9BBE-CFCF-717129CA6907}"/>
               </a:ext>
             </a:extLst>
           </p:cNvPr>
@@ -13620,26 +13794,80 @@
             <a:spLocks noGrp="1"/>
           </p:cNvSpPr>
           <p:nvPr>
-            <p:ph type="sldNum" sz="quarter" idx="33"/>
-          </p:nvPr>
-        </p:nvSpPr>
-        <p:spPr>
-          <a:xfrm>
-            <a:off x="11760000" y="6363694"/>
-            <a:ext cx="432000" cy="432000"/>
-          </a:xfrm>
-          <a:solidFill>
-            <a:schemeClr val="tx1">
-              <a:lumMod val="95000"/>
-              <a:lumOff val="5000"/>
-            </a:schemeClr>
-          </a:solidFill>
+            <p:ph type="title"/>
+          </p:nvPr>
+        </p:nvSpPr>
+        <p:spPr>
+          <a:xfrm>
+            <a:off x="1748028" y="1389888"/>
+            <a:ext cx="8695944" cy="985759"/>
+          </a:xfrm>
         </p:spPr>
         <p:txBody>
           <a:bodyPr/>
           <a:lstStyle/>
           <a:p>
-            <a:fld id="{19B51A1E-902D-48AF-9020-955120F399B6}" type="slidenum">
+            <a:r>
+              <a:rPr lang="en-US" dirty="0">
+                <a:latin typeface="Baskerville Old Face" panose="02020602080505020303" pitchFamily="18" charset="77"/>
+              </a:rPr>
+              <a:t>FUTURE ENHANCEMENTS </a:t>
+            </a:r>
+            <a:endParaRPr lang="en-US" dirty="0"/>
+          </a:p>
+        </p:txBody>
+      </p:sp>
+      <p:sp>
+        <p:nvSpPr>
+          <p:cNvPr id="4" name="Footer Placeholder 3">
+            <a:extLst>
+              <a:ext uri="{FF2B5EF4-FFF2-40B4-BE49-F238E27FC236}">
+                <a16:creationId xmlns:a16="http://schemas.microsoft.com/office/drawing/2014/main" id="{8EF088D1-E89A-FD55-EB44-49411774536D}"/>
+              </a:ext>
+            </a:extLst>
+          </p:cNvPr>
+          <p:cNvSpPr>
+            <a:spLocks noGrp="1"/>
+          </p:cNvSpPr>
+          <p:nvPr>
+            <p:ph type="ftr" sz="quarter" idx="10"/>
+          </p:nvPr>
+        </p:nvSpPr>
+        <p:spPr/>
+        <p:txBody>
+          <a:bodyPr/>
+          <a:lstStyle/>
+          <a:p>
+            <a:r>
+              <a:rPr lang="en-US"/>
+              <a:t>Presentation title</a:t>
+            </a:r>
+            <a:endParaRPr lang="en-US" dirty="0"/>
+          </a:p>
+        </p:txBody>
+      </p:sp>
+      <p:sp>
+        <p:nvSpPr>
+          <p:cNvPr id="5" name="Slide Number Placeholder 4">
+            <a:extLst>
+              <a:ext uri="{FF2B5EF4-FFF2-40B4-BE49-F238E27FC236}">
+                <a16:creationId xmlns:a16="http://schemas.microsoft.com/office/drawing/2014/main" id="{94026A48-6EF8-D4D0-2C6E-1F96935EA501}"/>
+              </a:ext>
+            </a:extLst>
+          </p:cNvPr>
+          <p:cNvSpPr>
+            <a:spLocks noGrp="1"/>
+          </p:cNvSpPr>
+          <p:nvPr>
+            <p:ph type="sldNum" sz="quarter" idx="11"/>
+          </p:nvPr>
+        </p:nvSpPr>
+        <p:spPr/>
+        <p:txBody>
+          <a:bodyPr/>
+          <a:lstStyle/>
+          <a:p>
+            <a:fld id="{294A09A9-5501-47C1-A89A-A340965A2BE2}" type="slidenum">
               <a:rPr lang="en-US" smtClean="0"/>
               <a:pPr/>
               <a:t>12</a:t>
@@ -13648,462 +13876,404 @@
           </a:p>
         </p:txBody>
       </p:sp>
-      <p:pic>
-        <p:nvPicPr>
-          <p:cNvPr id="11" name="Picture 10">
-            <a:extLst>
-              <a:ext uri="{FF2B5EF4-FFF2-40B4-BE49-F238E27FC236}">
-                <a16:creationId xmlns:a16="http://schemas.microsoft.com/office/drawing/2014/main" id="{652B7AB2-EE24-BFA3-FB6E-376CF6311461}"/>
-              </a:ext>
-            </a:extLst>
-          </p:cNvPr>
-          <p:cNvPicPr>
-            <a:picLocks noChangeAspect="1"/>
-          </p:cNvPicPr>
-          <p:nvPr/>
-        </p:nvPicPr>
-        <p:blipFill>
-          <a:blip r:embed="rId2"/>
-          <a:srcRect/>
-          <a:stretch/>
-        </p:blipFill>
-        <p:spPr>
-          <a:xfrm>
-            <a:off x="697683" y="488491"/>
-            <a:ext cx="4404296" cy="2477417"/>
-          </a:xfrm>
-          <a:prstGeom prst="rect">
-            <a:avLst/>
-          </a:prstGeom>
-          <a:ln>
-            <a:noFill/>
-          </a:ln>
-          <a:effectLst>
-            <a:outerShdw blurRad="292100" dist="139700" dir="2700000" algn="tl" rotWithShape="0">
-              <a:srgbClr val="333333">
-                <a:alpha val="65000"/>
-              </a:srgbClr>
-            </a:outerShdw>
-          </a:effectLst>
-        </p:spPr>
-      </p:pic>
-      <p:pic>
-        <p:nvPicPr>
-          <p:cNvPr id="13" name="Picture 12">
-            <a:extLst>
-              <a:ext uri="{FF2B5EF4-FFF2-40B4-BE49-F238E27FC236}">
-                <a16:creationId xmlns:a16="http://schemas.microsoft.com/office/drawing/2014/main" id="{7DD35AD1-4DC2-42F5-AA3C-9E911A4C72AA}"/>
-              </a:ext>
-            </a:extLst>
-          </p:cNvPr>
-          <p:cNvPicPr>
-            <a:picLocks noChangeAspect="1"/>
-          </p:cNvPicPr>
-          <p:nvPr/>
-        </p:nvPicPr>
-        <p:blipFill>
-          <a:blip r:embed="rId3"/>
-          <a:srcRect/>
-          <a:stretch/>
-        </p:blipFill>
-        <p:spPr>
-          <a:xfrm>
-            <a:off x="7085585" y="3561252"/>
-            <a:ext cx="4404296" cy="2477417"/>
-          </a:xfrm>
-          <a:prstGeom prst="rect">
-            <a:avLst/>
-          </a:prstGeom>
-          <a:ln>
-            <a:noFill/>
-          </a:ln>
-          <a:effectLst>
-            <a:outerShdw blurRad="292100" dist="139700" dir="2700000" algn="tl" rotWithShape="0">
-              <a:srgbClr val="333333">
-                <a:alpha val="65000"/>
-              </a:srgbClr>
-            </a:outerShdw>
-          </a:effectLst>
-        </p:spPr>
-      </p:pic>
-      <p:sp>
-        <p:nvSpPr>
-          <p:cNvPr id="19" name="TextBox 18">
-            <a:extLst>
-              <a:ext uri="{FF2B5EF4-FFF2-40B4-BE49-F238E27FC236}">
-                <a16:creationId xmlns:a16="http://schemas.microsoft.com/office/drawing/2014/main" id="{3DF8FF6C-ED9D-DA23-9A4C-62DD16B32F9E}"/>
-              </a:ext>
-            </a:extLst>
-          </p:cNvPr>
-          <p:cNvSpPr txBox="1"/>
-          <p:nvPr/>
-        </p:nvSpPr>
-        <p:spPr>
-          <a:xfrm>
-            <a:off x="6794601" y="488491"/>
-            <a:ext cx="4072465" cy="3342518"/>
-          </a:xfrm>
-          <a:prstGeom prst="rect">
-            <a:avLst/>
-          </a:prstGeom>
-          <a:noFill/>
-        </p:spPr>
-        <p:txBody>
-          <a:bodyPr wrap="square" rtlCol="0">
-            <a:spAutoFit/>
+      <p:sp>
+        <p:nvSpPr>
+          <p:cNvPr id="7" name="Content Placeholder 6">
+            <a:extLst>
+              <a:ext uri="{FF2B5EF4-FFF2-40B4-BE49-F238E27FC236}">
+                <a16:creationId xmlns:a16="http://schemas.microsoft.com/office/drawing/2014/main" id="{FF2917C1-FDB2-008E-EBB2-7055C23524A6}"/>
+              </a:ext>
+            </a:extLst>
+          </p:cNvPr>
+          <p:cNvSpPr>
+            <a:spLocks noGrp="1"/>
+          </p:cNvSpPr>
+          <p:nvPr>
+            <p:ph idx="1"/>
+          </p:nvPr>
+        </p:nvSpPr>
+        <p:spPr>
+          <a:xfrm>
+            <a:off x="2017059" y="2205318"/>
+            <a:ext cx="7744968" cy="3021106"/>
+          </a:xfrm>
+        </p:spPr>
+        <p:txBody>
+          <a:bodyPr>
+            <a:normAutofit fontScale="77500" lnSpcReduction="20000"/>
           </a:bodyPr>
           <a:lstStyle/>
           <a:p>
-            <a:pPr algn="ctr">
+            <a:pPr algn="just"/>
+            <a:r>
+              <a:rPr lang="en-IN" sz="1800" dirty="0">
+                <a:latin typeface="Times New Roman" panose="02020603050405020304" pitchFamily="18" charset="0"/>
+                <a:cs typeface="Times New Roman" panose="02020603050405020304" pitchFamily="18" charset="0"/>
+              </a:rPr>
+              <a:t>1)RECENT DOCUMENTS :-The system should track and store information about recently accessed or modified documents</a:t>
+            </a:r>
+            <a:endParaRPr lang="en-US" sz="1800" dirty="0">
+              <a:latin typeface="Times New Roman" panose="02020603050405020304" pitchFamily="18" charset="0"/>
+              <a:cs typeface="Times New Roman" panose="02020603050405020304" pitchFamily="18" charset="0"/>
+            </a:endParaRPr>
+          </a:p>
+          <a:p>
+            <a:pPr algn="just"/>
+            <a:r>
+              <a:rPr lang="en-IN" sz="1800" dirty="0">
+                <a:latin typeface="Times New Roman" panose="02020603050405020304" pitchFamily="18" charset="0"/>
+                <a:cs typeface="Times New Roman" panose="02020603050405020304" pitchFamily="18" charset="0"/>
+              </a:rPr>
+              <a:t>2)VIDEO CHAT</a:t>
+            </a:r>
+            <a:r>
+              <a:rPr lang="en-IN" sz="2000" dirty="0">
+                <a:latin typeface="Times New Roman" panose="02020603050405020304" pitchFamily="18" charset="0"/>
+                <a:cs typeface="Times New Roman" panose="02020603050405020304" pitchFamily="18" charset="0"/>
+              </a:rPr>
+              <a:t>:-</a:t>
+            </a:r>
+            <a:r>
+              <a:rPr lang="en-US" sz="1800" dirty="0">
+                <a:effectLst/>
+                <a:latin typeface="Times New Roman" panose="02020603050405020304" pitchFamily="18" charset="0"/>
+                <a:ea typeface="Times New Roman" panose="02020603050405020304" pitchFamily="18" charset="0"/>
+              </a:rPr>
+              <a:t> Users who are using online  study notes  portal can chat with experts by video call for clearing their doubts with experts.</a:t>
+            </a:r>
+            <a:r>
+              <a:rPr lang="en-IN" sz="2000" dirty="0">
+                <a:latin typeface="Times New Roman" panose="02020603050405020304" pitchFamily="18" charset="0"/>
+                <a:cs typeface="Times New Roman" panose="02020603050405020304" pitchFamily="18" charset="0"/>
+              </a:rPr>
+              <a:t> </a:t>
+            </a:r>
+          </a:p>
+          <a:p>
+            <a:pPr algn="just"/>
+            <a:r>
+              <a:rPr lang="en-IN" sz="1800" dirty="0">
+                <a:latin typeface="Times New Roman" panose="02020603050405020304" pitchFamily="18" charset="0"/>
+                <a:cs typeface="Times New Roman" panose="02020603050405020304" pitchFamily="18" charset="0"/>
+              </a:rPr>
+              <a:t>3)ONLINE DEGREE COURSES</a:t>
+            </a:r>
+            <a:r>
+              <a:rPr lang="en-IN" sz="2000" dirty="0">
+                <a:latin typeface="Times New Roman" panose="02020603050405020304" pitchFamily="18" charset="0"/>
+                <a:cs typeface="Times New Roman" panose="02020603050405020304" pitchFamily="18" charset="0"/>
+              </a:rPr>
+              <a:t>:-</a:t>
+            </a:r>
+            <a:r>
+              <a:rPr lang="en-US" sz="1800" dirty="0">
+                <a:effectLst/>
+                <a:latin typeface="Times New Roman" panose="02020603050405020304" pitchFamily="18" charset="0"/>
+                <a:ea typeface="Times New Roman" panose="02020603050405020304" pitchFamily="18" charset="0"/>
+              </a:rPr>
+              <a:t>To collaborate with universities to provide online degree courses  at affordable price</a:t>
+            </a:r>
+          </a:p>
+          <a:p>
+            <a:pPr algn="just"/>
+            <a:r>
+              <a:rPr lang="en-US" sz="1800" dirty="0">
+                <a:latin typeface="Times New Roman" panose="02020603050405020304" pitchFamily="18" charset="0"/>
+                <a:ea typeface="Times New Roman" panose="02020603050405020304" pitchFamily="18" charset="0"/>
+              </a:rPr>
+              <a:t>4)</a:t>
+            </a:r>
+            <a:r>
+              <a:rPr lang="en-US" sz="1800" dirty="0">
+                <a:effectLst/>
+                <a:latin typeface="Times New Roman" panose="02020603050405020304" pitchFamily="18" charset="0"/>
+                <a:ea typeface="Times New Roman" panose="02020603050405020304" pitchFamily="18" charset="0"/>
+              </a:rPr>
+              <a:t>QUESTION AND  </a:t>
+            </a:r>
+            <a:r>
+              <a:rPr lang="en-US" sz="1800" dirty="0">
+                <a:latin typeface="Times New Roman" panose="02020603050405020304" pitchFamily="18" charset="0"/>
+                <a:ea typeface="Times New Roman" panose="02020603050405020304" pitchFamily="18" charset="0"/>
+              </a:rPr>
+              <a:t>ANSWER DISCUSSING COMMUNITY</a:t>
+            </a:r>
+            <a:r>
+              <a:rPr lang="en-US" sz="1800" dirty="0">
+                <a:effectLst/>
+                <a:latin typeface="Times New Roman" panose="02020603050405020304" pitchFamily="18" charset="0"/>
+                <a:ea typeface="Times New Roman" panose="02020603050405020304" pitchFamily="18" charset="0"/>
+              </a:rPr>
+              <a:t>:-In this users can discuss their doubts as a question or uploading the document/s to the</a:t>
+            </a:r>
+            <a:r>
+              <a:rPr lang="en-US" sz="1800" spc="-285" dirty="0">
+                <a:effectLst/>
+                <a:latin typeface="Times New Roman" panose="02020603050405020304" pitchFamily="18" charset="0"/>
+                <a:ea typeface="Times New Roman" panose="02020603050405020304" pitchFamily="18" charset="0"/>
+              </a:rPr>
+              <a:t> </a:t>
+            </a:r>
+            <a:r>
+              <a:rPr lang="en-US" sz="1800" dirty="0">
+                <a:effectLst/>
+                <a:latin typeface="Times New Roman" panose="02020603050405020304" pitchFamily="18" charset="0"/>
+                <a:ea typeface="Times New Roman" panose="02020603050405020304" pitchFamily="18" charset="0"/>
+              </a:rPr>
+              <a:t>group</a:t>
+            </a:r>
+            <a:r>
+              <a:rPr lang="en-US" sz="1800" spc="-25" dirty="0">
+                <a:effectLst/>
+                <a:latin typeface="Times New Roman" panose="02020603050405020304" pitchFamily="18" charset="0"/>
+                <a:ea typeface="Times New Roman" panose="02020603050405020304" pitchFamily="18" charset="0"/>
+              </a:rPr>
+              <a:t> </a:t>
+            </a:r>
+            <a:r>
+              <a:rPr lang="en-US" sz="1800" dirty="0">
+                <a:effectLst/>
+                <a:latin typeface="Times New Roman" panose="02020603050405020304" pitchFamily="18" charset="0"/>
+                <a:ea typeface="Times New Roman" panose="02020603050405020304" pitchFamily="18" charset="0"/>
+              </a:rPr>
+              <a:t>to</a:t>
+            </a:r>
+            <a:r>
+              <a:rPr lang="en-US" sz="1800" spc="20" dirty="0">
+                <a:effectLst/>
+                <a:latin typeface="Times New Roman" panose="02020603050405020304" pitchFamily="18" charset="0"/>
+                <a:ea typeface="Times New Roman" panose="02020603050405020304" pitchFamily="18" charset="0"/>
+              </a:rPr>
+              <a:t> </a:t>
+            </a:r>
+            <a:r>
+              <a:rPr lang="en-US" sz="1800" dirty="0">
+                <a:effectLst/>
+                <a:latin typeface="Times New Roman" panose="02020603050405020304" pitchFamily="18" charset="0"/>
+                <a:ea typeface="Times New Roman" panose="02020603050405020304" pitchFamily="18" charset="0"/>
+              </a:rPr>
+              <a:t>get answers.</a:t>
+            </a:r>
+          </a:p>
+          <a:p>
+            <a:pPr lvl="0" algn="just">
               <a:lnSpc>
-                <a:spcPct val="200000"/>
+                <a:spcPct val="150000"/>
               </a:lnSpc>
+              <a:buSzPts val="1200"/>
+              <a:tabLst>
+                <a:tab pos="218440" algn="l"/>
+              </a:tabLst>
             </a:pPr>
             <a:r>
-              <a:rPr lang="en-IN" dirty="0">
-                <a:latin typeface="Stencil" panose="040409050D0802020404" pitchFamily="82" charset="0"/>
+              <a:rPr lang="en-US" sz="1800" dirty="0">
+                <a:uFill>
+                  <a:solidFill>
+                    <a:srgbClr val="000000"/>
+                  </a:solidFill>
+                </a:uFill>
+                <a:latin typeface="Times New Roman" panose="02020603050405020304" pitchFamily="18" charset="0"/>
+                <a:ea typeface="Times New Roman" panose="02020603050405020304" pitchFamily="18" charset="0"/>
               </a:rPr>
-              <a:t>Admin Dashboard</a:t>
-            </a:r>
-          </a:p>
-          <a:p>
-            <a:pPr marL="285750" indent="-285750">
+              <a:t>5)</a:t>
+            </a:r>
+            <a:r>
+              <a:rPr lang="en-US" sz="1800" b="1" dirty="0">
+                <a:effectLst/>
+                <a:latin typeface="Times New Roman" panose="02020603050405020304" pitchFamily="18" charset="0"/>
+                <a:ea typeface="Times New Roman" panose="02020603050405020304" pitchFamily="18" charset="0"/>
+              </a:rPr>
+              <a:t> </a:t>
+            </a:r>
+            <a:r>
+              <a:rPr lang="en-US" sz="1800" dirty="0">
+                <a:effectLst/>
+                <a:latin typeface="Times New Roman" panose="02020603050405020304" pitchFamily="18" charset="0"/>
+                <a:ea typeface="Times New Roman" panose="02020603050405020304" pitchFamily="18" charset="0"/>
+              </a:rPr>
+              <a:t>QUIZ:-In this quiz are provided in each course based on the video lessons of each course.</a:t>
+            </a:r>
+          </a:p>
+          <a:p>
+            <a:pPr lvl="0" algn="just">
               <a:lnSpc>
-                <a:spcPct val="200000"/>
+                <a:spcPct val="150000"/>
               </a:lnSpc>
-              <a:buFont typeface="Arial" panose="020B0604020202020204" pitchFamily="34" charset="0"/>
-              <a:buChar char="•"/>
+              <a:buSzPts val="1200"/>
+              <a:tabLst>
+                <a:tab pos="218440" algn="l"/>
+              </a:tabLst>
             </a:pPr>
             <a:r>
-              <a:rPr lang="en-IN" dirty="0">
-                <a:latin typeface="Sitka Heading Semibold" pitchFamily="2" charset="0"/>
+              <a:rPr lang="en-US" sz="1800" dirty="0">
+                <a:uFill>
+                  <a:solidFill>
+                    <a:srgbClr val="000000"/>
+                  </a:solidFill>
+                </a:uFill>
+                <a:latin typeface="Times New Roman" panose="02020603050405020304" pitchFamily="18" charset="0"/>
+                <a:ea typeface="Times New Roman" panose="02020603050405020304" pitchFamily="18" charset="0"/>
               </a:rPr>
-              <a:t>Admin Interface After Login</a:t>
-            </a:r>
-          </a:p>
-          <a:p>
-            <a:pPr marL="285750" indent="-285750">
-              <a:lnSpc>
-                <a:spcPct val="200000"/>
-              </a:lnSpc>
-              <a:buFont typeface="Arial" panose="020B0604020202020204" pitchFamily="34" charset="0"/>
-              <a:buChar char="•"/>
-            </a:pPr>
-            <a:r>
-              <a:rPr lang="en-IN" dirty="0">
-                <a:latin typeface="Sitka Heading Semibold" pitchFamily="2" charset="0"/>
+              <a:t>6)</a:t>
+            </a:r>
+            <a:r>
+              <a:rPr lang="en-US" sz="1800" b="1" dirty="0">
+                <a:effectLst/>
+                <a:latin typeface="Times New Roman" panose="02020603050405020304" pitchFamily="18" charset="0"/>
+                <a:ea typeface="Times New Roman" panose="02020603050405020304" pitchFamily="18" charset="0"/>
               </a:rPr>
-              <a:t>Can navigate to different options such as logout, courses, tags, videos etc..</a:t>
-            </a:r>
-          </a:p>
-          <a:p>
-            <a:pPr>
-              <a:lnSpc>
-                <a:spcPct val="200000"/>
-              </a:lnSpc>
-            </a:pPr>
-            <a:endParaRPr lang="en-IN" dirty="0">
-              <a:latin typeface="Stencil" panose="040409050D0802020404" pitchFamily="82" charset="0"/>
+              <a:t> </a:t>
+            </a:r>
+            <a:r>
+              <a:rPr lang="en-US" sz="1800" dirty="0">
+                <a:effectLst/>
+                <a:latin typeface="Times New Roman" panose="02020603050405020304" pitchFamily="18" charset="0"/>
+                <a:ea typeface="Times New Roman" panose="02020603050405020304" pitchFamily="18" charset="0"/>
+              </a:rPr>
+              <a:t>CERTIFICATE </a:t>
+            </a:r>
+            <a:r>
+              <a:rPr lang="en-US" sz="1800" dirty="0">
+                <a:latin typeface="Times New Roman" panose="02020603050405020304" pitchFamily="18" charset="0"/>
+                <a:ea typeface="Times New Roman" panose="02020603050405020304" pitchFamily="18" charset="0"/>
+              </a:rPr>
+              <a:t>G</a:t>
+            </a:r>
+            <a:r>
+              <a:rPr lang="en-US" sz="1800" dirty="0">
+                <a:effectLst/>
+                <a:latin typeface="Times New Roman" panose="02020603050405020304" pitchFamily="18" charset="0"/>
+                <a:ea typeface="Times New Roman" panose="02020603050405020304" pitchFamily="18" charset="0"/>
+              </a:rPr>
+              <a:t>ENERATOR:-After</a:t>
+            </a:r>
+            <a:r>
+              <a:rPr lang="en-US" sz="1800" spc="-25" dirty="0">
+                <a:effectLst/>
+                <a:latin typeface="Times New Roman" panose="02020603050405020304" pitchFamily="18" charset="0"/>
+                <a:ea typeface="Times New Roman" panose="02020603050405020304" pitchFamily="18" charset="0"/>
+              </a:rPr>
+              <a:t>  </a:t>
+            </a:r>
+            <a:r>
+              <a:rPr lang="en-US" sz="1800" dirty="0">
+                <a:effectLst/>
+                <a:latin typeface="Times New Roman" panose="02020603050405020304" pitchFamily="18" charset="0"/>
+                <a:ea typeface="Times New Roman" panose="02020603050405020304" pitchFamily="18" charset="0"/>
+              </a:rPr>
+              <a:t>completion of quiz provided in the course</a:t>
+            </a:r>
+            <a:r>
+              <a:rPr lang="en-US" sz="1800" spc="-5" dirty="0">
+                <a:effectLst/>
+                <a:latin typeface="Times New Roman" panose="02020603050405020304" pitchFamily="18" charset="0"/>
+                <a:ea typeface="Times New Roman" panose="02020603050405020304" pitchFamily="18" charset="0"/>
+              </a:rPr>
+              <a:t> </a:t>
+            </a:r>
+            <a:r>
+              <a:rPr lang="en-US" sz="1800" dirty="0">
+                <a:effectLst/>
+                <a:latin typeface="Times New Roman" panose="02020603050405020304" pitchFamily="18" charset="0"/>
+                <a:ea typeface="Times New Roman" panose="02020603050405020304" pitchFamily="18" charset="0"/>
+              </a:rPr>
+              <a:t>user</a:t>
+            </a:r>
+            <a:r>
+              <a:rPr lang="en-US" sz="1800" spc="-25" dirty="0">
+                <a:effectLst/>
+                <a:latin typeface="Times New Roman" panose="02020603050405020304" pitchFamily="18" charset="0"/>
+                <a:ea typeface="Times New Roman" panose="02020603050405020304" pitchFamily="18" charset="0"/>
+              </a:rPr>
+              <a:t> </a:t>
+            </a:r>
+            <a:r>
+              <a:rPr lang="en-US" sz="1800" dirty="0">
+                <a:effectLst/>
+                <a:latin typeface="Times New Roman" panose="02020603050405020304" pitchFamily="18" charset="0"/>
+                <a:ea typeface="Times New Roman" panose="02020603050405020304" pitchFamily="18" charset="0"/>
+              </a:rPr>
+              <a:t>can</a:t>
+            </a:r>
+            <a:r>
+              <a:rPr lang="en-US" sz="1800" spc="10" dirty="0">
+                <a:effectLst/>
+                <a:latin typeface="Times New Roman" panose="02020603050405020304" pitchFamily="18" charset="0"/>
+                <a:ea typeface="Times New Roman" panose="02020603050405020304" pitchFamily="18" charset="0"/>
+              </a:rPr>
+              <a:t> </a:t>
+            </a:r>
+            <a:r>
+              <a:rPr lang="en-US" sz="1800" dirty="0">
+                <a:effectLst/>
+                <a:latin typeface="Times New Roman" panose="02020603050405020304" pitchFamily="18" charset="0"/>
+                <a:ea typeface="Times New Roman" panose="02020603050405020304" pitchFamily="18" charset="0"/>
+              </a:rPr>
+              <a:t>get</a:t>
+            </a:r>
+            <a:r>
+              <a:rPr lang="en-US" sz="1800" spc="-20" dirty="0">
+                <a:effectLst/>
+                <a:latin typeface="Times New Roman" panose="02020603050405020304" pitchFamily="18" charset="0"/>
+                <a:ea typeface="Times New Roman" panose="02020603050405020304" pitchFamily="18" charset="0"/>
+              </a:rPr>
+              <a:t> </a:t>
+            </a:r>
+            <a:r>
+              <a:rPr lang="en-US" sz="1800" dirty="0">
+                <a:effectLst/>
+                <a:latin typeface="Times New Roman" panose="02020603050405020304" pitchFamily="18" charset="0"/>
+                <a:ea typeface="Times New Roman" panose="02020603050405020304" pitchFamily="18" charset="0"/>
+              </a:rPr>
+              <a:t>the</a:t>
+            </a:r>
+            <a:r>
+              <a:rPr lang="en-US" sz="1800" spc="-10" dirty="0">
+                <a:effectLst/>
+                <a:latin typeface="Times New Roman" panose="02020603050405020304" pitchFamily="18" charset="0"/>
+                <a:ea typeface="Times New Roman" panose="02020603050405020304" pitchFamily="18" charset="0"/>
+              </a:rPr>
+              <a:t> </a:t>
+            </a:r>
+            <a:r>
+              <a:rPr lang="en-US" sz="1800" dirty="0">
+                <a:effectLst/>
+                <a:latin typeface="Times New Roman" panose="02020603050405020304" pitchFamily="18" charset="0"/>
+                <a:ea typeface="Times New Roman" panose="02020603050405020304" pitchFamily="18" charset="0"/>
+              </a:rPr>
+              <a:t>certificate .</a:t>
+            </a:r>
+            <a:r>
+              <a:rPr lang="en-US" sz="1800" spc="-285" dirty="0">
+                <a:effectLst/>
+                <a:latin typeface="Times New Roman" panose="02020603050405020304" pitchFamily="18" charset="0"/>
+                <a:ea typeface="Times New Roman" panose="02020603050405020304" pitchFamily="18" charset="0"/>
+              </a:rPr>
+              <a:t> </a:t>
+            </a:r>
+            <a:endParaRPr lang="en-IN" sz="1800" dirty="0">
+              <a:effectLst/>
+              <a:uFill>
+                <a:solidFill>
+                  <a:srgbClr val="000000"/>
+                </a:solidFill>
+              </a:uFill>
+              <a:latin typeface="Times New Roman" panose="02020603050405020304" pitchFamily="18" charset="0"/>
+              <a:ea typeface="Times New Roman" panose="02020603050405020304" pitchFamily="18" charset="0"/>
             </a:endParaRPr>
           </a:p>
-        </p:txBody>
-      </p:sp>
-      <p:sp>
-        <p:nvSpPr>
-          <p:cNvPr id="21" name="TextBox 20">
-            <a:extLst>
-              <a:ext uri="{FF2B5EF4-FFF2-40B4-BE49-F238E27FC236}">
-                <a16:creationId xmlns:a16="http://schemas.microsoft.com/office/drawing/2014/main" id="{F74C6057-AA0C-EBE5-17CB-DD2AA97E278C}"/>
-              </a:ext>
-            </a:extLst>
-          </p:cNvPr>
-          <p:cNvSpPr txBox="1"/>
-          <p:nvPr/>
-        </p:nvSpPr>
-        <p:spPr>
-          <a:xfrm>
-            <a:off x="1210452" y="3892093"/>
-            <a:ext cx="4072465" cy="3342518"/>
-          </a:xfrm>
-          <a:prstGeom prst="rect">
-            <a:avLst/>
-          </a:prstGeom>
-          <a:noFill/>
-        </p:spPr>
-        <p:txBody>
-          <a:bodyPr wrap="square" rtlCol="0">
-            <a:spAutoFit/>
-          </a:bodyPr>
-          <a:lstStyle/>
-          <a:p>
-            <a:pPr algn="ctr">
-              <a:lnSpc>
-                <a:spcPct val="200000"/>
-              </a:lnSpc>
-            </a:pPr>
-            <a:r>
-              <a:rPr lang="en-IN" dirty="0">
-                <a:latin typeface="Stencil" panose="040409050D0802020404" pitchFamily="82" charset="0"/>
-              </a:rPr>
-              <a:t>UPLOAD INTERFACE</a:t>
-            </a:r>
-          </a:p>
-          <a:p>
-            <a:pPr marL="285750" indent="-285750">
-              <a:lnSpc>
-                <a:spcPct val="200000"/>
-              </a:lnSpc>
-              <a:buFont typeface="Arial" panose="020B0604020202020204" pitchFamily="34" charset="0"/>
-              <a:buChar char="•"/>
-            </a:pPr>
-            <a:r>
-              <a:rPr lang="en-IN" dirty="0">
-                <a:latin typeface="Sitka Heading Semibold" pitchFamily="2" charset="0"/>
-              </a:rPr>
-              <a:t>Displays Documents uploaded by the user </a:t>
-            </a:r>
-          </a:p>
-          <a:p>
-            <a:pPr marL="285750" indent="-285750">
-              <a:lnSpc>
-                <a:spcPct val="200000"/>
-              </a:lnSpc>
-              <a:buFont typeface="Arial" panose="020B0604020202020204" pitchFamily="34" charset="0"/>
-              <a:buChar char="•"/>
-            </a:pPr>
-            <a:r>
-              <a:rPr lang="en-IN" dirty="0">
-                <a:latin typeface="Sitka Heading Semibold" pitchFamily="2" charset="0"/>
-              </a:rPr>
-              <a:t>Can take action such as edit and delete</a:t>
-            </a:r>
-          </a:p>
-          <a:p>
-            <a:pPr>
-              <a:lnSpc>
-                <a:spcPct val="200000"/>
-              </a:lnSpc>
-            </a:pPr>
-            <a:endParaRPr lang="en-IN" dirty="0">
-              <a:latin typeface="Stencil" panose="040409050D0802020404" pitchFamily="82" charset="0"/>
+          <a:p>
+            <a:pPr algn="just"/>
+            <a:endParaRPr lang="en-IN" sz="2000" dirty="0">
+              <a:latin typeface="Times New Roman" panose="02020603050405020304" pitchFamily="18" charset="0"/>
+              <a:cs typeface="Times New Roman" panose="02020603050405020304" pitchFamily="18" charset="0"/>
             </a:endParaRPr>
           </a:p>
-        </p:txBody>
-      </p:sp>
-      <p:sp>
-        <p:nvSpPr>
-          <p:cNvPr id="22" name="Rectangle 21">
-            <a:extLst>
-              <a:ext uri="{FF2B5EF4-FFF2-40B4-BE49-F238E27FC236}">
-                <a16:creationId xmlns:a16="http://schemas.microsoft.com/office/drawing/2014/main" id="{62E51ADF-8C5C-70E7-4229-ED423DD54B54}"/>
-              </a:ext>
-            </a:extLst>
-          </p:cNvPr>
-          <p:cNvSpPr/>
-          <p:nvPr/>
-        </p:nvSpPr>
-        <p:spPr>
-          <a:xfrm>
-            <a:off x="9728200" y="1727199"/>
-            <a:ext cx="2154667" cy="211667"/>
-          </a:xfrm>
-          <a:prstGeom prst="rect">
-            <a:avLst/>
-          </a:prstGeom>
-          <a:solidFill>
-            <a:schemeClr val="bg1"/>
-          </a:solidFill>
-          <a:ln>
-            <a:noFill/>
-          </a:ln>
-        </p:spPr>
-        <p:style>
-          <a:lnRef idx="2">
-            <a:schemeClr val="accent1">
-              <a:shade val="50000"/>
-            </a:schemeClr>
-          </a:lnRef>
-          <a:fillRef idx="1">
-            <a:schemeClr val="accent1"/>
-          </a:fillRef>
-          <a:effectRef idx="0">
-            <a:schemeClr val="accent1"/>
-          </a:effectRef>
-          <a:fontRef idx="minor">
-            <a:schemeClr val="lt1"/>
-          </a:fontRef>
-        </p:style>
-        <p:txBody>
-          <a:bodyPr rtlCol="0" anchor="ctr"/>
-          <a:lstStyle/>
-          <a:p>
-            <a:pPr algn="ctr"/>
-            <a:endParaRPr lang="en-IN"/>
-          </a:p>
-        </p:txBody>
-      </p:sp>
-      <p:sp>
-        <p:nvSpPr>
-          <p:cNvPr id="23" name="Rectangle 22">
-            <a:extLst>
-              <a:ext uri="{FF2B5EF4-FFF2-40B4-BE49-F238E27FC236}">
-                <a16:creationId xmlns:a16="http://schemas.microsoft.com/office/drawing/2014/main" id="{269A4106-D7D4-C64B-7A51-D1E6380699CA}"/>
-              </a:ext>
-            </a:extLst>
-          </p:cNvPr>
-          <p:cNvSpPr/>
-          <p:nvPr/>
-        </p:nvSpPr>
-        <p:spPr>
-          <a:xfrm>
-            <a:off x="9728200" y="6363694"/>
-            <a:ext cx="2031800" cy="431999"/>
-          </a:xfrm>
-          <a:prstGeom prst="rect">
-            <a:avLst/>
-          </a:prstGeom>
-          <a:solidFill>
-            <a:schemeClr val="bg2">
-              <a:lumMod val="90000"/>
-            </a:schemeClr>
-          </a:solidFill>
-          <a:ln>
-            <a:noFill/>
-          </a:ln>
-        </p:spPr>
-        <p:style>
-          <a:lnRef idx="2">
-            <a:schemeClr val="accent1">
-              <a:shade val="50000"/>
-            </a:schemeClr>
-          </a:lnRef>
-          <a:fillRef idx="1">
-            <a:schemeClr val="accent1"/>
-          </a:fillRef>
-          <a:effectRef idx="0">
-            <a:schemeClr val="accent1"/>
-          </a:effectRef>
-          <a:fontRef idx="minor">
-            <a:schemeClr val="lt1"/>
-          </a:fontRef>
-        </p:style>
-        <p:txBody>
-          <a:bodyPr rtlCol="0" anchor="ctr"/>
-          <a:lstStyle/>
-          <a:p>
-            <a:pPr algn="ctr"/>
-            <a:endParaRPr lang="en-IN"/>
-          </a:p>
-        </p:txBody>
-      </p:sp>
-      <p:sp>
-        <p:nvSpPr>
-          <p:cNvPr id="2" name="Arrow: Chevron 1">
-            <a:extLst>
-              <a:ext uri="{FF2B5EF4-FFF2-40B4-BE49-F238E27FC236}">
-                <a16:creationId xmlns:a16="http://schemas.microsoft.com/office/drawing/2014/main" id="{0777FB59-CF03-C4D8-66C2-BCBB77FD7F20}"/>
-              </a:ext>
-            </a:extLst>
-          </p:cNvPr>
-          <p:cNvSpPr/>
-          <p:nvPr/>
-        </p:nvSpPr>
-        <p:spPr>
-          <a:xfrm>
-            <a:off x="121298" y="4432041"/>
-            <a:ext cx="634482" cy="1240971"/>
-          </a:xfrm>
-          <a:prstGeom prst="chevron">
-            <a:avLst/>
-          </a:prstGeom>
-          <a:solidFill>
-            <a:schemeClr val="accent5"/>
-          </a:solidFill>
-          <a:ln>
-            <a:noFill/>
-          </a:ln>
-        </p:spPr>
-        <p:style>
-          <a:lnRef idx="2">
-            <a:schemeClr val="accent1">
-              <a:shade val="50000"/>
-            </a:schemeClr>
-          </a:lnRef>
-          <a:fillRef idx="1">
-            <a:schemeClr val="accent1"/>
-          </a:fillRef>
-          <a:effectRef idx="0">
-            <a:schemeClr val="accent1"/>
-          </a:effectRef>
-          <a:fontRef idx="minor">
-            <a:schemeClr val="lt1"/>
-          </a:fontRef>
-        </p:style>
-        <p:txBody>
-          <a:bodyPr rtlCol="0" anchor="ctr"/>
-          <a:lstStyle/>
-          <a:p>
-            <a:pPr algn="ctr"/>
-            <a:endParaRPr lang="en-IN">
-              <a:solidFill>
-                <a:schemeClr val="tx1"/>
-              </a:solidFill>
-            </a:endParaRPr>
-          </a:p>
-        </p:txBody>
-      </p:sp>
-      <p:sp>
-        <p:nvSpPr>
-          <p:cNvPr id="3" name="Arrow: Chevron 2">
-            <a:extLst>
-              <a:ext uri="{FF2B5EF4-FFF2-40B4-BE49-F238E27FC236}">
-                <a16:creationId xmlns:a16="http://schemas.microsoft.com/office/drawing/2014/main" id="{B26BE8D4-895F-F155-CAF0-FB8B687F2FAD}"/>
-              </a:ext>
-            </a:extLst>
-          </p:cNvPr>
-          <p:cNvSpPr/>
-          <p:nvPr/>
-        </p:nvSpPr>
-        <p:spPr>
-          <a:xfrm rot="10800000">
-            <a:off x="10994306" y="917481"/>
-            <a:ext cx="661537" cy="1247220"/>
-          </a:xfrm>
-          <a:prstGeom prst="chevron">
-            <a:avLst/>
-          </a:prstGeom>
-          <a:solidFill>
-            <a:schemeClr val="accent5"/>
-          </a:solidFill>
-          <a:ln>
-            <a:noFill/>
-          </a:ln>
-        </p:spPr>
-        <p:style>
-          <a:lnRef idx="2">
-            <a:schemeClr val="accent1">
-              <a:shade val="50000"/>
-            </a:schemeClr>
-          </a:lnRef>
-          <a:fillRef idx="1">
-            <a:schemeClr val="accent1"/>
-          </a:fillRef>
-          <a:effectRef idx="0">
-            <a:schemeClr val="accent1"/>
-          </a:effectRef>
-          <a:fontRef idx="minor">
-            <a:schemeClr val="lt1"/>
-          </a:fontRef>
-        </p:style>
-        <p:txBody>
-          <a:bodyPr rtlCol="0" anchor="ctr"/>
-          <a:lstStyle/>
-          <a:p>
-            <a:pPr algn="ctr"/>
-            <a:endParaRPr lang="en-IN">
-              <a:solidFill>
-                <a:schemeClr val="tx1"/>
-              </a:solidFill>
+          <a:p>
+            <a:pPr algn="just"/>
+            <a:endParaRPr lang="en-IN" sz="1800" dirty="0">
+              <a:latin typeface="Times New Roman" panose="02020603050405020304" pitchFamily="18" charset="0"/>
+              <a:cs typeface="Times New Roman" panose="02020603050405020304" pitchFamily="18" charset="0"/>
             </a:endParaRPr>
           </a:p>
         </p:txBody>
@@ -14111,16 +14281,13 @@
     </p:spTree>
     <p:extLst>
       <p:ext uri="{BB962C8B-B14F-4D97-AF65-F5344CB8AC3E}">
-        <p14:creationId xmlns:p14="http://schemas.microsoft.com/office/powerpoint/2010/main" val="3136760656"/>
+        <p14:creationId xmlns:p14="http://schemas.microsoft.com/office/powerpoint/2010/main" val="1513587146"/>
       </p:ext>
     </p:extLst>
   </p:cSld>
   <p:clrMapOvr>
     <a:masterClrMapping/>
   </p:clrMapOvr>
-  <p:transition spd="slow">
-    <p:comb/>
-  </p:transition>
 </p:sld>
 </file>
 
@@ -14160,7 +14327,7 @@
         <p:spPr>
           <a:xfrm>
             <a:off x="1748028" y="1389888"/>
-            <a:ext cx="8695944" cy="985759"/>
+            <a:ext cx="8695944" cy="958865"/>
           </a:xfrm>
         </p:spPr>
         <p:txBody>
@@ -14171,7 +14338,7 @@
               <a:rPr lang="en-US" dirty="0">
                 <a:latin typeface="Baskerville Old Face" panose="02020602080505020303" pitchFamily="18" charset="77"/>
               </a:rPr>
-              <a:t>FUTURE ENHANCEMENTS </a:t>
+              <a:t>CONCLUSION</a:t>
             </a:r>
             <a:endParaRPr lang="en-US" dirty="0"/>
           </a:p>
@@ -14254,116 +14421,24 @@
         </p:nvSpPr>
         <p:spPr>
           <a:xfrm>
-            <a:off x="2017059" y="2375647"/>
-            <a:ext cx="7744968" cy="2697480"/>
+            <a:off x="2223516" y="2348753"/>
+            <a:ext cx="7744968" cy="2919805"/>
           </a:xfrm>
         </p:spPr>
         <p:txBody>
           <a:bodyPr>
-            <a:normAutofit/>
+            <a:normAutofit fontScale="85000" lnSpcReduction="10000"/>
           </a:bodyPr>
           <a:lstStyle/>
           <a:p>
             <a:pPr algn="just"/>
-            <a:r>
-              <a:rPr lang="en-IN" sz="1900" dirty="0">
-                <a:latin typeface="Times New Roman" panose="02020603050405020304" pitchFamily="18" charset="0"/>
-                <a:cs typeface="Times New Roman" panose="02020603050405020304" pitchFamily="18" charset="0"/>
-              </a:rPr>
-              <a:t>1)AI QUESTION AND ANSWERING</a:t>
-            </a:r>
-            <a:r>
-              <a:rPr lang="en-IN" dirty="0">
-                <a:latin typeface="Times New Roman" panose="02020603050405020304" pitchFamily="18" charset="0"/>
-                <a:cs typeface="Times New Roman" panose="02020603050405020304" pitchFamily="18" charset="0"/>
-              </a:rPr>
-              <a:t>:-To implement </a:t>
-            </a:r>
-            <a:r>
-              <a:rPr lang="en-IN" dirty="0" err="1">
-                <a:latin typeface="Times New Roman" panose="02020603050405020304" pitchFamily="18" charset="0"/>
-                <a:cs typeface="Times New Roman" panose="02020603050405020304" pitchFamily="18" charset="0"/>
-              </a:rPr>
-              <a:t>ChatGPT</a:t>
-            </a:r>
-            <a:r>
-              <a:rPr lang="en-IN" dirty="0">
-                <a:latin typeface="Times New Roman" panose="02020603050405020304" pitchFamily="18" charset="0"/>
-                <a:cs typeface="Times New Roman" panose="02020603050405020304" pitchFamily="18" charset="0"/>
-              </a:rPr>
-              <a:t> like feature</a:t>
-            </a:r>
             <a:r>
               <a:rPr lang="en-US" dirty="0">
                 <a:latin typeface="Times New Roman" panose="02020603050405020304" pitchFamily="18" charset="0"/>
                 <a:cs typeface="Times New Roman" panose="02020603050405020304" pitchFamily="18" charset="0"/>
               </a:rPr>
-              <a:t>.</a:t>
-            </a:r>
-          </a:p>
-          <a:p>
-            <a:pPr algn="just"/>
-            <a:r>
-              <a:rPr lang="en-IN" sz="1900" dirty="0">
-                <a:latin typeface="Times New Roman" panose="02020603050405020304" pitchFamily="18" charset="0"/>
-                <a:cs typeface="Times New Roman" panose="02020603050405020304" pitchFamily="18" charset="0"/>
-              </a:rPr>
-              <a:t>2)VIDEO CHAT</a:t>
-            </a:r>
-            <a:r>
-              <a:rPr lang="en-IN" sz="2400" dirty="0">
-                <a:latin typeface="Times New Roman" panose="02020603050405020304" pitchFamily="18" charset="0"/>
-                <a:cs typeface="Times New Roman" panose="02020603050405020304" pitchFamily="18" charset="0"/>
-              </a:rPr>
-              <a:t>:-</a:t>
-            </a:r>
-            <a:r>
-              <a:rPr lang="en-US" sz="2000" dirty="0">
-                <a:effectLst/>
-                <a:latin typeface="Times New Roman" panose="02020603050405020304" pitchFamily="18" charset="0"/>
-                <a:ea typeface="Times New Roman" panose="02020603050405020304" pitchFamily="18" charset="0"/>
-              </a:rPr>
-              <a:t> Users who are using online  study notes  portal can chat with experts for clearing their doubts with experts.</a:t>
-            </a:r>
-            <a:r>
-              <a:rPr lang="en-IN" sz="2400" dirty="0">
-                <a:latin typeface="Times New Roman" panose="02020603050405020304" pitchFamily="18" charset="0"/>
-                <a:cs typeface="Times New Roman" panose="02020603050405020304" pitchFamily="18" charset="0"/>
-              </a:rPr>
-              <a:t> </a:t>
-            </a:r>
-          </a:p>
-          <a:p>
-            <a:pPr algn="just"/>
-            <a:r>
-              <a:rPr lang="en-IN" sz="1900" dirty="0">
-                <a:latin typeface="Times New Roman" panose="02020603050405020304" pitchFamily="18" charset="0"/>
-                <a:cs typeface="Times New Roman" panose="02020603050405020304" pitchFamily="18" charset="0"/>
-              </a:rPr>
-              <a:t>3)ONLINE DEGREE COURSES</a:t>
-            </a:r>
-            <a:r>
-              <a:rPr lang="en-IN" sz="2400" dirty="0">
-                <a:latin typeface="Times New Roman" panose="02020603050405020304" pitchFamily="18" charset="0"/>
-                <a:cs typeface="Times New Roman" panose="02020603050405020304" pitchFamily="18" charset="0"/>
-              </a:rPr>
-              <a:t>:-</a:t>
-            </a:r>
-            <a:r>
-              <a:rPr lang="en-US" sz="2000" dirty="0">
-                <a:effectLst/>
-                <a:latin typeface="Times New Roman" panose="02020603050405020304" pitchFamily="18" charset="0"/>
-                <a:ea typeface="Times New Roman" panose="02020603050405020304" pitchFamily="18" charset="0"/>
-              </a:rPr>
-              <a:t>To collaborate with universities to provide online degree courses  at affordable price</a:t>
-            </a:r>
-            <a:endParaRPr lang="en-IN" sz="2400" dirty="0">
-              <a:latin typeface="Times New Roman" panose="02020603050405020304" pitchFamily="18" charset="0"/>
-              <a:cs typeface="Times New Roman" panose="02020603050405020304" pitchFamily="18" charset="0"/>
-            </a:endParaRPr>
-          </a:p>
-          <a:p>
-            <a:pPr algn="just"/>
+              <a:t>In conclusion, an online study materials portal that offers free notes and online courses has the potential to revolutionize the way individuals access educational resources. By providing a vast collection of study notes, personalized learning experiences, and interactive tools, such a portal can empower learners to acquire knowledge and enhance their skills. The challenges faced during development, ranging from content management to scalability, can be overcome through careful planning and continuous improvement. With future enhancements like enhanced personalization, interactive learning tools, and integration of emerging technologies, the online study materials portal can continue to evolve and provide an engaging and accessible learning platform for users worldwide. Overall, the online study materials portal holds tremendous promise in making education more accessible and fostering lifelong learning.</a:t>
+            </a:r>
             <a:endParaRPr lang="en-IN" dirty="0">
               <a:latin typeface="Times New Roman" panose="02020603050405020304" pitchFamily="18" charset="0"/>
               <a:cs typeface="Times New Roman" panose="02020603050405020304" pitchFamily="18" charset="0"/>
@@ -14374,7 +14449,7 @@
     </p:spTree>
     <p:extLst>
       <p:ext uri="{BB962C8B-B14F-4D97-AF65-F5344CB8AC3E}">
-        <p14:creationId xmlns:p14="http://schemas.microsoft.com/office/powerpoint/2010/main" val="1513587146"/>
+        <p14:creationId xmlns:p14="http://schemas.microsoft.com/office/powerpoint/2010/main" val="3585481010"/>
       </p:ext>
     </p:extLst>
   </p:cSld>
@@ -14406,7 +14481,7 @@
           <p:cNvPr id="2" name="Title 1">
             <a:extLst>
               <a:ext uri="{FF2B5EF4-FFF2-40B4-BE49-F238E27FC236}">
-                <a16:creationId xmlns:a16="http://schemas.microsoft.com/office/drawing/2014/main" id="{69554157-869F-9BBE-CFCF-717129CA6907}"/>
+                <a16:creationId xmlns:a16="http://schemas.microsoft.com/office/drawing/2014/main" id="{B3A2060C-BC6E-CDD4-18FE-7F64021A9FD4}"/>
               </a:ext>
             </a:extLst>
           </p:cNvPr>
@@ -14417,23 +14492,92 @@
             <p:ph type="title"/>
           </p:nvPr>
         </p:nvSpPr>
-        <p:spPr>
-          <a:xfrm>
-            <a:off x="1748028" y="1389888"/>
-            <a:ext cx="8695944" cy="958865"/>
-          </a:xfrm>
-        </p:spPr>
+        <p:spPr/>
         <p:txBody>
           <a:bodyPr/>
           <a:lstStyle/>
           <a:p>
             <a:r>
-              <a:rPr lang="en-US" dirty="0">
-                <a:latin typeface="Baskerville Old Face" panose="02020602080505020303" pitchFamily="18" charset="77"/>
+              <a:rPr lang="en-IN" dirty="0"/>
+              <a:t>REFERENCES</a:t>
+            </a:r>
+          </a:p>
+        </p:txBody>
+      </p:sp>
+      <p:sp>
+        <p:nvSpPr>
+          <p:cNvPr id="3" name="Content Placeholder 2">
+            <a:extLst>
+              <a:ext uri="{FF2B5EF4-FFF2-40B4-BE49-F238E27FC236}">
+                <a16:creationId xmlns:a16="http://schemas.microsoft.com/office/drawing/2014/main" id="{E2B13963-5F96-3FB1-F448-E37245EF9CA6}"/>
+              </a:ext>
+            </a:extLst>
+          </p:cNvPr>
+          <p:cNvSpPr>
+            <a:spLocks noGrp="1"/>
+          </p:cNvSpPr>
+          <p:nvPr>
+            <p:ph idx="1"/>
+          </p:nvPr>
+        </p:nvSpPr>
+        <p:spPr/>
+        <p:txBody>
+          <a:bodyPr>
+            <a:normAutofit lnSpcReduction="10000"/>
+          </a:bodyPr>
+          <a:lstStyle/>
+          <a:p>
+            <a:pPr algn="just"/>
+            <a:r>
+              <a:rPr lang="en-IN" dirty="0"/>
+              <a:t>1)CHATGPT</a:t>
+            </a:r>
+          </a:p>
+          <a:p>
+            <a:pPr algn="just"/>
+            <a:r>
+              <a:rPr lang="en-IN" dirty="0"/>
+              <a:t>2)STACK OVERFLOW</a:t>
+            </a:r>
+          </a:p>
+          <a:p>
+            <a:pPr algn="just"/>
+            <a:r>
+              <a:rPr lang="en-IN" dirty="0"/>
+              <a:t>3) </a:t>
+            </a:r>
+            <a:r>
+              <a:rPr lang="en-IN" dirty="0">
+                <a:hlinkClick r:id="rId2"/>
               </a:rPr>
-              <a:t>CONCLUSION</a:t>
-            </a:r>
-            <a:endParaRPr lang="en-US" dirty="0"/>
+              <a:t>https://dev.to/madhubankhatri/file-share-website-updated-version-django-project--1akp</a:t>
+            </a:r>
+            <a:endParaRPr lang="en-IN" dirty="0"/>
+          </a:p>
+          <a:p>
+            <a:pPr algn="just"/>
+            <a:r>
+              <a:rPr lang="en-IN"/>
+              <a:t>4) </a:t>
+            </a:r>
+            <a:r>
+              <a:rPr lang="en-IN">
+                <a:hlinkClick r:id="rId3"/>
+              </a:rPr>
+              <a:t>https://studygyaan.com/django/django-crud-create-retrieve-update-delete-function-based-views?ez_vid=057433bf2d2159c8bbffbfba9f36d35506722b432a927934e289e372eeb9a0f9#ezoic-pub-video-placeholder-3998</a:t>
+            </a:r>
+            <a:endParaRPr lang="en-IN"/>
+          </a:p>
+          <a:p>
+            <a:pPr algn="just"/>
+            <a:endParaRPr lang="en-IN"/>
+          </a:p>
+          <a:p>
+            <a:pPr algn="just"/>
+            <a:endParaRPr lang="en-IN" dirty="0"/>
+          </a:p>
+          <a:p>
+            <a:endParaRPr lang="en-IN" dirty="0"/>
           </a:p>
         </p:txBody>
       </p:sp>
@@ -14442,7 +14586,7 @@
           <p:cNvPr id="4" name="Footer Placeholder 3">
             <a:extLst>
               <a:ext uri="{FF2B5EF4-FFF2-40B4-BE49-F238E27FC236}">
-                <a16:creationId xmlns:a16="http://schemas.microsoft.com/office/drawing/2014/main" id="{8EF088D1-E89A-FD55-EB44-49411774536D}"/>
+                <a16:creationId xmlns:a16="http://schemas.microsoft.com/office/drawing/2014/main" id="{74F91A21-D1DC-FEEC-BA0B-351427AAE5BE}"/>
               </a:ext>
             </a:extLst>
           </p:cNvPr>
@@ -14471,7 +14615,7 @@
           <p:cNvPr id="5" name="Slide Number Placeholder 4">
             <a:extLst>
               <a:ext uri="{FF2B5EF4-FFF2-40B4-BE49-F238E27FC236}">
-                <a16:creationId xmlns:a16="http://schemas.microsoft.com/office/drawing/2014/main" id="{94026A48-6EF8-D4D0-2C6E-1F96935EA501}"/>
+                <a16:creationId xmlns:a16="http://schemas.microsoft.com/office/drawing/2014/main" id="{20F9F596-8DA8-52F0-AF5C-AA9B3942AA3C}"/>
               </a:ext>
             </a:extLst>
           </p:cNvPr>
@@ -14491,243 +14635,6 @@
               <a:rPr lang="en-US" smtClean="0"/>
               <a:pPr/>
               <a:t>14</a:t>
-            </a:fld>
-            <a:endParaRPr lang="en-US" dirty="0"/>
-          </a:p>
-        </p:txBody>
-      </p:sp>
-      <p:sp>
-        <p:nvSpPr>
-          <p:cNvPr id="7" name="Content Placeholder 6">
-            <a:extLst>
-              <a:ext uri="{FF2B5EF4-FFF2-40B4-BE49-F238E27FC236}">
-                <a16:creationId xmlns:a16="http://schemas.microsoft.com/office/drawing/2014/main" id="{FF2917C1-FDB2-008E-EBB2-7055C23524A6}"/>
-              </a:ext>
-            </a:extLst>
-          </p:cNvPr>
-          <p:cNvSpPr>
-            <a:spLocks noGrp="1"/>
-          </p:cNvSpPr>
-          <p:nvPr>
-            <p:ph idx="1"/>
-          </p:nvPr>
-        </p:nvSpPr>
-        <p:spPr>
-          <a:xfrm>
-            <a:off x="2223516" y="2348753"/>
-            <a:ext cx="7744968" cy="2919805"/>
-          </a:xfrm>
-        </p:spPr>
-        <p:txBody>
-          <a:bodyPr>
-            <a:normAutofit fontScale="85000" lnSpcReduction="10000"/>
-          </a:bodyPr>
-          <a:lstStyle/>
-          <a:p>
-            <a:pPr algn="just"/>
-            <a:r>
-              <a:rPr lang="en-US" dirty="0">
-                <a:latin typeface="Times New Roman" panose="02020603050405020304" pitchFamily="18" charset="0"/>
-                <a:cs typeface="Times New Roman" panose="02020603050405020304" pitchFamily="18" charset="0"/>
-              </a:rPr>
-              <a:t>In conclusion, an online study materials portal that offers free notes and online courses has the potential to revolutionize the way individuals access educational resources. By providing a vast collection of study notes, personalized learning experiences, and interactive tools, such a portal can empower learners to acquire knowledge and enhance their skills. The challenges faced during development, ranging from content management to scalability, can be overcome through careful planning and continuous improvement. With future enhancements like enhanced personalization, interactive learning tools, and integration of emerging technologies, the online study materials portal can continue to evolve and provide an engaging and accessible learning platform for users worldwide. Overall, the online study materials portal holds tremendous promise in making education more accessible and fostering lifelong learning.</a:t>
-            </a:r>
-            <a:endParaRPr lang="en-IN" dirty="0">
-              <a:latin typeface="Times New Roman" panose="02020603050405020304" pitchFamily="18" charset="0"/>
-              <a:cs typeface="Times New Roman" panose="02020603050405020304" pitchFamily="18" charset="0"/>
-            </a:endParaRPr>
-          </a:p>
-        </p:txBody>
-      </p:sp>
-    </p:spTree>
-    <p:extLst>
-      <p:ext uri="{BB962C8B-B14F-4D97-AF65-F5344CB8AC3E}">
-        <p14:creationId xmlns:p14="http://schemas.microsoft.com/office/powerpoint/2010/main" val="3585481010"/>
-      </p:ext>
-    </p:extLst>
-  </p:cSld>
-  <p:clrMapOvr>
-    <a:masterClrMapping/>
-  </p:clrMapOvr>
-</p:sld>
-</file>
-
-<file path=ppt/slides/slide15.xml><?xml version="1.0" encoding="utf-8"?>
-<p:sld xmlns:a="http://schemas.openxmlformats.org/drawingml/2006/main" xmlns:r="http://schemas.openxmlformats.org/officeDocument/2006/relationships" xmlns:p="http://schemas.openxmlformats.org/presentationml/2006/main">
-  <p:cSld>
-    <p:spTree>
-      <p:nvGrpSpPr>
-        <p:cNvPr id="1" name=""/>
-        <p:cNvGrpSpPr/>
-        <p:nvPr/>
-      </p:nvGrpSpPr>
-      <p:grpSpPr>
-        <a:xfrm>
-          <a:off x="0" y="0"/>
-          <a:ext cx="0" cy="0"/>
-          <a:chOff x="0" y="0"/>
-          <a:chExt cx="0" cy="0"/>
-        </a:xfrm>
-      </p:grpSpPr>
-      <p:sp>
-        <p:nvSpPr>
-          <p:cNvPr id="2" name="Title 1">
-            <a:extLst>
-              <a:ext uri="{FF2B5EF4-FFF2-40B4-BE49-F238E27FC236}">
-                <a16:creationId xmlns:a16="http://schemas.microsoft.com/office/drawing/2014/main" id="{B3A2060C-BC6E-CDD4-18FE-7F64021A9FD4}"/>
-              </a:ext>
-            </a:extLst>
-          </p:cNvPr>
-          <p:cNvSpPr>
-            <a:spLocks noGrp="1"/>
-          </p:cNvSpPr>
-          <p:nvPr>
-            <p:ph type="title"/>
-          </p:nvPr>
-        </p:nvSpPr>
-        <p:spPr/>
-        <p:txBody>
-          <a:bodyPr/>
-          <a:lstStyle/>
-          <a:p>
-            <a:r>
-              <a:rPr lang="en-IN" dirty="0"/>
-              <a:t>REFERENCES</a:t>
-            </a:r>
-          </a:p>
-        </p:txBody>
-      </p:sp>
-      <p:sp>
-        <p:nvSpPr>
-          <p:cNvPr id="3" name="Content Placeholder 2">
-            <a:extLst>
-              <a:ext uri="{FF2B5EF4-FFF2-40B4-BE49-F238E27FC236}">
-                <a16:creationId xmlns:a16="http://schemas.microsoft.com/office/drawing/2014/main" id="{E2B13963-5F96-3FB1-F448-E37245EF9CA6}"/>
-              </a:ext>
-            </a:extLst>
-          </p:cNvPr>
-          <p:cNvSpPr>
-            <a:spLocks noGrp="1"/>
-          </p:cNvSpPr>
-          <p:nvPr>
-            <p:ph idx="1"/>
-          </p:nvPr>
-        </p:nvSpPr>
-        <p:spPr/>
-        <p:txBody>
-          <a:bodyPr>
-            <a:normAutofit lnSpcReduction="10000"/>
-          </a:bodyPr>
-          <a:lstStyle/>
-          <a:p>
-            <a:pPr algn="just"/>
-            <a:r>
-              <a:rPr lang="en-IN" dirty="0"/>
-              <a:t>1)CHATGPT</a:t>
-            </a:r>
-          </a:p>
-          <a:p>
-            <a:pPr algn="just"/>
-            <a:r>
-              <a:rPr lang="en-IN" dirty="0"/>
-              <a:t>2)STACK OVERFLOW</a:t>
-            </a:r>
-          </a:p>
-          <a:p>
-            <a:pPr algn="just"/>
-            <a:r>
-              <a:rPr lang="en-IN" dirty="0"/>
-              <a:t>3) </a:t>
-            </a:r>
-            <a:r>
-              <a:rPr lang="en-IN" dirty="0">
-                <a:hlinkClick r:id="rId2"/>
-              </a:rPr>
-              <a:t>https://dev.to/madhubankhatri/file-share-website-updated-version-django-project--1akp</a:t>
-            </a:r>
-            <a:endParaRPr lang="en-IN" dirty="0"/>
-          </a:p>
-          <a:p>
-            <a:pPr algn="just"/>
-            <a:r>
-              <a:rPr lang="en-IN"/>
-              <a:t>4) </a:t>
-            </a:r>
-            <a:r>
-              <a:rPr lang="en-IN">
-                <a:hlinkClick r:id="rId3"/>
-              </a:rPr>
-              <a:t>https://studygyaan.com/django/django-crud-create-retrieve-update-delete-function-based-views?ez_vid=057433bf2d2159c8bbffbfba9f36d35506722b432a927934e289e372eeb9a0f9#ezoic-pub-video-placeholder-3998</a:t>
-            </a:r>
-            <a:endParaRPr lang="en-IN"/>
-          </a:p>
-          <a:p>
-            <a:pPr algn="just"/>
-            <a:endParaRPr lang="en-IN"/>
-          </a:p>
-          <a:p>
-            <a:pPr algn="just"/>
-            <a:endParaRPr lang="en-IN" dirty="0"/>
-          </a:p>
-          <a:p>
-            <a:endParaRPr lang="en-IN" dirty="0"/>
-          </a:p>
-        </p:txBody>
-      </p:sp>
-      <p:sp>
-        <p:nvSpPr>
-          <p:cNvPr id="4" name="Footer Placeholder 3">
-            <a:extLst>
-              <a:ext uri="{FF2B5EF4-FFF2-40B4-BE49-F238E27FC236}">
-                <a16:creationId xmlns:a16="http://schemas.microsoft.com/office/drawing/2014/main" id="{74F91A21-D1DC-FEEC-BA0B-351427AAE5BE}"/>
-              </a:ext>
-            </a:extLst>
-          </p:cNvPr>
-          <p:cNvSpPr>
-            <a:spLocks noGrp="1"/>
-          </p:cNvSpPr>
-          <p:nvPr>
-            <p:ph type="ftr" sz="quarter" idx="10"/>
-          </p:nvPr>
-        </p:nvSpPr>
-        <p:spPr/>
-        <p:txBody>
-          <a:bodyPr/>
-          <a:lstStyle/>
-          <a:p>
-            <a:r>
-              <a:rPr lang="en-US"/>
-              <a:t>Presentation title</a:t>
-            </a:r>
-            <a:endParaRPr lang="en-US" dirty="0"/>
-          </a:p>
-        </p:txBody>
-      </p:sp>
-      <p:sp>
-        <p:nvSpPr>
-          <p:cNvPr id="5" name="Slide Number Placeholder 4">
-            <a:extLst>
-              <a:ext uri="{FF2B5EF4-FFF2-40B4-BE49-F238E27FC236}">
-                <a16:creationId xmlns:a16="http://schemas.microsoft.com/office/drawing/2014/main" id="{20F9F596-8DA8-52F0-AF5C-AA9B3942AA3C}"/>
-              </a:ext>
-            </a:extLst>
-          </p:cNvPr>
-          <p:cNvSpPr>
-            <a:spLocks noGrp="1"/>
-          </p:cNvSpPr>
-          <p:nvPr>
-            <p:ph type="sldNum" sz="quarter" idx="11"/>
-          </p:nvPr>
-        </p:nvSpPr>
-        <p:spPr/>
-        <p:txBody>
-          <a:bodyPr/>
-          <a:lstStyle/>
-          <a:p>
-            <a:fld id="{294A09A9-5501-47C1-A89A-A340965A2BE2}" type="slidenum">
-              <a:rPr lang="en-US" smtClean="0"/>
-              <a:pPr/>
-              <a:t>15</a:t>
             </a:fld>
             <a:endParaRPr lang="en-US" dirty="0"/>
           </a:p>
@@ -14746,7 +14653,7 @@
 </p:sld>
 </file>
 
-<file path=ppt/slides/slide16.xml><?xml version="1.0" encoding="utf-8"?>
+<file path=ppt/slides/slide15.xml><?xml version="1.0" encoding="utf-8"?>
 <p:sld xmlns:a="http://schemas.openxmlformats.org/drawingml/2006/main" xmlns:r="http://schemas.openxmlformats.org/officeDocument/2006/relationships" xmlns:p="http://schemas.openxmlformats.org/presentationml/2006/main">
   <p:cSld>
     <p:spTree>
@@ -15427,14 +15334,6 @@
 <file path=ppt/slides/slide4.xml><?xml version="1.0" encoding="utf-8"?>
 <p:sld xmlns:a="http://schemas.openxmlformats.org/drawingml/2006/main" xmlns:r="http://schemas.openxmlformats.org/officeDocument/2006/relationships" xmlns:p="http://schemas.openxmlformats.org/presentationml/2006/main">
   <p:cSld>
-    <p:bg>
-      <p:bgPr>
-        <a:solidFill>
-          <a:schemeClr val="tx2"/>
-        </a:solidFill>
-        <a:effectLst/>
-      </p:bgPr>
-    </p:bg>
     <p:spTree>
       <p:nvGrpSpPr>
         <p:cNvPr id="1" name=""/>
@@ -15454,7 +15353,7 @@
           <p:cNvPr id="2" name="Title 1">
             <a:extLst>
               <a:ext uri="{FF2B5EF4-FFF2-40B4-BE49-F238E27FC236}">
-                <a16:creationId xmlns:a16="http://schemas.microsoft.com/office/drawing/2014/main" id="{8460295B-54B9-4937-90E3-BAB9CE69E30B}"/>
+                <a16:creationId xmlns:a16="http://schemas.microsoft.com/office/drawing/2014/main" id="{5A1841B7-EAC7-D3AF-FC0E-8030500DEB9C}"/>
               </a:ext>
             </a:extLst>
           </p:cNvPr>
@@ -15465,7 +15364,12 @@
             <p:ph type="title"/>
           </p:nvPr>
         </p:nvSpPr>
-        <p:spPr/>
+        <p:spPr>
+          <a:xfrm>
+            <a:off x="1748028" y="1272988"/>
+            <a:ext cx="8695944" cy="896471"/>
+          </a:xfrm>
+        </p:spPr>
         <p:txBody>
           <a:bodyPr/>
           <a:lstStyle/>
@@ -15474,13 +15378,849 @@
               <a:rPr lang="en-US" dirty="0"/>
               <a:t>Project requirements</a:t>
             </a:r>
+            <a:endParaRPr lang="en-IN" dirty="0"/>
+          </a:p>
+        </p:txBody>
+      </p:sp>
+      <p:sp>
+        <p:nvSpPr>
+          <p:cNvPr id="7" name="Content Placeholder 6">
+            <a:extLst>
+              <a:ext uri="{FF2B5EF4-FFF2-40B4-BE49-F238E27FC236}">
+                <a16:creationId xmlns:a16="http://schemas.microsoft.com/office/drawing/2014/main" id="{2E8E540A-8084-2926-0D31-CBD93F89B105}"/>
+              </a:ext>
+            </a:extLst>
+          </p:cNvPr>
+          <p:cNvSpPr>
+            <a:spLocks noGrp="1"/>
+          </p:cNvSpPr>
+          <p:nvPr>
+            <p:ph idx="1"/>
+          </p:nvPr>
+        </p:nvSpPr>
+        <p:spPr>
+          <a:xfrm>
+            <a:off x="2223516" y="2169459"/>
+            <a:ext cx="7744968" cy="3012141"/>
+          </a:xfrm>
+        </p:spPr>
+        <p:txBody>
+          <a:bodyPr>
+            <a:normAutofit fontScale="85000" lnSpcReduction="20000"/>
+          </a:bodyPr>
+          <a:lstStyle/>
+          <a:p>
+            <a:pPr marL="342900" marR="299085" lvl="0" indent="-342900" algn="just">
+              <a:lnSpc>
+                <a:spcPct val="95000"/>
+              </a:lnSpc>
+              <a:spcBef>
+                <a:spcPts val="750"/>
+              </a:spcBef>
+              <a:spcAft>
+                <a:spcPts val="0"/>
+              </a:spcAft>
+              <a:buSzPts val="1200"/>
+              <a:buFont typeface="Symbol" panose="05050102010706020507" pitchFamily="18" charset="2"/>
+              <a:buChar char=""/>
+              <a:tabLst>
+                <a:tab pos="456565" algn="l"/>
+                <a:tab pos="457200" algn="l"/>
+              </a:tabLst>
+            </a:pPr>
+            <a:r>
+              <a:rPr lang="en-US" sz="2000" spc="-5" dirty="0">
+                <a:solidFill>
+                  <a:schemeClr val="tx1"/>
+                </a:solidFill>
+                <a:effectLst/>
+                <a:latin typeface="Times New Roman" panose="02020603050405020304" pitchFamily="18" charset="0"/>
+                <a:ea typeface="Symbol" panose="05050102010706020507" pitchFamily="18" charset="2"/>
+                <a:cs typeface="Symbol" panose="05050102010706020507" pitchFamily="18" charset="2"/>
+              </a:rPr>
+              <a:t>Add/Edit</a:t>
+            </a:r>
+            <a:r>
+              <a:rPr lang="en-US" sz="2000" dirty="0">
+                <a:solidFill>
+                  <a:schemeClr val="tx1"/>
+                </a:solidFill>
+                <a:effectLst/>
+                <a:latin typeface="Times New Roman" panose="02020603050405020304" pitchFamily="18" charset="0"/>
+                <a:ea typeface="Symbol" panose="05050102010706020507" pitchFamily="18" charset="2"/>
+                <a:cs typeface="Symbol" panose="05050102010706020507" pitchFamily="18" charset="2"/>
+              </a:rPr>
+              <a:t> file:-User can add, edit, upload and delete files</a:t>
+            </a:r>
+            <a:endParaRPr lang="en-IN" sz="2000" dirty="0">
+              <a:solidFill>
+                <a:schemeClr val="tx1"/>
+              </a:solidFill>
+              <a:effectLst/>
+              <a:latin typeface="Times New Roman" panose="02020603050405020304" pitchFamily="18" charset="0"/>
+              <a:ea typeface="Symbol" panose="05050102010706020507" pitchFamily="18" charset="2"/>
+              <a:cs typeface="Symbol" panose="05050102010706020507" pitchFamily="18" charset="2"/>
+            </a:endParaRPr>
+          </a:p>
+          <a:p>
+            <a:pPr marL="342900" lvl="0" indent="-342900" algn="just">
+              <a:spcBef>
+                <a:spcPts val="665"/>
+              </a:spcBef>
+              <a:buSzPts val="1200"/>
+              <a:buFont typeface="Symbol" panose="05050102010706020507" pitchFamily="18" charset="2"/>
+              <a:buChar char=""/>
+              <a:tabLst>
+                <a:tab pos="456565" algn="l"/>
+                <a:tab pos="457200" algn="l"/>
+              </a:tabLst>
+            </a:pPr>
+            <a:r>
+              <a:rPr lang="en-US" sz="2000" dirty="0">
+                <a:solidFill>
+                  <a:schemeClr val="tx1"/>
+                </a:solidFill>
+                <a:effectLst/>
+                <a:latin typeface="Times New Roman" panose="02020603050405020304" pitchFamily="18" charset="0"/>
+                <a:ea typeface="Symbol" panose="05050102010706020507" pitchFamily="18" charset="2"/>
+                <a:cs typeface="Symbol" panose="05050102010706020507" pitchFamily="18" charset="2"/>
+              </a:rPr>
+              <a:t>Edit profile:-</a:t>
+            </a:r>
+            <a:r>
+              <a:rPr lang="en-US" sz="2000" spc="-10" dirty="0">
+                <a:solidFill>
+                  <a:schemeClr val="tx1"/>
+                </a:solidFill>
+                <a:effectLst/>
+                <a:latin typeface="Times New Roman" panose="02020603050405020304" pitchFamily="18" charset="0"/>
+                <a:ea typeface="Symbol" panose="05050102010706020507" pitchFamily="18" charset="2"/>
+                <a:cs typeface="Symbol" panose="05050102010706020507" pitchFamily="18" charset="2"/>
+              </a:rPr>
+              <a:t> User can edit their profile details</a:t>
+            </a:r>
+            <a:endParaRPr lang="en-IN" sz="2000" dirty="0">
+              <a:solidFill>
+                <a:schemeClr val="tx1"/>
+              </a:solidFill>
+              <a:effectLst/>
+              <a:latin typeface="Times New Roman" panose="02020603050405020304" pitchFamily="18" charset="0"/>
+              <a:ea typeface="Symbol" panose="05050102010706020507" pitchFamily="18" charset="2"/>
+              <a:cs typeface="Symbol" panose="05050102010706020507" pitchFamily="18" charset="2"/>
+            </a:endParaRPr>
+          </a:p>
+          <a:p>
+            <a:pPr marL="342900" lvl="0" indent="-342900" algn="just">
+              <a:spcBef>
+                <a:spcPts val="670"/>
+              </a:spcBef>
+              <a:spcAft>
+                <a:spcPts val="0"/>
+              </a:spcAft>
+              <a:buSzPts val="1200"/>
+              <a:buFont typeface="Symbol" panose="05050102010706020507" pitchFamily="18" charset="2"/>
+              <a:buChar char=""/>
+              <a:tabLst>
+                <a:tab pos="456565" algn="l"/>
+                <a:tab pos="457200" algn="l"/>
+              </a:tabLst>
+            </a:pPr>
+            <a:r>
+              <a:rPr lang="en-US" sz="2000" spc="-5" dirty="0">
+                <a:solidFill>
+                  <a:schemeClr val="tx1"/>
+                </a:solidFill>
+                <a:effectLst/>
+                <a:latin typeface="Times New Roman" panose="02020603050405020304" pitchFamily="18" charset="0"/>
+                <a:ea typeface="Symbol" panose="05050102010706020507" pitchFamily="18" charset="2"/>
+                <a:cs typeface="Symbol" panose="05050102010706020507" pitchFamily="18" charset="2"/>
+              </a:rPr>
+              <a:t>Add to favorites:-User</a:t>
+            </a:r>
+            <a:r>
+              <a:rPr lang="en-US" sz="2000" spc="10" dirty="0">
+                <a:solidFill>
+                  <a:schemeClr val="tx1"/>
+                </a:solidFill>
+                <a:effectLst/>
+                <a:latin typeface="Times New Roman" panose="02020603050405020304" pitchFamily="18" charset="0"/>
+                <a:ea typeface="Symbol" panose="05050102010706020507" pitchFamily="18" charset="2"/>
+                <a:cs typeface="Symbol" panose="05050102010706020507" pitchFamily="18" charset="2"/>
+              </a:rPr>
+              <a:t> </a:t>
+            </a:r>
+            <a:r>
+              <a:rPr lang="en-US" sz="2000" spc="-5" dirty="0">
+                <a:solidFill>
+                  <a:schemeClr val="tx1"/>
+                </a:solidFill>
+                <a:effectLst/>
+                <a:latin typeface="Times New Roman" panose="02020603050405020304" pitchFamily="18" charset="0"/>
+                <a:ea typeface="Symbol" panose="05050102010706020507" pitchFamily="18" charset="2"/>
+                <a:cs typeface="Symbol" panose="05050102010706020507" pitchFamily="18" charset="2"/>
+              </a:rPr>
+              <a:t>can</a:t>
+            </a:r>
+            <a:r>
+              <a:rPr lang="en-US" sz="2000" spc="35" dirty="0">
+                <a:solidFill>
+                  <a:schemeClr val="tx1"/>
+                </a:solidFill>
+                <a:effectLst/>
+                <a:latin typeface="Times New Roman" panose="02020603050405020304" pitchFamily="18" charset="0"/>
+                <a:ea typeface="Symbol" panose="05050102010706020507" pitchFamily="18" charset="2"/>
+                <a:cs typeface="Symbol" panose="05050102010706020507" pitchFamily="18" charset="2"/>
+              </a:rPr>
+              <a:t> </a:t>
+            </a:r>
+            <a:r>
+              <a:rPr lang="en-US" sz="2000" spc="-5" dirty="0">
+                <a:solidFill>
+                  <a:schemeClr val="tx1"/>
+                </a:solidFill>
+                <a:effectLst/>
+                <a:latin typeface="Times New Roman" panose="02020603050405020304" pitchFamily="18" charset="0"/>
+                <a:ea typeface="Symbol" panose="05050102010706020507" pitchFamily="18" charset="2"/>
+                <a:cs typeface="Symbol" panose="05050102010706020507" pitchFamily="18" charset="2"/>
+              </a:rPr>
+              <a:t>add</a:t>
+            </a:r>
+            <a:r>
+              <a:rPr lang="en-US" sz="2000" spc="-85" dirty="0">
+                <a:solidFill>
+                  <a:schemeClr val="tx1"/>
+                </a:solidFill>
+                <a:effectLst/>
+                <a:latin typeface="Times New Roman" panose="02020603050405020304" pitchFamily="18" charset="0"/>
+                <a:ea typeface="Symbol" panose="05050102010706020507" pitchFamily="18" charset="2"/>
+                <a:cs typeface="Symbol" panose="05050102010706020507" pitchFamily="18" charset="2"/>
+              </a:rPr>
+              <a:t> </a:t>
+            </a:r>
+            <a:r>
+              <a:rPr lang="en-US" sz="2000" spc="55" dirty="0">
+                <a:solidFill>
+                  <a:schemeClr val="tx1"/>
+                </a:solidFill>
+                <a:effectLst/>
+                <a:latin typeface="Times New Roman" panose="02020603050405020304" pitchFamily="18" charset="0"/>
+                <a:ea typeface="Symbol" panose="05050102010706020507" pitchFamily="18" charset="2"/>
+                <a:cs typeface="Symbol" panose="05050102010706020507" pitchFamily="18" charset="2"/>
+              </a:rPr>
+              <a:t> </a:t>
+            </a:r>
+            <a:r>
+              <a:rPr lang="en-US" sz="2000" spc="-5" dirty="0">
+                <a:solidFill>
+                  <a:schemeClr val="tx1"/>
+                </a:solidFill>
+                <a:effectLst/>
+                <a:latin typeface="Times New Roman" panose="02020603050405020304" pitchFamily="18" charset="0"/>
+                <a:ea typeface="Symbol" panose="05050102010706020507" pitchFamily="18" charset="2"/>
+                <a:cs typeface="Symbol" panose="05050102010706020507" pitchFamily="18" charset="2"/>
+              </a:rPr>
+              <a:t>searched  files to their </a:t>
+            </a:r>
+            <a:r>
+              <a:rPr lang="en-US" sz="2000" dirty="0">
+                <a:solidFill>
+                  <a:schemeClr val="tx1"/>
+                </a:solidFill>
+                <a:effectLst/>
+                <a:latin typeface="Times New Roman" panose="02020603050405020304" pitchFamily="18" charset="0"/>
+                <a:ea typeface="Symbol" panose="05050102010706020507" pitchFamily="18" charset="2"/>
+                <a:cs typeface="Symbol" panose="05050102010706020507" pitchFamily="18" charset="2"/>
+              </a:rPr>
+              <a:t> </a:t>
+            </a:r>
+            <a:r>
+              <a:rPr lang="en-US" sz="2000" spc="-5" dirty="0">
+                <a:solidFill>
+                  <a:schemeClr val="tx1"/>
+                </a:solidFill>
+                <a:effectLst/>
+                <a:latin typeface="Times New Roman" panose="02020603050405020304" pitchFamily="18" charset="0"/>
+                <a:ea typeface="Symbol" panose="05050102010706020507" pitchFamily="18" charset="2"/>
+                <a:cs typeface="Symbol" panose="05050102010706020507" pitchFamily="18" charset="2"/>
+              </a:rPr>
+              <a:t>favorite list</a:t>
+            </a:r>
+            <a:endParaRPr lang="en-IN" sz="2000" dirty="0">
+              <a:solidFill>
+                <a:schemeClr val="tx1"/>
+              </a:solidFill>
+              <a:effectLst/>
+              <a:latin typeface="Times New Roman" panose="02020603050405020304" pitchFamily="18" charset="0"/>
+              <a:ea typeface="Symbol" panose="05050102010706020507" pitchFamily="18" charset="2"/>
+              <a:cs typeface="Symbol" panose="05050102010706020507" pitchFamily="18" charset="2"/>
+            </a:endParaRPr>
+          </a:p>
+          <a:p>
+            <a:pPr marL="342900" lvl="0" indent="-342900" algn="just">
+              <a:spcBef>
+                <a:spcPts val="665"/>
+              </a:spcBef>
+              <a:buSzPts val="1200"/>
+              <a:buFont typeface="Symbol" panose="05050102010706020507" pitchFamily="18" charset="2"/>
+              <a:buChar char=""/>
+              <a:tabLst>
+                <a:tab pos="456565" algn="l"/>
+                <a:tab pos="457200" algn="l"/>
+              </a:tabLst>
+            </a:pPr>
+            <a:r>
+              <a:rPr lang="en-US" sz="2000" spc="-5" dirty="0">
+                <a:solidFill>
+                  <a:schemeClr val="tx1"/>
+                </a:solidFill>
+                <a:effectLst/>
+                <a:latin typeface="Times New Roman" panose="02020603050405020304" pitchFamily="18" charset="0"/>
+                <a:ea typeface="Symbol" panose="05050102010706020507" pitchFamily="18" charset="2"/>
+                <a:cs typeface="Symbol" panose="05050102010706020507" pitchFamily="18" charset="2"/>
+              </a:rPr>
+              <a:t>Search</a:t>
+            </a:r>
+            <a:r>
+              <a:rPr lang="en-US" sz="2000" spc="-75" dirty="0">
+                <a:solidFill>
+                  <a:schemeClr val="tx1"/>
+                </a:solidFill>
+                <a:effectLst/>
+                <a:latin typeface="Times New Roman" panose="02020603050405020304" pitchFamily="18" charset="0"/>
+                <a:ea typeface="Symbol" panose="05050102010706020507" pitchFamily="18" charset="2"/>
+                <a:cs typeface="Symbol" panose="05050102010706020507" pitchFamily="18" charset="2"/>
+              </a:rPr>
+              <a:t> </a:t>
+            </a:r>
+            <a:r>
+              <a:rPr lang="en-US" sz="2000" spc="-5" dirty="0">
+                <a:solidFill>
+                  <a:schemeClr val="tx1"/>
+                </a:solidFill>
+                <a:effectLst/>
+                <a:latin typeface="Times New Roman" panose="02020603050405020304" pitchFamily="18" charset="0"/>
+                <a:ea typeface="Symbol" panose="05050102010706020507" pitchFamily="18" charset="2"/>
+                <a:cs typeface="Symbol" panose="05050102010706020507" pitchFamily="18" charset="2"/>
+              </a:rPr>
+              <a:t>:-User</a:t>
+            </a:r>
+            <a:r>
+              <a:rPr lang="en-US" sz="2000" spc="5" dirty="0">
+                <a:solidFill>
+                  <a:schemeClr val="tx1"/>
+                </a:solidFill>
+                <a:effectLst/>
+                <a:latin typeface="Times New Roman" panose="02020603050405020304" pitchFamily="18" charset="0"/>
+                <a:ea typeface="Symbol" panose="05050102010706020507" pitchFamily="18" charset="2"/>
+                <a:cs typeface="Symbol" panose="05050102010706020507" pitchFamily="18" charset="2"/>
+              </a:rPr>
+              <a:t> </a:t>
+            </a:r>
+            <a:r>
+              <a:rPr lang="en-US" sz="2000" dirty="0">
+                <a:solidFill>
+                  <a:schemeClr val="tx1"/>
+                </a:solidFill>
+                <a:effectLst/>
+                <a:latin typeface="Times New Roman" panose="02020603050405020304" pitchFamily="18" charset="0"/>
+                <a:ea typeface="Symbol" panose="05050102010706020507" pitchFamily="18" charset="2"/>
+                <a:cs typeface="Symbol" panose="05050102010706020507" pitchFamily="18" charset="2"/>
+              </a:rPr>
+              <a:t>can</a:t>
+            </a:r>
+            <a:r>
+              <a:rPr lang="en-US" sz="2000" spc="-65" dirty="0">
+                <a:solidFill>
+                  <a:schemeClr val="tx1"/>
+                </a:solidFill>
+                <a:effectLst/>
+                <a:latin typeface="Times New Roman" panose="02020603050405020304" pitchFamily="18" charset="0"/>
+                <a:ea typeface="Symbol" panose="05050102010706020507" pitchFamily="18" charset="2"/>
+                <a:cs typeface="Symbol" panose="05050102010706020507" pitchFamily="18" charset="2"/>
+              </a:rPr>
+              <a:t> </a:t>
+            </a:r>
+            <a:r>
+              <a:rPr lang="en-US" sz="2000" dirty="0">
+                <a:solidFill>
+                  <a:schemeClr val="tx1"/>
+                </a:solidFill>
+                <a:effectLst/>
+                <a:latin typeface="Times New Roman" panose="02020603050405020304" pitchFamily="18" charset="0"/>
+                <a:ea typeface="Symbol" panose="05050102010706020507" pitchFamily="18" charset="2"/>
+                <a:cs typeface="Symbol" panose="05050102010706020507" pitchFamily="18" charset="2"/>
+              </a:rPr>
+              <a:t>search</a:t>
+            </a:r>
+            <a:r>
+              <a:rPr lang="en-US" sz="2000" spc="5" dirty="0">
+                <a:solidFill>
+                  <a:schemeClr val="tx1"/>
+                </a:solidFill>
+                <a:effectLst/>
+                <a:latin typeface="Times New Roman" panose="02020603050405020304" pitchFamily="18" charset="0"/>
+                <a:ea typeface="Symbol" panose="05050102010706020507" pitchFamily="18" charset="2"/>
+                <a:cs typeface="Symbol" panose="05050102010706020507" pitchFamily="18" charset="2"/>
+              </a:rPr>
+              <a:t> </a:t>
+            </a:r>
+            <a:r>
+              <a:rPr lang="en-US" sz="2000" dirty="0">
+                <a:solidFill>
+                  <a:schemeClr val="tx1"/>
+                </a:solidFill>
+                <a:effectLst/>
+                <a:latin typeface="Times New Roman" panose="02020603050405020304" pitchFamily="18" charset="0"/>
+                <a:ea typeface="Symbol" panose="05050102010706020507" pitchFamily="18" charset="2"/>
+                <a:cs typeface="Symbol" panose="05050102010706020507" pitchFamily="18" charset="2"/>
+              </a:rPr>
+              <a:t>files which are required for them</a:t>
+            </a:r>
+            <a:endParaRPr lang="en-IN" sz="2000" dirty="0">
+              <a:solidFill>
+                <a:schemeClr val="tx1"/>
+              </a:solidFill>
+              <a:effectLst/>
+              <a:latin typeface="Times New Roman" panose="02020603050405020304" pitchFamily="18" charset="0"/>
+              <a:ea typeface="Symbol" panose="05050102010706020507" pitchFamily="18" charset="2"/>
+              <a:cs typeface="Symbol" panose="05050102010706020507" pitchFamily="18" charset="2"/>
+            </a:endParaRPr>
+          </a:p>
+          <a:p>
+            <a:pPr marL="342900" lvl="0" indent="-342900" algn="just">
+              <a:spcBef>
+                <a:spcPts val="675"/>
+              </a:spcBef>
+              <a:spcAft>
+                <a:spcPts val="0"/>
+              </a:spcAft>
+              <a:buSzPts val="1200"/>
+              <a:buFont typeface="Symbol" panose="05050102010706020507" pitchFamily="18" charset="2"/>
+              <a:buChar char=""/>
+              <a:tabLst>
+                <a:tab pos="456565" algn="l"/>
+                <a:tab pos="457200" algn="l"/>
+              </a:tabLst>
+            </a:pPr>
+            <a:r>
+              <a:rPr lang="en-US" sz="2000" spc="-5" dirty="0">
+                <a:solidFill>
+                  <a:schemeClr val="tx1"/>
+                </a:solidFill>
+                <a:effectLst/>
+                <a:latin typeface="Times New Roman" panose="02020603050405020304" pitchFamily="18" charset="0"/>
+                <a:ea typeface="Symbol" panose="05050102010706020507" pitchFamily="18" charset="2"/>
+                <a:cs typeface="Symbol" panose="05050102010706020507" pitchFamily="18" charset="2"/>
+              </a:rPr>
+              <a:t>Notifications:-Notifications for user login , crud operations,</a:t>
+            </a:r>
+            <a:endParaRPr lang="en-IN" sz="2000" dirty="0">
+              <a:solidFill>
+                <a:schemeClr val="tx1"/>
+              </a:solidFill>
+              <a:effectLst/>
+              <a:latin typeface="Times New Roman" panose="02020603050405020304" pitchFamily="18" charset="0"/>
+              <a:ea typeface="Symbol" panose="05050102010706020507" pitchFamily="18" charset="2"/>
+              <a:cs typeface="Symbol" panose="05050102010706020507" pitchFamily="18" charset="2"/>
+            </a:endParaRPr>
+          </a:p>
+          <a:p>
+            <a:pPr marL="342900" marR="167005" lvl="0" indent="-342900" algn="just">
+              <a:lnSpc>
+                <a:spcPct val="98000"/>
+              </a:lnSpc>
+              <a:spcBef>
+                <a:spcPts val="680"/>
+              </a:spcBef>
+              <a:spcAft>
+                <a:spcPts val="0"/>
+              </a:spcAft>
+              <a:buSzPts val="1200"/>
+              <a:buFont typeface="Symbol" panose="05050102010706020507" pitchFamily="18" charset="2"/>
+              <a:buChar char=""/>
+              <a:tabLst>
+                <a:tab pos="456565" algn="l"/>
+                <a:tab pos="457200" algn="l"/>
+              </a:tabLst>
+            </a:pPr>
+            <a:r>
+              <a:rPr lang="en-US" sz="2000" dirty="0">
+                <a:solidFill>
+                  <a:schemeClr val="tx1"/>
+                </a:solidFill>
+                <a:effectLst/>
+                <a:latin typeface="Times New Roman" panose="02020603050405020304" pitchFamily="18" charset="0"/>
+                <a:ea typeface="Symbol" panose="05050102010706020507" pitchFamily="18" charset="2"/>
+                <a:cs typeface="Symbol" panose="05050102010706020507" pitchFamily="18" charset="2"/>
+              </a:rPr>
+              <a:t>Rating:-user can rate the courses  after enrollment</a:t>
+            </a:r>
+            <a:endParaRPr lang="en-IN" sz="2000" dirty="0">
+              <a:solidFill>
+                <a:schemeClr val="tx1"/>
+              </a:solidFill>
+              <a:effectLst/>
+              <a:latin typeface="Times New Roman" panose="02020603050405020304" pitchFamily="18" charset="0"/>
+              <a:ea typeface="Symbol" panose="05050102010706020507" pitchFamily="18" charset="2"/>
+              <a:cs typeface="Symbol" panose="05050102010706020507" pitchFamily="18" charset="2"/>
+            </a:endParaRPr>
+          </a:p>
+          <a:p>
+            <a:pPr marL="342900" marR="167005" lvl="0" indent="-342900" algn="just">
+              <a:lnSpc>
+                <a:spcPct val="98000"/>
+              </a:lnSpc>
+              <a:spcBef>
+                <a:spcPts val="680"/>
+              </a:spcBef>
+              <a:spcAft>
+                <a:spcPts val="0"/>
+              </a:spcAft>
+              <a:buSzPts val="1200"/>
+              <a:buFont typeface="Symbol" panose="05050102010706020507" pitchFamily="18" charset="2"/>
+              <a:buChar char=""/>
+              <a:tabLst>
+                <a:tab pos="456565" algn="l"/>
+                <a:tab pos="457200" algn="l"/>
+              </a:tabLst>
+            </a:pPr>
+            <a:r>
+              <a:rPr lang="en-US" sz="2000" dirty="0">
+                <a:solidFill>
+                  <a:schemeClr val="tx1"/>
+                </a:solidFill>
+                <a:effectLst/>
+                <a:latin typeface="Times New Roman" panose="02020603050405020304" pitchFamily="18" charset="0"/>
+                <a:ea typeface="Symbol" panose="05050102010706020507" pitchFamily="18" charset="2"/>
+                <a:cs typeface="Symbol" panose="05050102010706020507" pitchFamily="18" charset="2"/>
+              </a:rPr>
+              <a:t>Payment:-user can enroll for paid courses  by doing online payment </a:t>
+            </a:r>
+            <a:endParaRPr lang="en-IN" sz="2000" dirty="0">
+              <a:solidFill>
+                <a:schemeClr val="tx1"/>
+              </a:solidFill>
+              <a:effectLst/>
+              <a:latin typeface="Times New Roman" panose="02020603050405020304" pitchFamily="18" charset="0"/>
+              <a:ea typeface="Symbol" panose="05050102010706020507" pitchFamily="18" charset="2"/>
+              <a:cs typeface="Symbol" panose="05050102010706020507" pitchFamily="18" charset="2"/>
+            </a:endParaRPr>
+          </a:p>
+          <a:p>
+            <a:pPr marL="342900" marR="299085" lvl="0" indent="-342900" algn="just">
+              <a:lnSpc>
+                <a:spcPct val="95000"/>
+              </a:lnSpc>
+              <a:spcBef>
+                <a:spcPts val="750"/>
+              </a:spcBef>
+              <a:spcAft>
+                <a:spcPts val="0"/>
+              </a:spcAft>
+              <a:buSzPts val="1200"/>
+              <a:buFont typeface="Symbol" panose="05050102010706020507" pitchFamily="18" charset="2"/>
+              <a:buChar char=""/>
+              <a:tabLst>
+                <a:tab pos="456565" algn="l"/>
+                <a:tab pos="457200" algn="l"/>
+              </a:tabLst>
+            </a:pPr>
+            <a:r>
+              <a:rPr lang="en-US" sz="2000" spc="-5" dirty="0">
+                <a:solidFill>
+                  <a:schemeClr val="tx1"/>
+                </a:solidFill>
+                <a:effectLst/>
+                <a:latin typeface="Times New Roman" panose="02020603050405020304" pitchFamily="18" charset="0"/>
+                <a:ea typeface="Symbol" panose="05050102010706020507" pitchFamily="18" charset="2"/>
+                <a:cs typeface="Symbol" panose="05050102010706020507" pitchFamily="18" charset="2"/>
+              </a:rPr>
+              <a:t>Add/Edit</a:t>
+            </a:r>
+            <a:r>
+              <a:rPr lang="en-US" sz="2000" dirty="0">
+                <a:solidFill>
+                  <a:schemeClr val="tx1"/>
+                </a:solidFill>
+                <a:effectLst/>
+                <a:latin typeface="Times New Roman" panose="02020603050405020304" pitchFamily="18" charset="0"/>
+                <a:ea typeface="Symbol" panose="05050102010706020507" pitchFamily="18" charset="2"/>
+                <a:cs typeface="Symbol" panose="05050102010706020507" pitchFamily="18" charset="2"/>
+              </a:rPr>
+              <a:t> </a:t>
+            </a:r>
+            <a:r>
+              <a:rPr lang="en-US" sz="2000" dirty="0">
+                <a:solidFill>
+                  <a:schemeClr val="tx1"/>
+                </a:solidFill>
+                <a:latin typeface="Times New Roman" panose="02020603050405020304" pitchFamily="18" charset="0"/>
+                <a:ea typeface="Symbol" panose="05050102010706020507" pitchFamily="18" charset="2"/>
+                <a:cs typeface="Symbol" panose="05050102010706020507" pitchFamily="18" charset="2"/>
+              </a:rPr>
+              <a:t>course</a:t>
+            </a:r>
+            <a:r>
+              <a:rPr lang="en-US" sz="2000" dirty="0">
+                <a:solidFill>
+                  <a:schemeClr val="tx1"/>
+                </a:solidFill>
+                <a:effectLst/>
+                <a:latin typeface="Times New Roman" panose="02020603050405020304" pitchFamily="18" charset="0"/>
+                <a:ea typeface="Symbol" panose="05050102010706020507" pitchFamily="18" charset="2"/>
+                <a:cs typeface="Symbol" panose="05050102010706020507" pitchFamily="18" charset="2"/>
+              </a:rPr>
+              <a:t>:-</a:t>
+            </a:r>
+            <a:r>
+              <a:rPr lang="en-US" sz="2000" dirty="0">
+                <a:solidFill>
+                  <a:schemeClr val="tx1"/>
+                </a:solidFill>
+                <a:latin typeface="Times New Roman" panose="02020603050405020304" pitchFamily="18" charset="0"/>
+                <a:ea typeface="Symbol" panose="05050102010706020507" pitchFamily="18" charset="2"/>
+                <a:cs typeface="Symbol" panose="05050102010706020507" pitchFamily="18" charset="2"/>
+              </a:rPr>
+              <a:t>Admin </a:t>
+            </a:r>
+            <a:r>
+              <a:rPr lang="en-US" sz="2000" dirty="0">
+                <a:solidFill>
+                  <a:schemeClr val="tx1"/>
+                </a:solidFill>
+                <a:effectLst/>
+                <a:latin typeface="Times New Roman" panose="02020603050405020304" pitchFamily="18" charset="0"/>
+                <a:ea typeface="Symbol" panose="05050102010706020507" pitchFamily="18" charset="2"/>
+                <a:cs typeface="Symbol" panose="05050102010706020507" pitchFamily="18" charset="2"/>
+              </a:rPr>
+              <a:t>can add, edit, upload and delete </a:t>
+            </a:r>
+            <a:r>
+              <a:rPr lang="en-US" sz="2000" dirty="0">
+                <a:solidFill>
+                  <a:schemeClr val="tx1"/>
+                </a:solidFill>
+                <a:latin typeface="Times New Roman" panose="02020603050405020304" pitchFamily="18" charset="0"/>
+                <a:ea typeface="Symbol" panose="05050102010706020507" pitchFamily="18" charset="2"/>
+                <a:cs typeface="Symbol" panose="05050102010706020507" pitchFamily="18" charset="2"/>
+              </a:rPr>
+              <a:t>courses</a:t>
+            </a:r>
+            <a:endParaRPr lang="en-IN" sz="2000" dirty="0">
+              <a:solidFill>
+                <a:schemeClr val="tx1"/>
+              </a:solidFill>
+              <a:effectLst/>
+              <a:latin typeface="Times New Roman" panose="02020603050405020304" pitchFamily="18" charset="0"/>
+              <a:ea typeface="Symbol" panose="05050102010706020507" pitchFamily="18" charset="2"/>
+              <a:cs typeface="Symbol" panose="05050102010706020507" pitchFamily="18" charset="2"/>
+            </a:endParaRPr>
+          </a:p>
+          <a:p>
+            <a:pPr marL="342900" lvl="0" indent="-342900" algn="just">
+              <a:spcBef>
+                <a:spcPts val="665"/>
+              </a:spcBef>
+              <a:buSzPts val="1200"/>
+              <a:buFont typeface="Symbol" panose="05050102010706020507" pitchFamily="18" charset="2"/>
+              <a:buChar char=""/>
+              <a:tabLst>
+                <a:tab pos="456565" algn="l"/>
+                <a:tab pos="457200" algn="l"/>
+              </a:tabLst>
+            </a:pPr>
+            <a:r>
+              <a:rPr lang="en-US" sz="2000" dirty="0">
+                <a:solidFill>
+                  <a:schemeClr val="tx1"/>
+                </a:solidFill>
+                <a:latin typeface="Times New Roman" panose="02020603050405020304" pitchFamily="18" charset="0"/>
+                <a:ea typeface="Symbol" panose="05050102010706020507" pitchFamily="18" charset="2"/>
+                <a:cs typeface="Symbol" panose="05050102010706020507" pitchFamily="18" charset="2"/>
+              </a:rPr>
+              <a:t>Add/edit tags</a:t>
+            </a:r>
+            <a:r>
+              <a:rPr lang="en-US" sz="2000" dirty="0">
+                <a:solidFill>
+                  <a:schemeClr val="tx1"/>
+                </a:solidFill>
+                <a:effectLst/>
+                <a:latin typeface="Times New Roman" panose="02020603050405020304" pitchFamily="18" charset="0"/>
+                <a:ea typeface="Symbol" panose="05050102010706020507" pitchFamily="18" charset="2"/>
+                <a:cs typeface="Symbol" panose="05050102010706020507" pitchFamily="18" charset="2"/>
+              </a:rPr>
+              <a:t>:-</a:t>
+            </a:r>
+            <a:r>
+              <a:rPr lang="en-US" sz="2000" spc="-10" dirty="0">
+                <a:solidFill>
+                  <a:schemeClr val="tx1"/>
+                </a:solidFill>
+                <a:effectLst/>
+                <a:latin typeface="Times New Roman" panose="02020603050405020304" pitchFamily="18" charset="0"/>
+                <a:ea typeface="Symbol" panose="05050102010706020507" pitchFamily="18" charset="2"/>
+                <a:cs typeface="Symbol" panose="05050102010706020507" pitchFamily="18" charset="2"/>
+              </a:rPr>
+              <a:t> Admin can add, edit the </a:t>
+            </a:r>
+            <a:r>
+              <a:rPr lang="en-US" sz="2000" spc="-10" dirty="0">
+                <a:solidFill>
+                  <a:schemeClr val="tx1"/>
+                </a:solidFill>
+                <a:latin typeface="Times New Roman" panose="02020603050405020304" pitchFamily="18" charset="0"/>
+                <a:ea typeface="Symbol" panose="05050102010706020507" pitchFamily="18" charset="2"/>
+                <a:cs typeface="Symbol" panose="05050102010706020507" pitchFamily="18" charset="2"/>
+              </a:rPr>
+              <a:t>tags for courses</a:t>
+            </a:r>
+            <a:endParaRPr lang="en-IN" sz="2000" dirty="0">
+              <a:solidFill>
+                <a:schemeClr val="tx1"/>
+              </a:solidFill>
+              <a:effectLst/>
+              <a:latin typeface="Times New Roman" panose="02020603050405020304" pitchFamily="18" charset="0"/>
+              <a:ea typeface="Symbol" panose="05050102010706020507" pitchFamily="18" charset="2"/>
+              <a:cs typeface="Symbol" panose="05050102010706020507" pitchFamily="18" charset="2"/>
+            </a:endParaRPr>
+          </a:p>
+          <a:p>
+            <a:pPr marL="342900" lvl="0" indent="-342900" algn="just">
+              <a:spcBef>
+                <a:spcPts val="670"/>
+              </a:spcBef>
+              <a:spcAft>
+                <a:spcPts val="0"/>
+              </a:spcAft>
+              <a:buSzPts val="1200"/>
+              <a:buFont typeface="Symbol" panose="05050102010706020507" pitchFamily="18" charset="2"/>
+              <a:buChar char=""/>
+              <a:tabLst>
+                <a:tab pos="456565" algn="l"/>
+                <a:tab pos="457200" algn="l"/>
+              </a:tabLst>
+            </a:pPr>
+            <a:r>
+              <a:rPr lang="en-US" sz="2000" spc="-5" dirty="0">
+                <a:solidFill>
+                  <a:schemeClr val="tx1"/>
+                </a:solidFill>
+                <a:effectLst/>
+                <a:latin typeface="Times New Roman" panose="02020603050405020304" pitchFamily="18" charset="0"/>
+                <a:ea typeface="Symbol" panose="05050102010706020507" pitchFamily="18" charset="2"/>
+                <a:cs typeface="Symbol" panose="05050102010706020507" pitchFamily="18" charset="2"/>
+              </a:rPr>
+              <a:t>Add/edit prerequisites:-</a:t>
+            </a:r>
+            <a:r>
+              <a:rPr lang="en-US" sz="2000" spc="-10" dirty="0">
+                <a:solidFill>
+                  <a:schemeClr val="tx1"/>
+                </a:solidFill>
+                <a:effectLst/>
+                <a:latin typeface="Times New Roman" panose="02020603050405020304" pitchFamily="18" charset="0"/>
+                <a:ea typeface="Symbol" panose="05050102010706020507" pitchFamily="18" charset="2"/>
+                <a:cs typeface="Symbol" panose="05050102010706020507" pitchFamily="18" charset="2"/>
+              </a:rPr>
+              <a:t> Admin can add, edit the </a:t>
+            </a:r>
+            <a:r>
+              <a:rPr lang="en-US" sz="2000" spc="-10" dirty="0">
+                <a:solidFill>
+                  <a:schemeClr val="tx1"/>
+                </a:solidFill>
+                <a:latin typeface="Times New Roman" panose="02020603050405020304" pitchFamily="18" charset="0"/>
+                <a:ea typeface="Symbol" panose="05050102010706020507" pitchFamily="18" charset="2"/>
+                <a:cs typeface="Symbol" panose="05050102010706020507" pitchFamily="18" charset="2"/>
+              </a:rPr>
+              <a:t>tags for courses</a:t>
+            </a:r>
+            <a:endParaRPr lang="en-IN" sz="2000" dirty="0">
+              <a:solidFill>
+                <a:schemeClr val="tx1"/>
+              </a:solidFill>
+              <a:effectLst/>
+              <a:latin typeface="Times New Roman" panose="02020603050405020304" pitchFamily="18" charset="0"/>
+              <a:ea typeface="Symbol" panose="05050102010706020507" pitchFamily="18" charset="2"/>
+              <a:cs typeface="Symbol" panose="05050102010706020507" pitchFamily="18" charset="2"/>
+            </a:endParaRPr>
+          </a:p>
+          <a:p>
+            <a:pPr marL="0" indent="0" algn="just">
+              <a:buNone/>
+            </a:pPr>
+            <a:endParaRPr lang="en-IN" sz="2000" dirty="0"/>
+          </a:p>
+          <a:p>
+            <a:pPr algn="just"/>
+            <a:endParaRPr lang="en-IN" sz="2000" dirty="0"/>
+          </a:p>
+        </p:txBody>
+      </p:sp>
+      <p:sp>
+        <p:nvSpPr>
+          <p:cNvPr id="4" name="Footer Placeholder 3">
+            <a:extLst>
+              <a:ext uri="{FF2B5EF4-FFF2-40B4-BE49-F238E27FC236}">
+                <a16:creationId xmlns:a16="http://schemas.microsoft.com/office/drawing/2014/main" id="{21D9DF05-D04B-F9CE-FC13-DEDFBD7A9507}"/>
+              </a:ext>
+            </a:extLst>
+          </p:cNvPr>
+          <p:cNvSpPr>
+            <a:spLocks noGrp="1"/>
+          </p:cNvSpPr>
+          <p:nvPr>
+            <p:ph type="ftr" sz="quarter" idx="10"/>
+          </p:nvPr>
+        </p:nvSpPr>
+        <p:spPr/>
+        <p:txBody>
+          <a:bodyPr/>
+          <a:lstStyle/>
+          <a:p>
+            <a:r>
+              <a:rPr lang="en-US"/>
+              <a:t>Presentation title</a:t>
+            </a:r>
+            <a:endParaRPr lang="en-US" dirty="0"/>
+          </a:p>
+        </p:txBody>
+      </p:sp>
+      <p:sp>
+        <p:nvSpPr>
+          <p:cNvPr id="5" name="Slide Number Placeholder 4">
+            <a:extLst>
+              <a:ext uri="{FF2B5EF4-FFF2-40B4-BE49-F238E27FC236}">
+                <a16:creationId xmlns:a16="http://schemas.microsoft.com/office/drawing/2014/main" id="{7D56BD15-0727-BBF1-FBD8-0228EA23C767}"/>
+              </a:ext>
+            </a:extLst>
+          </p:cNvPr>
+          <p:cNvSpPr>
+            <a:spLocks noGrp="1"/>
+          </p:cNvSpPr>
+          <p:nvPr>
+            <p:ph type="sldNum" sz="quarter" idx="11"/>
+          </p:nvPr>
+        </p:nvSpPr>
+        <p:spPr/>
+        <p:txBody>
+          <a:bodyPr/>
+          <a:lstStyle/>
+          <a:p>
+            <a:fld id="{294A09A9-5501-47C1-A89A-A340965A2BE2}" type="slidenum">
+              <a:rPr lang="en-US" smtClean="0"/>
+              <a:pPr/>
+              <a:t>4</a:t>
+            </a:fld>
+            <a:endParaRPr lang="en-US" dirty="0"/>
           </a:p>
         </p:txBody>
       </p:sp>
     </p:spTree>
     <p:extLst>
       <p:ext uri="{BB962C8B-B14F-4D97-AF65-F5344CB8AC3E}">
-        <p14:creationId xmlns:p14="http://schemas.microsoft.com/office/powerpoint/2010/main" val="3446797337"/>
+        <p14:creationId xmlns:p14="http://schemas.microsoft.com/office/powerpoint/2010/main" val="941015171"/>
       </p:ext>
     </p:extLst>
   </p:cSld>
@@ -15509,10 +16249,102 @@
       </p:grpSpPr>
       <p:sp>
         <p:nvSpPr>
+          <p:cNvPr id="2" name="Title 1">
+            <a:extLst>
+              <a:ext uri="{FF2B5EF4-FFF2-40B4-BE49-F238E27FC236}">
+                <a16:creationId xmlns:a16="http://schemas.microsoft.com/office/drawing/2014/main" id="{1450712D-83C9-7B91-F708-5D07E4C2815D}"/>
+              </a:ext>
+            </a:extLst>
+          </p:cNvPr>
+          <p:cNvSpPr>
+            <a:spLocks noGrp="1"/>
+          </p:cNvSpPr>
+          <p:nvPr>
+            <p:ph type="title"/>
+          </p:nvPr>
+        </p:nvSpPr>
+        <p:spPr/>
+        <p:txBody>
+          <a:bodyPr>
+            <a:normAutofit/>
+          </a:bodyPr>
+          <a:lstStyle/>
+          <a:p>
+            <a:r>
+              <a:rPr lang="en-US" sz="4000" dirty="0">
+                <a:latin typeface="Times New Roman" panose="02020603050405020304" pitchFamily="18" charset="0"/>
+                <a:cs typeface="Times New Roman" panose="02020603050405020304" pitchFamily="18" charset="0"/>
+              </a:rPr>
+              <a:t>Features and Highlights</a:t>
+            </a:r>
+          </a:p>
+        </p:txBody>
+      </p:sp>
+      <p:sp>
+        <p:nvSpPr>
+          <p:cNvPr id="4" name="Footer Placeholder 3">
+            <a:extLst>
+              <a:ext uri="{FF2B5EF4-FFF2-40B4-BE49-F238E27FC236}">
+                <a16:creationId xmlns:a16="http://schemas.microsoft.com/office/drawing/2014/main" id="{00F8B86A-A576-98F0-BAD4-3F0C0919C5C7}"/>
+              </a:ext>
+            </a:extLst>
+          </p:cNvPr>
+          <p:cNvSpPr>
+            <a:spLocks noGrp="1"/>
+          </p:cNvSpPr>
+          <p:nvPr>
+            <p:ph type="ftr" sz="quarter" idx="10"/>
+          </p:nvPr>
+        </p:nvSpPr>
+        <p:spPr/>
+        <p:txBody>
+          <a:bodyPr/>
+          <a:lstStyle/>
+          <a:p>
+            <a:r>
+              <a:rPr lang="en-US"/>
+              <a:t>Presentation title</a:t>
+            </a:r>
+            <a:endParaRPr lang="en-US" dirty="0"/>
+          </a:p>
+        </p:txBody>
+      </p:sp>
+      <p:sp>
+        <p:nvSpPr>
+          <p:cNvPr id="5" name="Slide Number Placeholder 4">
+            <a:extLst>
+              <a:ext uri="{FF2B5EF4-FFF2-40B4-BE49-F238E27FC236}">
+                <a16:creationId xmlns:a16="http://schemas.microsoft.com/office/drawing/2014/main" id="{19143C50-6937-DD3E-B402-4ABB2469E63E}"/>
+              </a:ext>
+            </a:extLst>
+          </p:cNvPr>
+          <p:cNvSpPr>
+            <a:spLocks noGrp="1"/>
+          </p:cNvSpPr>
+          <p:nvPr>
+            <p:ph type="sldNum" sz="quarter" idx="11"/>
+          </p:nvPr>
+        </p:nvSpPr>
+        <p:spPr/>
+        <p:txBody>
+          <a:bodyPr/>
+          <a:lstStyle/>
+          <a:p>
+            <a:fld id="{294A09A9-5501-47C1-A89A-A340965A2BE2}" type="slidenum">
+              <a:rPr lang="en-US" smtClean="0"/>
+              <a:pPr/>
+              <a:t>5</a:t>
+            </a:fld>
+            <a:endParaRPr lang="en-US" dirty="0"/>
+          </a:p>
+        </p:txBody>
+      </p:sp>
+      <p:sp>
+        <p:nvSpPr>
           <p:cNvPr id="7" name="Content Placeholder 6">
             <a:extLst>
               <a:ext uri="{FF2B5EF4-FFF2-40B4-BE49-F238E27FC236}">
-                <a16:creationId xmlns:a16="http://schemas.microsoft.com/office/drawing/2014/main" id="{2E8E540A-8084-2926-0D31-CBD93F89B105}"/>
+                <a16:creationId xmlns:a16="http://schemas.microsoft.com/office/drawing/2014/main" id="{78438EBB-0907-62C1-C0D5-3CFCB63B2F12}"/>
               </a:ext>
             </a:extLst>
           </p:cNvPr>
@@ -15523,117 +16355,10 @@
             <p:ph idx="1"/>
           </p:nvPr>
         </p:nvSpPr>
-        <p:spPr>
-          <a:xfrm>
-            <a:off x="2223516" y="1568824"/>
-            <a:ext cx="7422508" cy="3263152"/>
-          </a:xfrm>
-        </p:spPr>
-        <p:txBody>
-          <a:bodyPr>
-            <a:normAutofit fontScale="70000" lnSpcReduction="20000"/>
-          </a:bodyPr>
+        <p:spPr/>
+        <p:txBody>
+          <a:bodyPr/>
           <a:lstStyle/>
-          <a:p>
-            <a:pPr marL="342900" marR="299085" lvl="0" indent="-342900" algn="just">
-              <a:lnSpc>
-                <a:spcPct val="95000"/>
-              </a:lnSpc>
-              <a:spcBef>
-                <a:spcPts val="750"/>
-              </a:spcBef>
-              <a:spcAft>
-                <a:spcPts val="0"/>
-              </a:spcAft>
-              <a:buSzPts val="1200"/>
-              <a:buFont typeface="Symbol" panose="05050102010706020507" pitchFamily="18" charset="2"/>
-              <a:buChar char=""/>
-              <a:tabLst>
-                <a:tab pos="456565" algn="l"/>
-                <a:tab pos="457200" algn="l"/>
-              </a:tabLst>
-            </a:pPr>
-            <a:r>
-              <a:rPr lang="en-US" sz="2000" spc="-5" dirty="0">
-                <a:solidFill>
-                  <a:schemeClr val="tx1"/>
-                </a:solidFill>
-                <a:effectLst/>
-                <a:latin typeface="Times New Roman" panose="02020603050405020304" pitchFamily="18" charset="0"/>
-                <a:ea typeface="Symbol" panose="05050102010706020507" pitchFamily="18" charset="2"/>
-                <a:cs typeface="Symbol" panose="05050102010706020507" pitchFamily="18" charset="2"/>
-              </a:rPr>
-              <a:t>Add/Edit</a:t>
-            </a:r>
-            <a:r>
-              <a:rPr lang="en-US" sz="2000" dirty="0">
-                <a:solidFill>
-                  <a:schemeClr val="tx1"/>
-                </a:solidFill>
-                <a:effectLst/>
-                <a:latin typeface="Times New Roman" panose="02020603050405020304" pitchFamily="18" charset="0"/>
-                <a:ea typeface="Symbol" panose="05050102010706020507" pitchFamily="18" charset="2"/>
-                <a:cs typeface="Symbol" panose="05050102010706020507" pitchFamily="18" charset="2"/>
-              </a:rPr>
-              <a:t> file:-User can add, edit, upload and delete files</a:t>
-            </a:r>
-            <a:endParaRPr lang="en-IN" sz="2000" dirty="0">
-              <a:solidFill>
-                <a:schemeClr val="tx1"/>
-              </a:solidFill>
-              <a:effectLst/>
-              <a:latin typeface="Times New Roman" panose="02020603050405020304" pitchFamily="18" charset="0"/>
-              <a:ea typeface="Symbol" panose="05050102010706020507" pitchFamily="18" charset="2"/>
-              <a:cs typeface="Symbol" panose="05050102010706020507" pitchFamily="18" charset="2"/>
-            </a:endParaRPr>
-          </a:p>
-          <a:p>
-            <a:pPr marL="342900" lvl="0" indent="-342900" algn="just">
-              <a:spcBef>
-                <a:spcPts val="665"/>
-              </a:spcBef>
-              <a:buSzPts val="1200"/>
-              <a:buFont typeface="Symbol" panose="05050102010706020507" pitchFamily="18" charset="2"/>
-              <a:buChar char=""/>
-              <a:tabLst>
-                <a:tab pos="456565" algn="l"/>
-                <a:tab pos="457200" algn="l"/>
-              </a:tabLst>
-            </a:pPr>
-            <a:r>
-              <a:rPr lang="en-US" sz="2000" dirty="0">
-                <a:solidFill>
-                  <a:schemeClr val="tx1"/>
-                </a:solidFill>
-                <a:effectLst/>
-                <a:latin typeface="Times New Roman" panose="02020603050405020304" pitchFamily="18" charset="0"/>
-                <a:ea typeface="Symbol" panose="05050102010706020507" pitchFamily="18" charset="2"/>
-                <a:cs typeface="Symbol" panose="05050102010706020507" pitchFamily="18" charset="2"/>
-              </a:rPr>
-              <a:t>Edit profile:-</a:t>
-            </a:r>
-            <a:r>
-              <a:rPr lang="en-US" sz="2000" spc="-10" dirty="0">
-                <a:solidFill>
-                  <a:schemeClr val="tx1"/>
-                </a:solidFill>
-                <a:effectLst/>
-                <a:latin typeface="Times New Roman" panose="02020603050405020304" pitchFamily="18" charset="0"/>
-                <a:ea typeface="Symbol" panose="05050102010706020507" pitchFamily="18" charset="2"/>
-                <a:cs typeface="Symbol" panose="05050102010706020507" pitchFamily="18" charset="2"/>
-              </a:rPr>
-              <a:t> User can edit their profile details</a:t>
-            </a:r>
-            <a:endParaRPr lang="en-IN" sz="2000" dirty="0">
-              <a:solidFill>
-                <a:schemeClr val="tx1"/>
-              </a:solidFill>
-              <a:effectLst/>
-              <a:latin typeface="Times New Roman" panose="02020603050405020304" pitchFamily="18" charset="0"/>
-              <a:ea typeface="Symbol" panose="05050102010706020507" pitchFamily="18" charset="2"/>
-              <a:cs typeface="Symbol" panose="05050102010706020507" pitchFamily="18" charset="2"/>
-            </a:endParaRPr>
-          </a:p>
           <a:p>
             <a:pPr marL="342900" lvl="0" indent="-342900" algn="just">
               <a:spcBef>
@@ -15651,7 +16376,7 @@
               </a:tabLst>
             </a:pPr>
             <a:r>
-              <a:rPr lang="en-US" sz="2000" spc="-5" dirty="0">
+              <a:rPr lang="en-US" sz="1800" spc="-5" dirty="0">
                 <a:solidFill>
                   <a:schemeClr val="tx1"/>
                 </a:solidFill>
@@ -15663,7 +16388,7 @@
               <a:t>Add to favorites:-User</a:t>
             </a:r>
             <a:r>
-              <a:rPr lang="en-US" sz="2000" spc="10" dirty="0">
+              <a:rPr lang="en-US" sz="1800" spc="10" dirty="0">
                 <a:solidFill>
                   <a:schemeClr val="tx1"/>
                 </a:solidFill>
@@ -15675,7 +16400,7 @@
               <a:t> </a:t>
             </a:r>
             <a:r>
-              <a:rPr lang="en-US" sz="2000" spc="-5" dirty="0">
+              <a:rPr lang="en-US" sz="1800" spc="-5" dirty="0">
                 <a:solidFill>
                   <a:schemeClr val="tx1"/>
                 </a:solidFill>
@@ -15687,7 +16412,7 @@
               <a:t>can</a:t>
             </a:r>
             <a:r>
-              <a:rPr lang="en-US" sz="2000" spc="35" dirty="0">
+              <a:rPr lang="en-US" sz="1800" spc="35" dirty="0">
                 <a:solidFill>
                   <a:schemeClr val="tx1"/>
                 </a:solidFill>
@@ -15699,7 +16424,7 @@
               <a:t> </a:t>
             </a:r>
             <a:r>
-              <a:rPr lang="en-US" sz="2000" spc="-5" dirty="0">
+              <a:rPr lang="en-US" sz="1800" spc="-5" dirty="0">
                 <a:solidFill>
                   <a:schemeClr val="tx1"/>
                 </a:solidFill>
@@ -15711,7 +16436,7 @@
               <a:t>add</a:t>
             </a:r>
             <a:r>
-              <a:rPr lang="en-US" sz="2000" spc="-85" dirty="0">
+              <a:rPr lang="en-US" sz="1800" spc="-85" dirty="0">
                 <a:solidFill>
                   <a:schemeClr val="tx1"/>
                 </a:solidFill>
@@ -15723,7 +16448,7 @@
               <a:t> </a:t>
             </a:r>
             <a:r>
-              <a:rPr lang="en-US" sz="2000" spc="55" dirty="0">
+              <a:rPr lang="en-US" sz="1800" spc="55" dirty="0">
                 <a:solidFill>
                   <a:schemeClr val="tx1"/>
                 </a:solidFill>
@@ -15735,7 +16460,7 @@
               <a:t> </a:t>
             </a:r>
             <a:r>
-              <a:rPr lang="en-US" sz="2000" spc="-5" dirty="0">
+              <a:rPr lang="en-US" sz="1800" spc="-5" dirty="0">
                 <a:solidFill>
                   <a:schemeClr val="tx1"/>
                 </a:solidFill>
@@ -15747,7 +16472,7 @@
               <a:t>searched  files to their </a:t>
             </a:r>
             <a:r>
-              <a:rPr lang="en-US" sz="2000" dirty="0">
+              <a:rPr lang="en-US" sz="1800" dirty="0">
                 <a:solidFill>
                   <a:schemeClr val="tx1"/>
                 </a:solidFill>
@@ -15759,7 +16484,7 @@
               <a:t> </a:t>
             </a:r>
             <a:r>
-              <a:rPr lang="en-US" sz="2000" spc="-5" dirty="0">
+              <a:rPr lang="en-US" sz="1800" spc="-5" dirty="0">
                 <a:solidFill>
                   <a:schemeClr val="tx1"/>
                 </a:solidFill>
@@ -15770,7 +16495,7 @@
               </a:rPr>
               <a:t>favorite list</a:t>
             </a:r>
-            <a:endParaRPr lang="en-IN" sz="2000" dirty="0">
+            <a:endParaRPr lang="en-IN" sz="1800" dirty="0">
               <a:solidFill>
                 <a:schemeClr val="tx1"/>
               </a:solidFill>
@@ -15794,7 +16519,7 @@
               </a:tabLst>
             </a:pPr>
             <a:r>
-              <a:rPr lang="en-US" sz="2000" spc="-5" dirty="0">
+              <a:rPr lang="en-US" sz="1800" spc="-5" dirty="0">
                 <a:solidFill>
                   <a:schemeClr val="tx1"/>
                 </a:solidFill>
@@ -15806,7 +16531,7 @@
               <a:t>Search</a:t>
             </a:r>
             <a:r>
-              <a:rPr lang="en-US" sz="2000" spc="-75" dirty="0">
+              <a:rPr lang="en-US" sz="1800" spc="-75" dirty="0">
                 <a:solidFill>
                   <a:schemeClr val="tx1"/>
                 </a:solidFill>
@@ -15818,7 +16543,7 @@
               <a:t> </a:t>
             </a:r>
             <a:r>
-              <a:rPr lang="en-US" sz="2000" spc="-5" dirty="0">
+              <a:rPr lang="en-US" sz="1800" spc="-5" dirty="0">
                 <a:solidFill>
                   <a:schemeClr val="tx1"/>
                 </a:solidFill>
@@ -15830,7 +16555,7 @@
               <a:t>:-User</a:t>
             </a:r>
             <a:r>
-              <a:rPr lang="en-US" sz="2000" spc="5" dirty="0">
+              <a:rPr lang="en-US" sz="1800" spc="5" dirty="0">
                 <a:solidFill>
                   <a:schemeClr val="tx1"/>
                 </a:solidFill>
@@ -15842,7 +16567,7 @@
               <a:t> </a:t>
             </a:r>
             <a:r>
-              <a:rPr lang="en-US" sz="2000" dirty="0">
+              <a:rPr lang="en-US" sz="1800" dirty="0">
                 <a:solidFill>
                   <a:schemeClr val="tx1"/>
                 </a:solidFill>
@@ -15854,7 +16579,7 @@
               <a:t>can</a:t>
             </a:r>
             <a:r>
-              <a:rPr lang="en-US" sz="2000" spc="-65" dirty="0">
+              <a:rPr lang="en-US" sz="1800" spc="-65" dirty="0">
                 <a:solidFill>
                   <a:schemeClr val="tx1"/>
                 </a:solidFill>
@@ -15866,7 +16591,7 @@
               <a:t> </a:t>
             </a:r>
             <a:r>
-              <a:rPr lang="en-US" sz="2000" dirty="0">
+              <a:rPr lang="en-US" sz="1800" dirty="0">
                 <a:solidFill>
                   <a:schemeClr val="tx1"/>
                 </a:solidFill>
@@ -15878,7 +16603,7 @@
               <a:t>search</a:t>
             </a:r>
             <a:r>
-              <a:rPr lang="en-US" sz="2000" spc="5" dirty="0">
+              <a:rPr lang="en-US" sz="1800" spc="5" dirty="0">
                 <a:solidFill>
                   <a:schemeClr val="tx1"/>
                 </a:solidFill>
@@ -15890,7 +16615,7 @@
               <a:t> </a:t>
             </a:r>
             <a:r>
-              <a:rPr lang="en-US" sz="2000" dirty="0">
+              <a:rPr lang="en-US" sz="1800" dirty="0">
                 <a:solidFill>
                   <a:schemeClr val="tx1"/>
                 </a:solidFill>
@@ -15901,7 +16626,7 @@
               </a:rPr>
               <a:t>files which are required for them</a:t>
             </a:r>
-            <a:endParaRPr lang="en-IN" sz="2000" dirty="0">
+            <a:endParaRPr lang="en-IN" sz="1800" dirty="0">
               <a:solidFill>
                 <a:schemeClr val="tx1"/>
               </a:solidFill>
@@ -15928,7 +16653,7 @@
               </a:tabLst>
             </a:pPr>
             <a:r>
-              <a:rPr lang="en-US" sz="2000" spc="-5" dirty="0">
+              <a:rPr lang="en-US" sz="1800" spc="-5" dirty="0">
                 <a:solidFill>
                   <a:schemeClr val="tx1"/>
                 </a:solidFill>
@@ -15937,9 +16662,20 @@
                 <a:ea typeface="Symbol" panose="05050102010706020507" pitchFamily="18" charset="2"/>
                 <a:cs typeface="Symbol" panose="05050102010706020507" pitchFamily="18" charset="2"/>
               </a:rPr>
-              <a:t>Notifications:-Notifications for user login , crud operations,</a:t>
-            </a:r>
-            <a:endParaRPr lang="en-IN" sz="2000" dirty="0">
+              <a:t>Notifications:-Notifications </a:t>
+            </a:r>
+            <a:r>
+              <a:rPr lang="en-US" sz="1800" spc="-5" dirty="0">
+                <a:solidFill>
+                  <a:schemeClr val="tx1"/>
+                </a:solidFill>
+                <a:latin typeface="Times New Roman" panose="02020603050405020304" pitchFamily="18" charset="0"/>
+                <a:ea typeface="Symbol" panose="05050102010706020507" pitchFamily="18" charset="2"/>
+                <a:cs typeface="Symbol" panose="05050102010706020507" pitchFamily="18" charset="2"/>
+              </a:rPr>
+              <a:t>of other users posting documents</a:t>
+            </a:r>
+            <a:endParaRPr lang="en-IN" sz="1800" dirty="0">
               <a:solidFill>
                 <a:schemeClr val="tx1"/>
               </a:solidFill>
@@ -15969,7 +16705,7 @@
               </a:tabLst>
             </a:pPr>
             <a:r>
-              <a:rPr lang="en-US" sz="2000" dirty="0">
+              <a:rPr lang="en-US" sz="1800" dirty="0">
                 <a:solidFill>
                   <a:schemeClr val="tx1"/>
                 </a:solidFill>
@@ -15978,9 +16714,9 @@
                 <a:ea typeface="Symbol" panose="05050102010706020507" pitchFamily="18" charset="2"/>
                 <a:cs typeface="Symbol" panose="05050102010706020507" pitchFamily="18" charset="2"/>
               </a:rPr>
-              <a:t>Rating:-user can rate the courses  </a:t>
-            </a:r>
-            <a:endParaRPr lang="en-IN" sz="2000" dirty="0">
+              <a:t>Rating:-user can rate the courses after they have completed the course based on its proficiency </a:t>
+            </a:r>
+            <a:endParaRPr lang="en-IN" sz="1800" dirty="0">
               <a:solidFill>
                 <a:schemeClr val="tx1"/>
               </a:solidFill>
@@ -16010,7 +16746,7 @@
               </a:tabLst>
             </a:pPr>
             <a:r>
-              <a:rPr lang="en-US" sz="2000" dirty="0">
+              <a:rPr lang="en-US" sz="1800" dirty="0">
                 <a:solidFill>
                   <a:schemeClr val="tx1"/>
                 </a:solidFill>
@@ -16021,15 +16757,6 @@
               </a:rPr>
               <a:t>Payment:-user can enroll for paid courses  by doing online payment</a:t>
             </a:r>
-            <a:endParaRPr lang="en-IN" sz="2000" dirty="0">
-              <a:solidFill>
-                <a:schemeClr val="tx1"/>
-              </a:solidFill>
-              <a:effectLst/>
-              <a:latin typeface="Times New Roman" panose="02020603050405020304" pitchFamily="18" charset="0"/>
-              <a:ea typeface="Symbol" panose="05050102010706020507" pitchFamily="18" charset="2"/>
-              <a:cs typeface="Symbol" panose="05050102010706020507" pitchFamily="18" charset="2"/>
-            </a:endParaRPr>
           </a:p>
           <a:p>
             <a:pPr marL="342900" marR="167005" lvl="0" indent="-342900" algn="just">
@@ -16051,7 +16778,7 @@
               </a:tabLst>
             </a:pPr>
             <a:r>
-              <a:rPr lang="en-US" sz="2000" dirty="0">
+              <a:rPr lang="en-US" sz="1800" dirty="0">
                 <a:solidFill>
                   <a:schemeClr val="tx1"/>
                 </a:solidFill>
@@ -16062,7 +16789,7 @@
               </a:rPr>
               <a:t>Certificate generator:-After course completion user can  get the certificate </a:t>
             </a:r>
-            <a:endParaRPr lang="en-IN" sz="2000" dirty="0">
+            <a:endParaRPr lang="en-IN" sz="1800" dirty="0">
               <a:solidFill>
                 <a:schemeClr val="tx1"/>
               </a:solidFill>
@@ -16072,362 +16799,12 @@
               <a:cs typeface="Symbol" panose="05050102010706020507" pitchFamily="18" charset="2"/>
             </a:endParaRPr>
           </a:p>
-          <a:p>
-            <a:pPr marL="342900" marR="167005" lvl="0" indent="-342900" algn="just">
-              <a:lnSpc>
-                <a:spcPct val="98000"/>
-              </a:lnSpc>
-              <a:spcBef>
-                <a:spcPts val="680"/>
-              </a:spcBef>
-              <a:spcAft>
-                <a:spcPts val="0"/>
-              </a:spcAft>
-              <a:buSzPts val="1200"/>
-              <a:buFont typeface="Symbol" panose="05050102010706020507" pitchFamily="18" charset="2"/>
-              <a:buChar char=""/>
-              <a:tabLst>
-                <a:tab pos="456565" algn="l"/>
-                <a:tab pos="457200" algn="l"/>
-              </a:tabLst>
-            </a:pPr>
-            <a:r>
-              <a:rPr lang="en-US" sz="2000" dirty="0">
-                <a:solidFill>
-                  <a:schemeClr val="tx1"/>
-                </a:solidFill>
-                <a:effectLst/>
-                <a:latin typeface="Times New Roman" panose="02020603050405020304" pitchFamily="18" charset="0"/>
-                <a:ea typeface="Symbol" panose="05050102010706020507" pitchFamily="18" charset="2"/>
-                <a:cs typeface="Symbol" panose="05050102010706020507" pitchFamily="18" charset="2"/>
-              </a:rPr>
-              <a:t>Ai question:-user can  ask questions to the ai chatbot</a:t>
-            </a:r>
-            <a:endParaRPr lang="en-IN" sz="2000" dirty="0">
-              <a:solidFill>
-                <a:schemeClr val="tx1"/>
-              </a:solidFill>
-              <a:effectLst/>
-              <a:latin typeface="Times New Roman" panose="02020603050405020304" pitchFamily="18" charset="0"/>
-              <a:ea typeface="Symbol" panose="05050102010706020507" pitchFamily="18" charset="2"/>
-              <a:cs typeface="Symbol" panose="05050102010706020507" pitchFamily="18" charset="2"/>
-            </a:endParaRPr>
-          </a:p>
-          <a:p>
-            <a:pPr marL="342900" marR="299085" lvl="0" indent="-342900" algn="just">
-              <a:lnSpc>
-                <a:spcPct val="95000"/>
-              </a:lnSpc>
-              <a:spcBef>
-                <a:spcPts val="750"/>
-              </a:spcBef>
-              <a:spcAft>
-                <a:spcPts val="0"/>
-              </a:spcAft>
-              <a:buSzPts val="1200"/>
-              <a:buFont typeface="Symbol" panose="05050102010706020507" pitchFamily="18" charset="2"/>
-              <a:buChar char=""/>
-              <a:tabLst>
-                <a:tab pos="456565" algn="l"/>
-                <a:tab pos="457200" algn="l"/>
-              </a:tabLst>
-            </a:pPr>
-            <a:r>
-              <a:rPr lang="en-US" sz="2000" spc="-5" dirty="0">
-                <a:solidFill>
-                  <a:schemeClr val="tx1"/>
-                </a:solidFill>
-                <a:effectLst/>
-                <a:latin typeface="Times New Roman" panose="02020603050405020304" pitchFamily="18" charset="0"/>
-                <a:ea typeface="Symbol" panose="05050102010706020507" pitchFamily="18" charset="2"/>
-                <a:cs typeface="Symbol" panose="05050102010706020507" pitchFamily="18" charset="2"/>
-              </a:rPr>
-              <a:t>Add/Edit</a:t>
-            </a:r>
-            <a:r>
-              <a:rPr lang="en-US" sz="2000" dirty="0">
-                <a:solidFill>
-                  <a:schemeClr val="tx1"/>
-                </a:solidFill>
-                <a:effectLst/>
-                <a:latin typeface="Times New Roman" panose="02020603050405020304" pitchFamily="18" charset="0"/>
-                <a:ea typeface="Symbol" panose="05050102010706020507" pitchFamily="18" charset="2"/>
-                <a:cs typeface="Symbol" panose="05050102010706020507" pitchFamily="18" charset="2"/>
-              </a:rPr>
-              <a:t> </a:t>
-            </a:r>
-            <a:r>
-              <a:rPr lang="en-US" sz="2000" dirty="0">
-                <a:solidFill>
-                  <a:schemeClr val="tx1"/>
-                </a:solidFill>
-                <a:latin typeface="Times New Roman" panose="02020603050405020304" pitchFamily="18" charset="0"/>
-                <a:ea typeface="Symbol" panose="05050102010706020507" pitchFamily="18" charset="2"/>
-                <a:cs typeface="Symbol" panose="05050102010706020507" pitchFamily="18" charset="2"/>
-              </a:rPr>
-              <a:t>course</a:t>
-            </a:r>
-            <a:r>
-              <a:rPr lang="en-US" sz="2000" dirty="0">
-                <a:solidFill>
-                  <a:schemeClr val="tx1"/>
-                </a:solidFill>
-                <a:effectLst/>
-                <a:latin typeface="Times New Roman" panose="02020603050405020304" pitchFamily="18" charset="0"/>
-                <a:ea typeface="Symbol" panose="05050102010706020507" pitchFamily="18" charset="2"/>
-                <a:cs typeface="Symbol" panose="05050102010706020507" pitchFamily="18" charset="2"/>
-              </a:rPr>
-              <a:t>:-</a:t>
-            </a:r>
-            <a:r>
-              <a:rPr lang="en-US" sz="2000" dirty="0">
-                <a:solidFill>
-                  <a:schemeClr val="tx1"/>
-                </a:solidFill>
-                <a:latin typeface="Times New Roman" panose="02020603050405020304" pitchFamily="18" charset="0"/>
-                <a:ea typeface="Symbol" panose="05050102010706020507" pitchFamily="18" charset="2"/>
-                <a:cs typeface="Symbol" panose="05050102010706020507" pitchFamily="18" charset="2"/>
-              </a:rPr>
-              <a:t>Admin </a:t>
-            </a:r>
-            <a:r>
-              <a:rPr lang="en-US" sz="2000" dirty="0">
-                <a:solidFill>
-                  <a:schemeClr val="tx1"/>
-                </a:solidFill>
-                <a:effectLst/>
-                <a:latin typeface="Times New Roman" panose="02020603050405020304" pitchFamily="18" charset="0"/>
-                <a:ea typeface="Symbol" panose="05050102010706020507" pitchFamily="18" charset="2"/>
-                <a:cs typeface="Symbol" panose="05050102010706020507" pitchFamily="18" charset="2"/>
-              </a:rPr>
-              <a:t>can add, edit, upload and delete </a:t>
-            </a:r>
-            <a:r>
-              <a:rPr lang="en-US" sz="2000" dirty="0">
-                <a:solidFill>
-                  <a:schemeClr val="tx1"/>
-                </a:solidFill>
-                <a:latin typeface="Times New Roman" panose="02020603050405020304" pitchFamily="18" charset="0"/>
-                <a:ea typeface="Symbol" panose="05050102010706020507" pitchFamily="18" charset="2"/>
-                <a:cs typeface="Symbol" panose="05050102010706020507" pitchFamily="18" charset="2"/>
-              </a:rPr>
-              <a:t>courses</a:t>
-            </a:r>
-            <a:endParaRPr lang="en-IN" sz="2000" dirty="0">
-              <a:solidFill>
-                <a:schemeClr val="tx1"/>
-              </a:solidFill>
-              <a:effectLst/>
-              <a:latin typeface="Times New Roman" panose="02020603050405020304" pitchFamily="18" charset="0"/>
-              <a:ea typeface="Symbol" panose="05050102010706020507" pitchFamily="18" charset="2"/>
-              <a:cs typeface="Symbol" panose="05050102010706020507" pitchFamily="18" charset="2"/>
-            </a:endParaRPr>
-          </a:p>
-          <a:p>
-            <a:pPr marL="342900" lvl="0" indent="-342900" algn="just">
-              <a:spcBef>
-                <a:spcPts val="665"/>
-              </a:spcBef>
-              <a:buSzPts val="1200"/>
-              <a:buFont typeface="Symbol" panose="05050102010706020507" pitchFamily="18" charset="2"/>
-              <a:buChar char=""/>
-              <a:tabLst>
-                <a:tab pos="456565" algn="l"/>
-                <a:tab pos="457200" algn="l"/>
-              </a:tabLst>
-            </a:pPr>
-            <a:r>
-              <a:rPr lang="en-US" sz="2000" dirty="0">
-                <a:solidFill>
-                  <a:schemeClr val="tx1"/>
-                </a:solidFill>
-                <a:latin typeface="Times New Roman" panose="02020603050405020304" pitchFamily="18" charset="0"/>
-                <a:ea typeface="Symbol" panose="05050102010706020507" pitchFamily="18" charset="2"/>
-                <a:cs typeface="Symbol" panose="05050102010706020507" pitchFamily="18" charset="2"/>
-              </a:rPr>
-              <a:t>Add/edit tags</a:t>
-            </a:r>
-            <a:r>
-              <a:rPr lang="en-US" sz="2000" dirty="0">
-                <a:solidFill>
-                  <a:schemeClr val="tx1"/>
-                </a:solidFill>
-                <a:effectLst/>
-                <a:latin typeface="Times New Roman" panose="02020603050405020304" pitchFamily="18" charset="0"/>
-                <a:ea typeface="Symbol" panose="05050102010706020507" pitchFamily="18" charset="2"/>
-                <a:cs typeface="Symbol" panose="05050102010706020507" pitchFamily="18" charset="2"/>
-              </a:rPr>
-              <a:t>:-</a:t>
-            </a:r>
-            <a:r>
-              <a:rPr lang="en-US" sz="2000" spc="-10" dirty="0">
-                <a:solidFill>
-                  <a:schemeClr val="tx1"/>
-                </a:solidFill>
-                <a:effectLst/>
-                <a:latin typeface="Times New Roman" panose="02020603050405020304" pitchFamily="18" charset="0"/>
-                <a:ea typeface="Symbol" panose="05050102010706020507" pitchFamily="18" charset="2"/>
-                <a:cs typeface="Symbol" panose="05050102010706020507" pitchFamily="18" charset="2"/>
-              </a:rPr>
-              <a:t> Admin can add, edit their </a:t>
-            </a:r>
-            <a:r>
-              <a:rPr lang="en-US" sz="2000" spc="-10" dirty="0">
-                <a:solidFill>
-                  <a:schemeClr val="tx1"/>
-                </a:solidFill>
-                <a:latin typeface="Times New Roman" panose="02020603050405020304" pitchFamily="18" charset="0"/>
-                <a:ea typeface="Symbol" panose="05050102010706020507" pitchFamily="18" charset="2"/>
-                <a:cs typeface="Symbol" panose="05050102010706020507" pitchFamily="18" charset="2"/>
-              </a:rPr>
-              <a:t>tags for courses</a:t>
-            </a:r>
-            <a:endParaRPr lang="en-IN" sz="2000" dirty="0">
-              <a:solidFill>
-                <a:schemeClr val="tx1"/>
-              </a:solidFill>
-              <a:effectLst/>
-              <a:latin typeface="Times New Roman" panose="02020603050405020304" pitchFamily="18" charset="0"/>
-              <a:ea typeface="Symbol" panose="05050102010706020507" pitchFamily="18" charset="2"/>
-              <a:cs typeface="Symbol" panose="05050102010706020507" pitchFamily="18" charset="2"/>
-            </a:endParaRPr>
-          </a:p>
-          <a:p>
-            <a:pPr marL="342900" lvl="0" indent="-342900" algn="just">
-              <a:spcBef>
-                <a:spcPts val="670"/>
-              </a:spcBef>
-              <a:spcAft>
-                <a:spcPts val="0"/>
-              </a:spcAft>
-              <a:buSzPts val="1200"/>
-              <a:buFont typeface="Symbol" panose="05050102010706020507" pitchFamily="18" charset="2"/>
-              <a:buChar char=""/>
-              <a:tabLst>
-                <a:tab pos="456565" algn="l"/>
-                <a:tab pos="457200" algn="l"/>
-              </a:tabLst>
-            </a:pPr>
-            <a:r>
-              <a:rPr lang="en-US" sz="2000" spc="-5" dirty="0">
-                <a:solidFill>
-                  <a:schemeClr val="tx1"/>
-                </a:solidFill>
-                <a:effectLst/>
-                <a:latin typeface="Times New Roman" panose="02020603050405020304" pitchFamily="18" charset="0"/>
-                <a:ea typeface="Symbol" panose="05050102010706020507" pitchFamily="18" charset="2"/>
-                <a:cs typeface="Symbol" panose="05050102010706020507" pitchFamily="18" charset="2"/>
-              </a:rPr>
-              <a:t>Add/edit prerequisites:-</a:t>
-            </a:r>
-            <a:r>
-              <a:rPr lang="en-US" sz="2000" spc="-10" dirty="0">
-                <a:solidFill>
-                  <a:schemeClr val="tx1"/>
-                </a:solidFill>
-                <a:effectLst/>
-                <a:latin typeface="Times New Roman" panose="02020603050405020304" pitchFamily="18" charset="0"/>
-                <a:ea typeface="Symbol" panose="05050102010706020507" pitchFamily="18" charset="2"/>
-                <a:cs typeface="Symbol" panose="05050102010706020507" pitchFamily="18" charset="2"/>
-              </a:rPr>
-              <a:t> Admin can add, edit their </a:t>
-            </a:r>
-            <a:r>
-              <a:rPr lang="en-US" sz="2000" spc="-10" dirty="0">
-                <a:solidFill>
-                  <a:schemeClr val="tx1"/>
-                </a:solidFill>
-                <a:latin typeface="Times New Roman" panose="02020603050405020304" pitchFamily="18" charset="0"/>
-                <a:ea typeface="Symbol" panose="05050102010706020507" pitchFamily="18" charset="2"/>
-                <a:cs typeface="Symbol" panose="05050102010706020507" pitchFamily="18" charset="2"/>
-              </a:rPr>
-              <a:t>tags for courses</a:t>
-            </a:r>
-            <a:endParaRPr lang="en-IN" sz="2000" dirty="0">
-              <a:solidFill>
-                <a:schemeClr val="tx1"/>
-              </a:solidFill>
-              <a:effectLst/>
-              <a:latin typeface="Times New Roman" panose="02020603050405020304" pitchFamily="18" charset="0"/>
-              <a:ea typeface="Symbol" panose="05050102010706020507" pitchFamily="18" charset="2"/>
-              <a:cs typeface="Symbol" panose="05050102010706020507" pitchFamily="18" charset="2"/>
-            </a:endParaRPr>
-          </a:p>
-          <a:p>
-            <a:pPr marL="0" indent="0" algn="just">
-              <a:buNone/>
-            </a:pPr>
-            <a:endParaRPr lang="en-IN" sz="2000" dirty="0"/>
-          </a:p>
-          <a:p>
-            <a:pPr algn="just"/>
-            <a:endParaRPr lang="en-IN" sz="2000" dirty="0"/>
-          </a:p>
-        </p:txBody>
-      </p:sp>
-      <p:sp>
-        <p:nvSpPr>
-          <p:cNvPr id="4" name="Footer Placeholder 3">
-            <a:extLst>
-              <a:ext uri="{FF2B5EF4-FFF2-40B4-BE49-F238E27FC236}">
-                <a16:creationId xmlns:a16="http://schemas.microsoft.com/office/drawing/2014/main" id="{21D9DF05-D04B-F9CE-FC13-DEDFBD7A9507}"/>
-              </a:ext>
-            </a:extLst>
-          </p:cNvPr>
-          <p:cNvSpPr>
-            <a:spLocks noGrp="1"/>
-          </p:cNvSpPr>
-          <p:nvPr>
-            <p:ph type="ftr" sz="quarter" idx="10"/>
-          </p:nvPr>
-        </p:nvSpPr>
-        <p:spPr/>
-        <p:txBody>
-          <a:bodyPr/>
-          <a:lstStyle/>
-          <a:p>
-            <a:r>
-              <a:rPr lang="en-US"/>
-              <a:t>Presentation title</a:t>
-            </a:r>
-            <a:endParaRPr lang="en-US" dirty="0"/>
-          </a:p>
-        </p:txBody>
-      </p:sp>
-      <p:sp>
-        <p:nvSpPr>
-          <p:cNvPr id="5" name="Slide Number Placeholder 4">
-            <a:extLst>
-              <a:ext uri="{FF2B5EF4-FFF2-40B4-BE49-F238E27FC236}">
-                <a16:creationId xmlns:a16="http://schemas.microsoft.com/office/drawing/2014/main" id="{7D56BD15-0727-BBF1-FBD8-0228EA23C767}"/>
-              </a:ext>
-            </a:extLst>
-          </p:cNvPr>
-          <p:cNvSpPr>
-            <a:spLocks noGrp="1"/>
-          </p:cNvSpPr>
-          <p:nvPr>
-            <p:ph type="sldNum" sz="quarter" idx="11"/>
-          </p:nvPr>
-        </p:nvSpPr>
-        <p:spPr/>
-        <p:txBody>
-          <a:bodyPr/>
-          <a:lstStyle/>
-          <a:p>
-            <a:fld id="{294A09A9-5501-47C1-A89A-A340965A2BE2}" type="slidenum">
-              <a:rPr lang="en-US" smtClean="0"/>
-              <a:pPr/>
-              <a:t>5</a:t>
-            </a:fld>
-            <a:endParaRPr lang="en-US" dirty="0"/>
-          </a:p>
         </p:txBody>
       </p:sp>
     </p:spTree>
     <p:extLst>
       <p:ext uri="{BB962C8B-B14F-4D97-AF65-F5344CB8AC3E}">
-        <p14:creationId xmlns:p14="http://schemas.microsoft.com/office/powerpoint/2010/main" val="941015171"/>
+        <p14:creationId xmlns:p14="http://schemas.microsoft.com/office/powerpoint/2010/main" val="871201397"/>
       </p:ext>
     </p:extLst>
   </p:cSld>
@@ -16459,7 +16836,7 @@
           <p:cNvPr id="2" name="Title 1">
             <a:extLst>
               <a:ext uri="{FF2B5EF4-FFF2-40B4-BE49-F238E27FC236}">
-                <a16:creationId xmlns:a16="http://schemas.microsoft.com/office/drawing/2014/main" id="{1450712D-83C9-7B91-F708-5D07E4C2815D}"/>
+                <a16:creationId xmlns:a16="http://schemas.microsoft.com/office/drawing/2014/main" id="{82C7E564-4283-8AE2-ADD2-7B3FFCFA26C7}"/>
               </a:ext>
             </a:extLst>
           </p:cNvPr>
@@ -16472,56 +16849,22 @@
         </p:nvSpPr>
         <p:spPr/>
         <p:txBody>
-          <a:bodyPr>
-            <a:normAutofit/>
-          </a:bodyPr>
-          <a:lstStyle/>
-          <a:p>
-            <a:r>
-              <a:rPr lang="en-US" sz="4000" dirty="0">
-                <a:latin typeface="Times New Roman" panose="02020603050405020304" pitchFamily="18" charset="0"/>
-                <a:cs typeface="Times New Roman" panose="02020603050405020304" pitchFamily="18" charset="0"/>
-              </a:rPr>
-              <a:t>Features and Highlights</a:t>
-            </a:r>
-          </a:p>
-        </p:txBody>
-      </p:sp>
-      <p:sp>
-        <p:nvSpPr>
-          <p:cNvPr id="4" name="Footer Placeholder 3">
-            <a:extLst>
-              <a:ext uri="{FF2B5EF4-FFF2-40B4-BE49-F238E27FC236}">
-                <a16:creationId xmlns:a16="http://schemas.microsoft.com/office/drawing/2014/main" id="{00F8B86A-A576-98F0-BAD4-3F0C0919C5C7}"/>
-              </a:ext>
-            </a:extLst>
-          </p:cNvPr>
-          <p:cNvSpPr>
-            <a:spLocks noGrp="1"/>
-          </p:cNvSpPr>
-          <p:nvPr>
-            <p:ph type="ftr" sz="quarter" idx="10"/>
-          </p:nvPr>
-        </p:nvSpPr>
-        <p:spPr/>
-        <p:txBody>
           <a:bodyPr/>
           <a:lstStyle/>
           <a:p>
             <a:r>
-              <a:rPr lang="en-US"/>
-              <a:t>Presentation title</a:t>
-            </a:r>
-            <a:endParaRPr lang="en-US" dirty="0"/>
-          </a:p>
-        </p:txBody>
-      </p:sp>
-      <p:sp>
-        <p:nvSpPr>
-          <p:cNvPr id="5" name="Slide Number Placeholder 4">
-            <a:extLst>
-              <a:ext uri="{FF2B5EF4-FFF2-40B4-BE49-F238E27FC236}">
-                <a16:creationId xmlns:a16="http://schemas.microsoft.com/office/drawing/2014/main" id="{19143C50-6937-DD3E-B402-4ABB2469E63E}"/>
+              <a:rPr lang="en-US" dirty="0"/>
+              <a:t>TECHNICAL ASPECTS</a:t>
+            </a:r>
+          </a:p>
+        </p:txBody>
+      </p:sp>
+      <p:sp>
+        <p:nvSpPr>
+          <p:cNvPr id="10" name="Text Placeholder 9">
+            <a:extLst>
+              <a:ext uri="{FF2B5EF4-FFF2-40B4-BE49-F238E27FC236}">
+                <a16:creationId xmlns:a16="http://schemas.microsoft.com/office/drawing/2014/main" id="{FA47ED29-D9DA-9DC6-8B43-80EC2A2E5B50}"/>
               </a:ext>
             </a:extLst>
           </p:cNvPr>
@@ -16529,7 +16872,7 @@
             <a:spLocks noGrp="1"/>
           </p:cNvSpPr>
           <p:nvPr>
-            <p:ph type="sldNum" sz="quarter" idx="11"/>
+            <p:ph type="body" sz="quarter" idx="10"/>
           </p:nvPr>
         </p:nvSpPr>
         <p:spPr/>
@@ -16537,21 +16880,19 @@
           <a:bodyPr/>
           <a:lstStyle/>
           <a:p>
-            <a:fld id="{294A09A9-5501-47C1-A89A-A340965A2BE2}" type="slidenum">
-              <a:rPr lang="en-US" smtClean="0"/>
-              <a:pPr/>
-              <a:t>6</a:t>
-            </a:fld>
-            <a:endParaRPr lang="en-US" dirty="0"/>
-          </a:p>
-        </p:txBody>
-      </p:sp>
-      <p:sp>
-        <p:nvSpPr>
-          <p:cNvPr id="7" name="Content Placeholder 6">
-            <a:extLst>
-              <a:ext uri="{FF2B5EF4-FFF2-40B4-BE49-F238E27FC236}">
-                <a16:creationId xmlns:a16="http://schemas.microsoft.com/office/drawing/2014/main" id="{78438EBB-0907-62C1-C0D5-3CFCB63B2F12}"/>
+            <a:r>
+              <a:rPr lang="en-US" dirty="0"/>
+              <a:t>“</a:t>
+            </a:r>
+          </a:p>
+        </p:txBody>
+      </p:sp>
+      <p:sp>
+        <p:nvSpPr>
+          <p:cNvPr id="11" name="Text Placeholder 10">
+            <a:extLst>
+              <a:ext uri="{FF2B5EF4-FFF2-40B4-BE49-F238E27FC236}">
+                <a16:creationId xmlns:a16="http://schemas.microsoft.com/office/drawing/2014/main" id="{CB634FAD-36DD-9FB0-7030-266A29178C42}"/>
               </a:ext>
             </a:extLst>
           </p:cNvPr>
@@ -16559,7 +16900,7 @@
             <a:spLocks noGrp="1"/>
           </p:cNvSpPr>
           <p:nvPr>
-            <p:ph idx="1"/>
+            <p:ph type="body" sz="quarter" idx="11"/>
           </p:nvPr>
         </p:nvSpPr>
         <p:spPr/>
@@ -16567,472 +16908,17 @@
           <a:bodyPr/>
           <a:lstStyle/>
           <a:p>
-            <a:pPr marL="342900" lvl="0" indent="-342900" algn="just">
-              <a:spcBef>
-                <a:spcPts val="670"/>
-              </a:spcBef>
-              <a:spcAft>
-                <a:spcPts val="0"/>
-              </a:spcAft>
-              <a:buSzPts val="1200"/>
-              <a:buFont typeface="Symbol" panose="05050102010706020507" pitchFamily="18" charset="2"/>
-              <a:buChar char=""/>
-              <a:tabLst>
-                <a:tab pos="456565" algn="l"/>
-                <a:tab pos="457200" algn="l"/>
-              </a:tabLst>
-            </a:pPr>
-            <a:r>
-              <a:rPr lang="en-US" sz="1800" spc="-5" dirty="0">
-                <a:solidFill>
-                  <a:schemeClr val="tx1"/>
-                </a:solidFill>
-                <a:effectLst/>
-                <a:latin typeface="Times New Roman" panose="02020603050405020304" pitchFamily="18" charset="0"/>
-                <a:ea typeface="Symbol" panose="05050102010706020507" pitchFamily="18" charset="2"/>
-                <a:cs typeface="Symbol" panose="05050102010706020507" pitchFamily="18" charset="2"/>
-              </a:rPr>
-              <a:t>Add to favorites:-User</a:t>
-            </a:r>
-            <a:r>
-              <a:rPr lang="en-US" sz="1800" spc="10" dirty="0">
-                <a:solidFill>
-                  <a:schemeClr val="tx1"/>
-                </a:solidFill>
-                <a:effectLst/>
-                <a:latin typeface="Times New Roman" panose="02020603050405020304" pitchFamily="18" charset="0"/>
-                <a:ea typeface="Symbol" panose="05050102010706020507" pitchFamily="18" charset="2"/>
-                <a:cs typeface="Symbol" panose="05050102010706020507" pitchFamily="18" charset="2"/>
-              </a:rPr>
-              <a:t> </a:t>
-            </a:r>
-            <a:r>
-              <a:rPr lang="en-US" sz="1800" spc="-5" dirty="0">
-                <a:solidFill>
-                  <a:schemeClr val="tx1"/>
-                </a:solidFill>
-                <a:effectLst/>
-                <a:latin typeface="Times New Roman" panose="02020603050405020304" pitchFamily="18" charset="0"/>
-                <a:ea typeface="Symbol" panose="05050102010706020507" pitchFamily="18" charset="2"/>
-                <a:cs typeface="Symbol" panose="05050102010706020507" pitchFamily="18" charset="2"/>
-              </a:rPr>
-              <a:t>can</a:t>
-            </a:r>
-            <a:r>
-              <a:rPr lang="en-US" sz="1800" spc="35" dirty="0">
-                <a:solidFill>
-                  <a:schemeClr val="tx1"/>
-                </a:solidFill>
-                <a:effectLst/>
-                <a:latin typeface="Times New Roman" panose="02020603050405020304" pitchFamily="18" charset="0"/>
-                <a:ea typeface="Symbol" panose="05050102010706020507" pitchFamily="18" charset="2"/>
-                <a:cs typeface="Symbol" panose="05050102010706020507" pitchFamily="18" charset="2"/>
-              </a:rPr>
-              <a:t> </a:t>
-            </a:r>
-            <a:r>
-              <a:rPr lang="en-US" sz="1800" spc="-5" dirty="0">
-                <a:solidFill>
-                  <a:schemeClr val="tx1"/>
-                </a:solidFill>
-                <a:effectLst/>
-                <a:latin typeface="Times New Roman" panose="02020603050405020304" pitchFamily="18" charset="0"/>
-                <a:ea typeface="Symbol" panose="05050102010706020507" pitchFamily="18" charset="2"/>
-                <a:cs typeface="Symbol" panose="05050102010706020507" pitchFamily="18" charset="2"/>
-              </a:rPr>
-              <a:t>add</a:t>
-            </a:r>
-            <a:r>
-              <a:rPr lang="en-US" sz="1800" spc="-85" dirty="0">
-                <a:solidFill>
-                  <a:schemeClr val="tx1"/>
-                </a:solidFill>
-                <a:effectLst/>
-                <a:latin typeface="Times New Roman" panose="02020603050405020304" pitchFamily="18" charset="0"/>
-                <a:ea typeface="Symbol" panose="05050102010706020507" pitchFamily="18" charset="2"/>
-                <a:cs typeface="Symbol" panose="05050102010706020507" pitchFamily="18" charset="2"/>
-              </a:rPr>
-              <a:t> </a:t>
-            </a:r>
-            <a:r>
-              <a:rPr lang="en-US" sz="1800" spc="55" dirty="0">
-                <a:solidFill>
-                  <a:schemeClr val="tx1"/>
-                </a:solidFill>
-                <a:effectLst/>
-                <a:latin typeface="Times New Roman" panose="02020603050405020304" pitchFamily="18" charset="0"/>
-                <a:ea typeface="Symbol" panose="05050102010706020507" pitchFamily="18" charset="2"/>
-                <a:cs typeface="Symbol" panose="05050102010706020507" pitchFamily="18" charset="2"/>
-              </a:rPr>
-              <a:t> </a:t>
-            </a:r>
-            <a:r>
-              <a:rPr lang="en-US" sz="1800" spc="-5" dirty="0">
-                <a:solidFill>
-                  <a:schemeClr val="tx1"/>
-                </a:solidFill>
-                <a:effectLst/>
-                <a:latin typeface="Times New Roman" panose="02020603050405020304" pitchFamily="18" charset="0"/>
-                <a:ea typeface="Symbol" panose="05050102010706020507" pitchFamily="18" charset="2"/>
-                <a:cs typeface="Symbol" panose="05050102010706020507" pitchFamily="18" charset="2"/>
-              </a:rPr>
-              <a:t>searched  files to their </a:t>
-            </a:r>
-            <a:r>
-              <a:rPr lang="en-US" sz="1800" dirty="0">
-                <a:solidFill>
-                  <a:schemeClr val="tx1"/>
-                </a:solidFill>
-                <a:effectLst/>
-                <a:latin typeface="Times New Roman" panose="02020603050405020304" pitchFamily="18" charset="0"/>
-                <a:ea typeface="Symbol" panose="05050102010706020507" pitchFamily="18" charset="2"/>
-                <a:cs typeface="Symbol" panose="05050102010706020507" pitchFamily="18" charset="2"/>
-              </a:rPr>
-              <a:t> </a:t>
-            </a:r>
-            <a:r>
-              <a:rPr lang="en-US" sz="1800" spc="-5" dirty="0">
-                <a:solidFill>
-                  <a:schemeClr val="tx1"/>
-                </a:solidFill>
-                <a:effectLst/>
-                <a:latin typeface="Times New Roman" panose="02020603050405020304" pitchFamily="18" charset="0"/>
-                <a:ea typeface="Symbol" panose="05050102010706020507" pitchFamily="18" charset="2"/>
-                <a:cs typeface="Symbol" panose="05050102010706020507" pitchFamily="18" charset="2"/>
-              </a:rPr>
-              <a:t>favorite list</a:t>
-            </a:r>
-            <a:endParaRPr lang="en-IN" sz="1800" dirty="0">
-              <a:solidFill>
-                <a:schemeClr val="tx1"/>
-              </a:solidFill>
-              <a:effectLst/>
-              <a:latin typeface="Times New Roman" panose="02020603050405020304" pitchFamily="18" charset="0"/>
-              <a:ea typeface="Symbol" panose="05050102010706020507" pitchFamily="18" charset="2"/>
-              <a:cs typeface="Symbol" panose="05050102010706020507" pitchFamily="18" charset="2"/>
-            </a:endParaRPr>
-          </a:p>
-          <a:p>
-            <a:pPr marL="342900" lvl="0" indent="-342900" algn="just">
-              <a:spcBef>
-                <a:spcPts val="665"/>
-              </a:spcBef>
-              <a:buSzPts val="1200"/>
-              <a:buFont typeface="Symbol" panose="05050102010706020507" pitchFamily="18" charset="2"/>
-              <a:buChar char=""/>
-              <a:tabLst>
-                <a:tab pos="456565" algn="l"/>
-                <a:tab pos="457200" algn="l"/>
-              </a:tabLst>
-            </a:pPr>
-            <a:r>
-              <a:rPr lang="en-US" sz="1800" spc="-5" dirty="0">
-                <a:solidFill>
-                  <a:schemeClr val="tx1"/>
-                </a:solidFill>
-                <a:effectLst/>
-                <a:latin typeface="Times New Roman" panose="02020603050405020304" pitchFamily="18" charset="0"/>
-                <a:ea typeface="Symbol" panose="05050102010706020507" pitchFamily="18" charset="2"/>
-                <a:cs typeface="Symbol" panose="05050102010706020507" pitchFamily="18" charset="2"/>
-              </a:rPr>
-              <a:t>Search</a:t>
-            </a:r>
-            <a:r>
-              <a:rPr lang="en-US" sz="1800" spc="-75" dirty="0">
-                <a:solidFill>
-                  <a:schemeClr val="tx1"/>
-                </a:solidFill>
-                <a:effectLst/>
-                <a:latin typeface="Times New Roman" panose="02020603050405020304" pitchFamily="18" charset="0"/>
-                <a:ea typeface="Symbol" panose="05050102010706020507" pitchFamily="18" charset="2"/>
-                <a:cs typeface="Symbol" panose="05050102010706020507" pitchFamily="18" charset="2"/>
-              </a:rPr>
-              <a:t> </a:t>
-            </a:r>
-            <a:r>
-              <a:rPr lang="en-US" sz="1800" spc="-5" dirty="0">
-                <a:solidFill>
-                  <a:schemeClr val="tx1"/>
-                </a:solidFill>
-                <a:effectLst/>
-                <a:latin typeface="Times New Roman" panose="02020603050405020304" pitchFamily="18" charset="0"/>
-                <a:ea typeface="Symbol" panose="05050102010706020507" pitchFamily="18" charset="2"/>
-                <a:cs typeface="Symbol" panose="05050102010706020507" pitchFamily="18" charset="2"/>
-              </a:rPr>
-              <a:t>:-User</a:t>
-            </a:r>
-            <a:r>
-              <a:rPr lang="en-US" sz="1800" spc="5" dirty="0">
-                <a:solidFill>
-                  <a:schemeClr val="tx1"/>
-                </a:solidFill>
-                <a:effectLst/>
-                <a:latin typeface="Times New Roman" panose="02020603050405020304" pitchFamily="18" charset="0"/>
-                <a:ea typeface="Symbol" panose="05050102010706020507" pitchFamily="18" charset="2"/>
-                <a:cs typeface="Symbol" panose="05050102010706020507" pitchFamily="18" charset="2"/>
-              </a:rPr>
-              <a:t> </a:t>
-            </a:r>
-            <a:r>
-              <a:rPr lang="en-US" sz="1800" dirty="0">
-                <a:solidFill>
-                  <a:schemeClr val="tx1"/>
-                </a:solidFill>
-                <a:effectLst/>
-                <a:latin typeface="Times New Roman" panose="02020603050405020304" pitchFamily="18" charset="0"/>
-                <a:ea typeface="Symbol" panose="05050102010706020507" pitchFamily="18" charset="2"/>
-                <a:cs typeface="Symbol" panose="05050102010706020507" pitchFamily="18" charset="2"/>
-              </a:rPr>
-              <a:t>can</a:t>
-            </a:r>
-            <a:r>
-              <a:rPr lang="en-US" sz="1800" spc="-65" dirty="0">
-                <a:solidFill>
-                  <a:schemeClr val="tx1"/>
-                </a:solidFill>
-                <a:effectLst/>
-                <a:latin typeface="Times New Roman" panose="02020603050405020304" pitchFamily="18" charset="0"/>
-                <a:ea typeface="Symbol" panose="05050102010706020507" pitchFamily="18" charset="2"/>
-                <a:cs typeface="Symbol" panose="05050102010706020507" pitchFamily="18" charset="2"/>
-              </a:rPr>
-              <a:t> </a:t>
-            </a:r>
-            <a:r>
-              <a:rPr lang="en-US" sz="1800" dirty="0">
-                <a:solidFill>
-                  <a:schemeClr val="tx1"/>
-                </a:solidFill>
-                <a:effectLst/>
-                <a:latin typeface="Times New Roman" panose="02020603050405020304" pitchFamily="18" charset="0"/>
-                <a:ea typeface="Symbol" panose="05050102010706020507" pitchFamily="18" charset="2"/>
-                <a:cs typeface="Symbol" panose="05050102010706020507" pitchFamily="18" charset="2"/>
-              </a:rPr>
-              <a:t>search</a:t>
-            </a:r>
-            <a:r>
-              <a:rPr lang="en-US" sz="1800" spc="5" dirty="0">
-                <a:solidFill>
-                  <a:schemeClr val="tx1"/>
-                </a:solidFill>
-                <a:effectLst/>
-                <a:latin typeface="Times New Roman" panose="02020603050405020304" pitchFamily="18" charset="0"/>
-                <a:ea typeface="Symbol" panose="05050102010706020507" pitchFamily="18" charset="2"/>
-                <a:cs typeface="Symbol" panose="05050102010706020507" pitchFamily="18" charset="2"/>
-              </a:rPr>
-              <a:t> </a:t>
-            </a:r>
-            <a:r>
-              <a:rPr lang="en-US" sz="1800" dirty="0">
-                <a:solidFill>
-                  <a:schemeClr val="tx1"/>
-                </a:solidFill>
-                <a:effectLst/>
-                <a:latin typeface="Times New Roman" panose="02020603050405020304" pitchFamily="18" charset="0"/>
-                <a:ea typeface="Symbol" panose="05050102010706020507" pitchFamily="18" charset="2"/>
-                <a:cs typeface="Symbol" panose="05050102010706020507" pitchFamily="18" charset="2"/>
-              </a:rPr>
-              <a:t>files which are required for them</a:t>
-            </a:r>
-            <a:endParaRPr lang="en-IN" sz="1800" dirty="0">
-              <a:solidFill>
-                <a:schemeClr val="tx1"/>
-              </a:solidFill>
-              <a:effectLst/>
-              <a:latin typeface="Times New Roman" panose="02020603050405020304" pitchFamily="18" charset="0"/>
-              <a:ea typeface="Symbol" panose="05050102010706020507" pitchFamily="18" charset="2"/>
-              <a:cs typeface="Symbol" panose="05050102010706020507" pitchFamily="18" charset="2"/>
-            </a:endParaRPr>
-          </a:p>
-          <a:p>
-            <a:pPr marL="342900" lvl="0" indent="-342900" algn="just">
-              <a:spcBef>
-                <a:spcPts val="675"/>
-              </a:spcBef>
-              <a:spcAft>
-                <a:spcPts val="0"/>
-              </a:spcAft>
-              <a:buSzPts val="1200"/>
-              <a:buFont typeface="Symbol" panose="05050102010706020507" pitchFamily="18" charset="2"/>
-              <a:buChar char=""/>
-              <a:tabLst>
-                <a:tab pos="456565" algn="l"/>
-                <a:tab pos="457200" algn="l"/>
-              </a:tabLst>
-            </a:pPr>
-            <a:r>
-              <a:rPr lang="en-US" sz="1800" spc="-5" dirty="0">
-                <a:solidFill>
-                  <a:schemeClr val="tx1"/>
-                </a:solidFill>
-                <a:effectLst/>
-                <a:latin typeface="Times New Roman" panose="02020603050405020304" pitchFamily="18" charset="0"/>
-                <a:ea typeface="Symbol" panose="05050102010706020507" pitchFamily="18" charset="2"/>
-                <a:cs typeface="Symbol" panose="05050102010706020507" pitchFamily="18" charset="2"/>
-              </a:rPr>
-              <a:t>Notifications:-Notifications </a:t>
-            </a:r>
-            <a:r>
-              <a:rPr lang="en-US" sz="1800" spc="-5" dirty="0">
-                <a:solidFill>
-                  <a:schemeClr val="tx1"/>
-                </a:solidFill>
-                <a:latin typeface="Times New Roman" panose="02020603050405020304" pitchFamily="18" charset="0"/>
-                <a:ea typeface="Symbol" panose="05050102010706020507" pitchFamily="18" charset="2"/>
-                <a:cs typeface="Symbol" panose="05050102010706020507" pitchFamily="18" charset="2"/>
-              </a:rPr>
-              <a:t>of other users posting documents</a:t>
-            </a:r>
-            <a:endParaRPr lang="en-IN" sz="1800" dirty="0">
-              <a:solidFill>
-                <a:schemeClr val="tx1"/>
-              </a:solidFill>
-              <a:effectLst/>
-              <a:latin typeface="Times New Roman" panose="02020603050405020304" pitchFamily="18" charset="0"/>
-              <a:ea typeface="Symbol" panose="05050102010706020507" pitchFamily="18" charset="2"/>
-              <a:cs typeface="Symbol" panose="05050102010706020507" pitchFamily="18" charset="2"/>
-            </a:endParaRPr>
-          </a:p>
-          <a:p>
-            <a:pPr marL="342900" marR="167005" lvl="0" indent="-342900" algn="just">
-              <a:lnSpc>
-                <a:spcPct val="98000"/>
-              </a:lnSpc>
-              <a:spcBef>
-                <a:spcPts val="680"/>
-              </a:spcBef>
-              <a:spcAft>
-                <a:spcPts val="0"/>
-              </a:spcAft>
-              <a:buSzPts val="1200"/>
-              <a:buFont typeface="Symbol" panose="05050102010706020507" pitchFamily="18" charset="2"/>
-              <a:buChar char=""/>
-              <a:tabLst>
-                <a:tab pos="456565" algn="l"/>
-                <a:tab pos="457200" algn="l"/>
-              </a:tabLst>
-            </a:pPr>
-            <a:r>
-              <a:rPr lang="en-US" sz="1800" dirty="0">
-                <a:solidFill>
-                  <a:schemeClr val="tx1"/>
-                </a:solidFill>
-                <a:effectLst/>
-                <a:latin typeface="Times New Roman" panose="02020603050405020304" pitchFamily="18" charset="0"/>
-                <a:ea typeface="Symbol" panose="05050102010706020507" pitchFamily="18" charset="2"/>
-                <a:cs typeface="Symbol" panose="05050102010706020507" pitchFamily="18" charset="2"/>
-              </a:rPr>
-              <a:t>Rating:-user can rate the courses after they have completed the course based on its proficiency </a:t>
-            </a:r>
-            <a:endParaRPr lang="en-IN" sz="1800" dirty="0">
-              <a:solidFill>
-                <a:schemeClr val="tx1"/>
-              </a:solidFill>
-              <a:effectLst/>
-              <a:latin typeface="Times New Roman" panose="02020603050405020304" pitchFamily="18" charset="0"/>
-              <a:ea typeface="Symbol" panose="05050102010706020507" pitchFamily="18" charset="2"/>
-              <a:cs typeface="Symbol" panose="05050102010706020507" pitchFamily="18" charset="2"/>
-            </a:endParaRPr>
-          </a:p>
-          <a:p>
-            <a:pPr marL="342900" marR="167005" lvl="0" indent="-342900" algn="just">
-              <a:lnSpc>
-                <a:spcPct val="98000"/>
-              </a:lnSpc>
-              <a:spcBef>
-                <a:spcPts val="680"/>
-              </a:spcBef>
-              <a:spcAft>
-                <a:spcPts val="0"/>
-              </a:spcAft>
-              <a:buSzPts val="1200"/>
-              <a:buFont typeface="Symbol" panose="05050102010706020507" pitchFamily="18" charset="2"/>
-              <a:buChar char=""/>
-              <a:tabLst>
-                <a:tab pos="456565" algn="l"/>
-                <a:tab pos="457200" algn="l"/>
-              </a:tabLst>
-            </a:pPr>
-            <a:r>
-              <a:rPr lang="en-US" sz="1800" dirty="0">
-                <a:solidFill>
-                  <a:schemeClr val="tx1"/>
-                </a:solidFill>
-                <a:effectLst/>
-                <a:latin typeface="Times New Roman" panose="02020603050405020304" pitchFamily="18" charset="0"/>
-                <a:ea typeface="Symbol" panose="05050102010706020507" pitchFamily="18" charset="2"/>
-                <a:cs typeface="Symbol" panose="05050102010706020507" pitchFamily="18" charset="2"/>
-              </a:rPr>
-              <a:t>Payment:-user can enroll for paid courses  by doing online payment</a:t>
-            </a:r>
-            <a:endParaRPr lang="en-IN" sz="1800" dirty="0">
-              <a:solidFill>
-                <a:schemeClr val="tx1"/>
-              </a:solidFill>
-              <a:effectLst/>
-              <a:latin typeface="Times New Roman" panose="02020603050405020304" pitchFamily="18" charset="0"/>
-              <a:ea typeface="Symbol" panose="05050102010706020507" pitchFamily="18" charset="2"/>
-              <a:cs typeface="Symbol" panose="05050102010706020507" pitchFamily="18" charset="2"/>
-            </a:endParaRPr>
-          </a:p>
-          <a:p>
-            <a:pPr marL="342900" marR="167005" lvl="0" indent="-342900" algn="just">
-              <a:lnSpc>
-                <a:spcPct val="98000"/>
-              </a:lnSpc>
-              <a:spcBef>
-                <a:spcPts val="680"/>
-              </a:spcBef>
-              <a:spcAft>
-                <a:spcPts val="0"/>
-              </a:spcAft>
-              <a:buSzPts val="1200"/>
-              <a:buFont typeface="Symbol" panose="05050102010706020507" pitchFamily="18" charset="2"/>
-              <a:buChar char=""/>
-              <a:tabLst>
-                <a:tab pos="456565" algn="l"/>
-                <a:tab pos="457200" algn="l"/>
-              </a:tabLst>
-            </a:pPr>
-            <a:r>
-              <a:rPr lang="en-US" sz="1800" dirty="0">
-                <a:solidFill>
-                  <a:schemeClr val="tx1"/>
-                </a:solidFill>
-                <a:effectLst/>
-                <a:latin typeface="Times New Roman" panose="02020603050405020304" pitchFamily="18" charset="0"/>
-                <a:ea typeface="Symbol" panose="05050102010706020507" pitchFamily="18" charset="2"/>
-                <a:cs typeface="Symbol" panose="05050102010706020507" pitchFamily="18" charset="2"/>
-              </a:rPr>
-              <a:t>Certificate generator:-After course completion user can  get the </a:t>
-            </a:r>
-            <a:r>
-              <a:rPr lang="en-US" sz="1800">
-                <a:solidFill>
-                  <a:schemeClr val="tx1"/>
-                </a:solidFill>
-                <a:effectLst/>
-                <a:latin typeface="Times New Roman" panose="02020603050405020304" pitchFamily="18" charset="0"/>
-                <a:ea typeface="Symbol" panose="05050102010706020507" pitchFamily="18" charset="2"/>
-                <a:cs typeface="Symbol" panose="05050102010706020507" pitchFamily="18" charset="2"/>
-              </a:rPr>
-              <a:t>certificate </a:t>
-            </a:r>
-            <a:endParaRPr lang="en-IN" sz="1800" dirty="0">
-              <a:solidFill>
-                <a:schemeClr val="tx1"/>
-              </a:solidFill>
-              <a:effectLst/>
-              <a:latin typeface="Times New Roman" panose="02020603050405020304" pitchFamily="18" charset="0"/>
-              <a:ea typeface="Symbol" panose="05050102010706020507" pitchFamily="18" charset="2"/>
-              <a:cs typeface="Symbol" panose="05050102010706020507" pitchFamily="18" charset="2"/>
-            </a:endParaRPr>
+            <a:r>
+              <a:rPr lang="en-US" dirty="0"/>
+              <a:t>”</a:t>
+            </a:r>
           </a:p>
         </p:txBody>
       </p:sp>
     </p:spTree>
     <p:extLst>
       <p:ext uri="{BB962C8B-B14F-4D97-AF65-F5344CB8AC3E}">
-        <p14:creationId xmlns:p14="http://schemas.microsoft.com/office/powerpoint/2010/main" val="871201397"/>
+        <p14:creationId xmlns:p14="http://schemas.microsoft.com/office/powerpoint/2010/main" val="1563980609"/>
       </p:ext>
     </p:extLst>
   </p:cSld>
@@ -17061,120 +16947,6 @@
       </p:grpSpPr>
       <p:sp>
         <p:nvSpPr>
-          <p:cNvPr id="2" name="Title 1">
-            <a:extLst>
-              <a:ext uri="{FF2B5EF4-FFF2-40B4-BE49-F238E27FC236}">
-                <a16:creationId xmlns:a16="http://schemas.microsoft.com/office/drawing/2014/main" id="{82C7E564-4283-8AE2-ADD2-7B3FFCFA26C7}"/>
-              </a:ext>
-            </a:extLst>
-          </p:cNvPr>
-          <p:cNvSpPr>
-            <a:spLocks noGrp="1"/>
-          </p:cNvSpPr>
-          <p:nvPr>
-            <p:ph type="title"/>
-          </p:nvPr>
-        </p:nvSpPr>
-        <p:spPr/>
-        <p:txBody>
-          <a:bodyPr/>
-          <a:lstStyle/>
-          <a:p>
-            <a:r>
-              <a:rPr lang="en-US" dirty="0"/>
-              <a:t>TECHNICAL ASPECTS</a:t>
-            </a:r>
-          </a:p>
-        </p:txBody>
-      </p:sp>
-      <p:sp>
-        <p:nvSpPr>
-          <p:cNvPr id="10" name="Text Placeholder 9">
-            <a:extLst>
-              <a:ext uri="{FF2B5EF4-FFF2-40B4-BE49-F238E27FC236}">
-                <a16:creationId xmlns:a16="http://schemas.microsoft.com/office/drawing/2014/main" id="{FA47ED29-D9DA-9DC6-8B43-80EC2A2E5B50}"/>
-              </a:ext>
-            </a:extLst>
-          </p:cNvPr>
-          <p:cNvSpPr>
-            <a:spLocks noGrp="1"/>
-          </p:cNvSpPr>
-          <p:nvPr>
-            <p:ph type="body" sz="quarter" idx="10"/>
-          </p:nvPr>
-        </p:nvSpPr>
-        <p:spPr/>
-        <p:txBody>
-          <a:bodyPr/>
-          <a:lstStyle/>
-          <a:p>
-            <a:r>
-              <a:rPr lang="en-US" dirty="0"/>
-              <a:t>“</a:t>
-            </a:r>
-          </a:p>
-        </p:txBody>
-      </p:sp>
-      <p:sp>
-        <p:nvSpPr>
-          <p:cNvPr id="11" name="Text Placeholder 10">
-            <a:extLst>
-              <a:ext uri="{FF2B5EF4-FFF2-40B4-BE49-F238E27FC236}">
-                <a16:creationId xmlns:a16="http://schemas.microsoft.com/office/drawing/2014/main" id="{CB634FAD-36DD-9FB0-7030-266A29178C42}"/>
-              </a:ext>
-            </a:extLst>
-          </p:cNvPr>
-          <p:cNvSpPr>
-            <a:spLocks noGrp="1"/>
-          </p:cNvSpPr>
-          <p:nvPr>
-            <p:ph type="body" sz="quarter" idx="11"/>
-          </p:nvPr>
-        </p:nvSpPr>
-        <p:spPr/>
-        <p:txBody>
-          <a:bodyPr/>
-          <a:lstStyle/>
-          <a:p>
-            <a:r>
-              <a:rPr lang="en-US" dirty="0"/>
-              <a:t>”</a:t>
-            </a:r>
-          </a:p>
-        </p:txBody>
-      </p:sp>
-    </p:spTree>
-    <p:extLst>
-      <p:ext uri="{BB962C8B-B14F-4D97-AF65-F5344CB8AC3E}">
-        <p14:creationId xmlns:p14="http://schemas.microsoft.com/office/powerpoint/2010/main" val="1563980609"/>
-      </p:ext>
-    </p:extLst>
-  </p:cSld>
-  <p:clrMapOvr>
-    <a:masterClrMapping/>
-  </p:clrMapOvr>
-</p:sld>
-</file>
-
-<file path=ppt/slides/slide8.xml><?xml version="1.0" encoding="utf-8"?>
-<p:sld xmlns:a="http://schemas.openxmlformats.org/drawingml/2006/main" xmlns:r="http://schemas.openxmlformats.org/officeDocument/2006/relationships" xmlns:p="http://schemas.openxmlformats.org/presentationml/2006/main">
-  <p:cSld>
-    <p:spTree>
-      <p:nvGrpSpPr>
-        <p:cNvPr id="1" name=""/>
-        <p:cNvGrpSpPr/>
-        <p:nvPr/>
-      </p:nvGrpSpPr>
-      <p:grpSpPr>
-        <a:xfrm>
-          <a:off x="0" y="0"/>
-          <a:ext cx="0" cy="0"/>
-          <a:chOff x="0" y="0"/>
-          <a:chExt cx="0" cy="0"/>
-        </a:xfrm>
-      </p:grpSpPr>
-      <p:sp>
-        <p:nvSpPr>
           <p:cNvPr id="12" name="Rectangle 11">
             <a:extLst>
               <a:ext uri="{FF2B5EF4-FFF2-40B4-BE49-F238E27FC236}">
@@ -17522,7 +17294,7 @@
             <a:fld id="{19B51A1E-902D-48AF-9020-955120F399B6}" type="slidenum">
               <a:rPr lang="en-US" smtClean="0"/>
               <a:pPr/>
-              <a:t>8</a:t>
+              <a:t>7</a:t>
             </a:fld>
             <a:endParaRPr lang="en-US" dirty="0"/>
           </a:p>
@@ -18450,7 +18222,7 @@
 </p:sld>
 </file>
 
-<file path=ppt/slides/slide9.xml><?xml version="1.0" encoding="utf-8"?>
+<file path=ppt/slides/slide8.xml><?xml version="1.0" encoding="utf-8"?>
 <p:sld xmlns:a="http://schemas.openxmlformats.org/drawingml/2006/main" xmlns:r="http://schemas.openxmlformats.org/officeDocument/2006/relationships" xmlns:p="http://schemas.openxmlformats.org/presentationml/2006/main">
   <p:cSld>
     <p:spTree>
@@ -18534,8 +18306,8 @@
         </p:blipFill>
         <p:spPr>
           <a:xfrm>
-            <a:off x="726141" y="764833"/>
-            <a:ext cx="10748683" cy="5598861"/>
+            <a:off x="2393576" y="764833"/>
+            <a:ext cx="7261411" cy="5598861"/>
           </a:xfrm>
           <a:prstGeom prst="rect">
             <a:avLst/>
@@ -18630,7 +18402,7 @@
             <a:fld id="{19B51A1E-902D-48AF-9020-955120F399B6}" type="slidenum">
               <a:rPr lang="en-US" smtClean="0"/>
               <a:pPr/>
-              <a:t>9</a:t>
+              <a:t>8</a:t>
             </a:fld>
             <a:endParaRPr lang="en-US" dirty="0"/>
           </a:p>
@@ -18658,6 +18430,364 @@
       </p:transition>
     </mc:Fallback>
   </mc:AlternateContent>
+</p:sld>
+</file>
+
+<file path=ppt/slides/slide9.xml><?xml version="1.0" encoding="utf-8"?>
+<p:sld xmlns:a="http://schemas.openxmlformats.org/drawingml/2006/main" xmlns:r="http://schemas.openxmlformats.org/officeDocument/2006/relationships" xmlns:p="http://schemas.openxmlformats.org/presentationml/2006/main">
+  <p:cSld>
+    <p:spTree>
+      <p:nvGrpSpPr>
+        <p:cNvPr id="1" name=""/>
+        <p:cNvGrpSpPr/>
+        <p:nvPr/>
+      </p:nvGrpSpPr>
+      <p:grpSpPr>
+        <a:xfrm>
+          <a:off x="0" y="0"/>
+          <a:ext cx="0" cy="0"/>
+          <a:chOff x="0" y="0"/>
+          <a:chExt cx="0" cy="0"/>
+        </a:xfrm>
+      </p:grpSpPr>
+      <p:sp>
+        <p:nvSpPr>
+          <p:cNvPr id="2" name="Title 1">
+            <a:extLst>
+              <a:ext uri="{FF2B5EF4-FFF2-40B4-BE49-F238E27FC236}">
+                <a16:creationId xmlns:a16="http://schemas.microsoft.com/office/drawing/2014/main" id="{69554157-869F-9BBE-CFCF-717129CA6907}"/>
+              </a:ext>
+            </a:extLst>
+          </p:cNvPr>
+          <p:cNvSpPr>
+            <a:spLocks noGrp="1"/>
+          </p:cNvSpPr>
+          <p:nvPr>
+            <p:ph type="title"/>
+          </p:nvPr>
+        </p:nvSpPr>
+        <p:spPr/>
+        <p:txBody>
+          <a:bodyPr>
+            <a:normAutofit/>
+          </a:bodyPr>
+          <a:lstStyle/>
+          <a:p>
+            <a:r>
+              <a:rPr lang="en-US" dirty="0">
+                <a:latin typeface="Baskerville Old Face" panose="02020602080505020303" pitchFamily="18" charset="77"/>
+              </a:rPr>
+              <a:t>Challenges faced during the development</a:t>
+            </a:r>
+            <a:r>
+              <a:rPr lang="en-US" dirty="0">
+                <a:solidFill>
+                  <a:schemeClr val="accent3"/>
+                </a:solidFill>
+              </a:rPr>
+              <a:t> </a:t>
+            </a:r>
+            <a:endParaRPr lang="en-US" dirty="0"/>
+          </a:p>
+        </p:txBody>
+      </p:sp>
+      <p:sp>
+        <p:nvSpPr>
+          <p:cNvPr id="6" name="Text Placeholder 5">
+            <a:extLst>
+              <a:ext uri="{FF2B5EF4-FFF2-40B4-BE49-F238E27FC236}">
+                <a16:creationId xmlns:a16="http://schemas.microsoft.com/office/drawing/2014/main" id="{4745F791-6509-4077-2322-878B001A0DA1}"/>
+              </a:ext>
+            </a:extLst>
+          </p:cNvPr>
+          <p:cNvSpPr>
+            <a:spLocks noGrp="1"/>
+          </p:cNvSpPr>
+          <p:nvPr>
+            <p:ph type="body" idx="1"/>
+          </p:nvPr>
+        </p:nvSpPr>
+        <p:spPr/>
+        <p:txBody>
+          <a:bodyPr>
+            <a:normAutofit fontScale="85000" lnSpcReduction="10000"/>
+          </a:bodyPr>
+          <a:lstStyle/>
+          <a:p>
+            <a:r>
+              <a:rPr lang="en-IN" dirty="0"/>
+              <a:t>USER AUTHENTICATION</a:t>
+            </a:r>
+          </a:p>
+        </p:txBody>
+      </p:sp>
+      <p:sp>
+        <p:nvSpPr>
+          <p:cNvPr id="3" name="Content Placeholder 2">
+            <a:extLst>
+              <a:ext uri="{FF2B5EF4-FFF2-40B4-BE49-F238E27FC236}">
+                <a16:creationId xmlns:a16="http://schemas.microsoft.com/office/drawing/2014/main" id="{DC9AC05D-560D-1665-8879-549C0B4EDE5C}"/>
+              </a:ext>
+            </a:extLst>
+          </p:cNvPr>
+          <p:cNvSpPr>
+            <a:spLocks noGrp="1"/>
+          </p:cNvSpPr>
+          <p:nvPr>
+            <p:ph sz="half" idx="2"/>
+          </p:nvPr>
+        </p:nvSpPr>
+        <p:spPr/>
+        <p:txBody>
+          <a:bodyPr>
+            <a:normAutofit/>
+          </a:bodyPr>
+          <a:lstStyle/>
+          <a:p>
+            <a:pPr marL="0" indent="0">
+              <a:lnSpc>
+                <a:spcPct val="100000"/>
+              </a:lnSpc>
+              <a:buNone/>
+            </a:pPr>
+            <a:r>
+              <a:rPr lang="en-US" sz="1800" dirty="0">
+                <a:solidFill>
+                  <a:schemeClr val="accent3"/>
+                </a:solidFill>
+                <a:latin typeface="Times New Roman" panose="02020603050405020304" pitchFamily="18" charset="0"/>
+                <a:cs typeface="Times New Roman" panose="02020603050405020304" pitchFamily="18" charset="0"/>
+              </a:rPr>
+              <a:t>User authentication in an online study notes portal involves implementing secure login mechanisms (such as username/password or two-factor authentication) to verify the identity of users, allowing only authorized individuals to access and interact with their study notes, ensuring data confidentiality and protection.</a:t>
+            </a:r>
+          </a:p>
+        </p:txBody>
+      </p:sp>
+      <p:sp>
+        <p:nvSpPr>
+          <p:cNvPr id="7" name="Text Placeholder 6">
+            <a:extLst>
+              <a:ext uri="{FF2B5EF4-FFF2-40B4-BE49-F238E27FC236}">
+                <a16:creationId xmlns:a16="http://schemas.microsoft.com/office/drawing/2014/main" id="{F5A6F11E-291C-9262-E96F-193CE6590B83}"/>
+              </a:ext>
+            </a:extLst>
+          </p:cNvPr>
+          <p:cNvSpPr>
+            <a:spLocks noGrp="1"/>
+          </p:cNvSpPr>
+          <p:nvPr>
+            <p:ph type="body" sz="quarter" idx="3"/>
+          </p:nvPr>
+        </p:nvSpPr>
+        <p:spPr>
+          <a:xfrm>
+            <a:off x="4498848" y="2008095"/>
+            <a:ext cx="3200400" cy="621022"/>
+          </a:xfrm>
+        </p:spPr>
+        <p:txBody>
+          <a:bodyPr>
+            <a:normAutofit fontScale="85000" lnSpcReduction="10000"/>
+          </a:bodyPr>
+          <a:lstStyle/>
+          <a:p>
+            <a:r>
+              <a:rPr lang="en-IN" dirty="0"/>
+              <a:t>USER-SPECIFIC PERMISSION AND ACCESS CONTROL</a:t>
+            </a:r>
+          </a:p>
+        </p:txBody>
+      </p:sp>
+      <p:sp>
+        <p:nvSpPr>
+          <p:cNvPr id="8" name="Content Placeholder 7">
+            <a:extLst>
+              <a:ext uri="{FF2B5EF4-FFF2-40B4-BE49-F238E27FC236}">
+                <a16:creationId xmlns:a16="http://schemas.microsoft.com/office/drawing/2014/main" id="{0AC45834-D00F-0B30-029E-4EB21AEEBD21}"/>
+              </a:ext>
+            </a:extLst>
+          </p:cNvPr>
+          <p:cNvSpPr>
+            <a:spLocks noGrp="1"/>
+          </p:cNvSpPr>
+          <p:nvPr>
+            <p:ph sz="quarter" idx="4"/>
+          </p:nvPr>
+        </p:nvSpPr>
+        <p:spPr/>
+        <p:txBody>
+          <a:bodyPr>
+            <a:normAutofit/>
+          </a:bodyPr>
+          <a:lstStyle/>
+          <a:p>
+            <a:r>
+              <a:rPr lang="en-US" sz="1800" dirty="0">
+                <a:latin typeface="Times New Roman" panose="02020603050405020304" pitchFamily="18" charset="0"/>
+                <a:cs typeface="Times New Roman" panose="02020603050405020304" pitchFamily="18" charset="0"/>
+              </a:rPr>
+              <a:t>Implementing user-specific permission and access control in an online study notes portal involves defining roles (such as user, and admin) and assigning appropriate privileges, ensuring that users can access and modify notes based on their assigned roles, thus maintaining data security and privacy.</a:t>
+            </a:r>
+            <a:endParaRPr lang="en-IN" sz="1800" dirty="0">
+              <a:latin typeface="Times New Roman" panose="02020603050405020304" pitchFamily="18" charset="0"/>
+              <a:cs typeface="Times New Roman" panose="02020603050405020304" pitchFamily="18" charset="0"/>
+            </a:endParaRPr>
+          </a:p>
+        </p:txBody>
+      </p:sp>
+      <p:sp>
+        <p:nvSpPr>
+          <p:cNvPr id="4" name="Footer Placeholder 3">
+            <a:extLst>
+              <a:ext uri="{FF2B5EF4-FFF2-40B4-BE49-F238E27FC236}">
+                <a16:creationId xmlns:a16="http://schemas.microsoft.com/office/drawing/2014/main" id="{8EF088D1-E89A-FD55-EB44-49411774536D}"/>
+              </a:ext>
+            </a:extLst>
+          </p:cNvPr>
+          <p:cNvSpPr>
+            <a:spLocks noGrp="1"/>
+          </p:cNvSpPr>
+          <p:nvPr>
+            <p:ph type="ftr" sz="quarter" idx="11"/>
+          </p:nvPr>
+        </p:nvSpPr>
+        <p:spPr/>
+        <p:txBody>
+          <a:bodyPr/>
+          <a:lstStyle/>
+          <a:p>
+            <a:r>
+              <a:rPr lang="en-US"/>
+              <a:t>Presentation title</a:t>
+            </a:r>
+            <a:endParaRPr lang="en-US" dirty="0"/>
+          </a:p>
+        </p:txBody>
+      </p:sp>
+      <p:sp>
+        <p:nvSpPr>
+          <p:cNvPr id="5" name="Slide Number Placeholder 4">
+            <a:extLst>
+              <a:ext uri="{FF2B5EF4-FFF2-40B4-BE49-F238E27FC236}">
+                <a16:creationId xmlns:a16="http://schemas.microsoft.com/office/drawing/2014/main" id="{94026A48-6EF8-D4D0-2C6E-1F96935EA501}"/>
+              </a:ext>
+            </a:extLst>
+          </p:cNvPr>
+          <p:cNvSpPr>
+            <a:spLocks noGrp="1"/>
+          </p:cNvSpPr>
+          <p:nvPr>
+            <p:ph type="sldNum" sz="quarter" idx="12"/>
+          </p:nvPr>
+        </p:nvSpPr>
+        <p:spPr/>
+        <p:txBody>
+          <a:bodyPr/>
+          <a:lstStyle/>
+          <a:p>
+            <a:fld id="{294A09A9-5501-47C1-A89A-A340965A2BE2}" type="slidenum">
+              <a:rPr lang="en-US" smtClean="0"/>
+              <a:pPr/>
+              <a:t>9</a:t>
+            </a:fld>
+            <a:endParaRPr lang="en-US" dirty="0"/>
+          </a:p>
+        </p:txBody>
+      </p:sp>
+      <p:sp>
+        <p:nvSpPr>
+          <p:cNvPr id="9" name="Text Placeholder 8">
+            <a:extLst>
+              <a:ext uri="{FF2B5EF4-FFF2-40B4-BE49-F238E27FC236}">
+                <a16:creationId xmlns:a16="http://schemas.microsoft.com/office/drawing/2014/main" id="{10AAB5C4-4A01-8A33-257A-A0000CA67F38}"/>
+              </a:ext>
+            </a:extLst>
+          </p:cNvPr>
+          <p:cNvSpPr>
+            <a:spLocks noGrp="1"/>
+          </p:cNvSpPr>
+          <p:nvPr>
+            <p:ph type="body" sz="quarter" idx="13"/>
+          </p:nvPr>
+        </p:nvSpPr>
+        <p:spPr/>
+        <p:txBody>
+          <a:bodyPr/>
+          <a:lstStyle/>
+          <a:p>
+            <a:r>
+              <a:rPr lang="en-IN" dirty="0"/>
+              <a:t>CRUD OPERATIONS</a:t>
+            </a:r>
+          </a:p>
+        </p:txBody>
+      </p:sp>
+      <p:sp>
+        <p:nvSpPr>
+          <p:cNvPr id="10" name="Content Placeholder 9">
+            <a:extLst>
+              <a:ext uri="{FF2B5EF4-FFF2-40B4-BE49-F238E27FC236}">
+                <a16:creationId xmlns:a16="http://schemas.microsoft.com/office/drawing/2014/main" id="{C50CBBC5-89E9-7185-4EF1-F1B5205620FF}"/>
+              </a:ext>
+            </a:extLst>
+          </p:cNvPr>
+          <p:cNvSpPr>
+            <a:spLocks noGrp="1"/>
+          </p:cNvSpPr>
+          <p:nvPr>
+            <p:ph sz="quarter" idx="14"/>
+          </p:nvPr>
+        </p:nvSpPr>
+        <p:spPr/>
+        <p:txBody>
+          <a:bodyPr>
+            <a:normAutofit/>
+          </a:bodyPr>
+          <a:lstStyle/>
+          <a:p>
+            <a:r>
+              <a:rPr lang="en-US" sz="1800" dirty="0">
+                <a:solidFill>
+                  <a:schemeClr val="accent3"/>
+                </a:solidFill>
+                <a:latin typeface="Times New Roman" panose="02020603050405020304" pitchFamily="18" charset="0"/>
+                <a:cs typeface="Times New Roman" panose="02020603050405020304" pitchFamily="18" charset="0"/>
+              </a:rPr>
+              <a:t>Crud operations:-I have faced validation errors while performing crud operation so I used forms.py for crud operation </a:t>
+            </a:r>
+            <a:r>
+              <a:rPr lang="en-US" sz="1800" dirty="0">
+                <a:latin typeface="Times New Roman" panose="02020603050405020304" pitchFamily="18" charset="0"/>
+                <a:cs typeface="Times New Roman" panose="02020603050405020304" pitchFamily="18" charset="0"/>
+              </a:rPr>
+              <a:t>.Forms.py automatically handles validations of the fields.</a:t>
+            </a:r>
+            <a:endParaRPr lang="en-US" sz="1800" dirty="0">
+              <a:solidFill>
+                <a:schemeClr val="accent3"/>
+              </a:solidFill>
+              <a:latin typeface="Times New Roman" panose="02020603050405020304" pitchFamily="18" charset="0"/>
+              <a:cs typeface="Times New Roman" panose="02020603050405020304" pitchFamily="18" charset="0"/>
+            </a:endParaRPr>
+          </a:p>
+          <a:p>
+            <a:endParaRPr lang="en-IN" sz="1800" dirty="0">
+              <a:latin typeface="Times New Roman" panose="02020603050405020304" pitchFamily="18" charset="0"/>
+              <a:cs typeface="Times New Roman" panose="02020603050405020304" pitchFamily="18" charset="0"/>
+            </a:endParaRPr>
+          </a:p>
+        </p:txBody>
+      </p:sp>
+    </p:spTree>
+    <p:extLst>
+      <p:ext uri="{BB962C8B-B14F-4D97-AF65-F5344CB8AC3E}">
+        <p14:creationId xmlns:p14="http://schemas.microsoft.com/office/powerpoint/2010/main" val="520700503"/>
+      </p:ext>
+    </p:extLst>
+  </p:cSld>
+  <p:clrMapOvr>
+    <a:masterClrMapping/>
+  </p:clrMapOvr>
 </p:sld>
 </file>
 
